--- a/userdes.pptx
+++ b/userdes.pptx
@@ -15244,7 +15244,23 @@
                   <a:schemeClr val="bg1"/>
                 </a:solidFill>
               </a:rPr>
-              <a:t>  TNC 400 Meters</a:t>
+              <a:t>  </a:t>
+            </a:r>
+            <a:r>
+              <a:rPr lang="en-PH">
+                <a:solidFill>
+                  <a:schemeClr val="bg1"/>
+                </a:solidFill>
+              </a:rPr>
+              <a:t>TNC 600 </a:t>
+            </a:r>
+            <a:r>
+              <a:rPr lang="en-PH" dirty="0">
+                <a:solidFill>
+                  <a:schemeClr val="bg1"/>
+                </a:solidFill>
+              </a:rPr>
+              <a:t>Meters</a:t>
             </a:r>
           </a:p>
         </p:txBody>
@@ -15962,18 +15978,18 @@
 </file>
 
 <file path=customXml/item2.xml><?xml version="1.0" encoding="utf-8"?>
-<p:properties xmlns:p="http://schemas.microsoft.com/office/2006/metadata/properties" xmlns:xsi="http://www.w3.org/2001/XMLSchema-instance" xmlns:pc="http://schemas.microsoft.com/office/infopath/2007/PartnerControls">
-  <documentManagement/>
-</p:properties>
-</file>
-
-<file path=customXml/item3.xml><?xml version="1.0" encoding="utf-8"?>
 <?mso-contentType ?>
 <FormTemplates xmlns="http://schemas.microsoft.com/sharepoint/v3/contenttype/forms">
   <Display>DocumentLibraryForm</Display>
   <Edit>DocumentLibraryForm</Edit>
   <New>DocumentLibraryForm</New>
 </FormTemplates>
+</file>
+
+<file path=customXml/item3.xml><?xml version="1.0" encoding="utf-8"?>
+<p:properties xmlns:p="http://schemas.microsoft.com/office/2006/metadata/properties" xmlns:xsi="http://www.w3.org/2001/XMLSchema-instance" xmlns:pc="http://schemas.microsoft.com/office/infopath/2007/PartnerControls">
+  <documentManagement/>
+</p:properties>
 </file>
 
 <file path=customXml/itemProps1.xml><?xml version="1.0" encoding="utf-8"?>
@@ -15996,6 +16012,14 @@
 </file>
 
 <file path=customXml/itemProps2.xml><?xml version="1.0" encoding="utf-8"?>
+<ds:datastoreItem xmlns:ds="http://schemas.openxmlformats.org/officeDocument/2006/customXml" ds:itemID="{D7EDC7EB-0DC1-44C1-867C-7EF6FE677BC5}">
+  <ds:schemaRefs>
+    <ds:schemaRef ds:uri="http://schemas.microsoft.com/sharepoint/v3/contenttype/forms"/>
+  </ds:schemaRefs>
+</ds:datastoreItem>
+</file>
+
+<file path=customXml/itemProps3.xml><?xml version="1.0" encoding="utf-8"?>
 <ds:datastoreItem xmlns:ds="http://schemas.openxmlformats.org/officeDocument/2006/customXml" ds:itemID="{8C47A13B-D867-4692-B527-F6C7A8158F04}">
   <ds:schemaRefs>
     <ds:schemaRef ds:uri="http://www.w3.org/XML/1998/namespace"/>
@@ -16010,12 +16034,4 @@
     <ds:schemaRef ds:uri="http://purl.org/dc/elements/1.1/"/>
   </ds:schemaRefs>
 </ds:datastoreItem>
-</file>
-
-<file path=customXml/itemProps3.xml><?xml version="1.0" encoding="utf-8"?>
-<ds:datastoreItem xmlns:ds="http://schemas.openxmlformats.org/officeDocument/2006/customXml" ds:itemID="{D7EDC7EB-0DC1-44C1-867C-7EF6FE677BC5}">
-  <ds:schemaRefs>
-    <ds:schemaRef ds:uri="http://schemas.microsoft.com/sharepoint/v3/contenttype/forms"/>
-  </ds:schemaRefs>
-</ds:datastoreItem>
 </file>
--- a/userdes.pptx
+++ b/userdes.pptx
@@ -11,14 +11,17 @@
     <p:sldId id="262" r:id="rId8"/>
     <p:sldId id="263" r:id="rId9"/>
     <p:sldId id="267" r:id="rId10"/>
-    <p:sldId id="266" r:id="rId11"/>
-    <p:sldId id="268" r:id="rId12"/>
-    <p:sldId id="256" r:id="rId13"/>
-    <p:sldId id="257" r:id="rId14"/>
-    <p:sldId id="265" r:id="rId15"/>
-    <p:sldId id="258" r:id="rId16"/>
-    <p:sldId id="264" r:id="rId17"/>
-    <p:sldId id="269" r:id="rId18"/>
+    <p:sldId id="270" r:id="rId11"/>
+    <p:sldId id="266" r:id="rId12"/>
+    <p:sldId id="268" r:id="rId13"/>
+    <p:sldId id="256" r:id="rId14"/>
+    <p:sldId id="257" r:id="rId15"/>
+    <p:sldId id="265" r:id="rId16"/>
+    <p:sldId id="258" r:id="rId17"/>
+    <p:sldId id="264" r:id="rId18"/>
+    <p:sldId id="271" r:id="rId19"/>
+    <p:sldId id="272" r:id="rId20"/>
+    <p:sldId id="269" r:id="rId21"/>
   </p:sldIdLst>
   <p:sldSz cx="12192000" cy="6858000"/>
   <p:notesSz cx="6858000" cy="9144000"/>
@@ -274,7 +277,7 @@
           <a:p>
             <a:fld id="{12A9C0E6-86DB-4A33-A939-551AD288B0D1}" type="datetimeFigureOut">
               <a:rPr lang="en-PH" smtClean="0"/>
-              <a:t>08/08/2019</a:t>
+              <a:t>15/09/2019</a:t>
             </a:fld>
             <a:endParaRPr lang="en-PH"/>
           </a:p>
@@ -474,7 +477,7 @@
           <a:p>
             <a:fld id="{12A9C0E6-86DB-4A33-A939-551AD288B0D1}" type="datetimeFigureOut">
               <a:rPr lang="en-PH" smtClean="0"/>
-              <a:t>08/08/2019</a:t>
+              <a:t>15/09/2019</a:t>
             </a:fld>
             <a:endParaRPr lang="en-PH"/>
           </a:p>
@@ -684,7 +687,7 @@
           <a:p>
             <a:fld id="{12A9C0E6-86DB-4A33-A939-551AD288B0D1}" type="datetimeFigureOut">
               <a:rPr lang="en-PH" smtClean="0"/>
-              <a:t>08/08/2019</a:t>
+              <a:t>15/09/2019</a:t>
             </a:fld>
             <a:endParaRPr lang="en-PH"/>
           </a:p>
@@ -884,7 +887,7 @@
           <a:p>
             <a:fld id="{12A9C0E6-86DB-4A33-A939-551AD288B0D1}" type="datetimeFigureOut">
               <a:rPr lang="en-PH" smtClean="0"/>
-              <a:t>08/08/2019</a:t>
+              <a:t>15/09/2019</a:t>
             </a:fld>
             <a:endParaRPr lang="en-PH"/>
           </a:p>
@@ -1160,7 +1163,7 @@
           <a:p>
             <a:fld id="{12A9C0E6-86DB-4A33-A939-551AD288B0D1}" type="datetimeFigureOut">
               <a:rPr lang="en-PH" smtClean="0"/>
-              <a:t>08/08/2019</a:t>
+              <a:t>15/09/2019</a:t>
             </a:fld>
             <a:endParaRPr lang="en-PH"/>
           </a:p>
@@ -1428,7 +1431,7 @@
           <a:p>
             <a:fld id="{12A9C0E6-86DB-4A33-A939-551AD288B0D1}" type="datetimeFigureOut">
               <a:rPr lang="en-PH" smtClean="0"/>
-              <a:t>08/08/2019</a:t>
+              <a:t>15/09/2019</a:t>
             </a:fld>
             <a:endParaRPr lang="en-PH"/>
           </a:p>
@@ -1843,7 +1846,7 @@
           <a:p>
             <a:fld id="{12A9C0E6-86DB-4A33-A939-551AD288B0D1}" type="datetimeFigureOut">
               <a:rPr lang="en-PH" smtClean="0"/>
-              <a:t>08/08/2019</a:t>
+              <a:t>15/09/2019</a:t>
             </a:fld>
             <a:endParaRPr lang="en-PH"/>
           </a:p>
@@ -1985,7 +1988,7 @@
           <a:p>
             <a:fld id="{12A9C0E6-86DB-4A33-A939-551AD288B0D1}" type="datetimeFigureOut">
               <a:rPr lang="en-PH" smtClean="0"/>
-              <a:t>08/08/2019</a:t>
+              <a:t>15/09/2019</a:t>
             </a:fld>
             <a:endParaRPr lang="en-PH"/>
           </a:p>
@@ -2098,7 +2101,7 @@
           <a:p>
             <a:fld id="{12A9C0E6-86DB-4A33-A939-551AD288B0D1}" type="datetimeFigureOut">
               <a:rPr lang="en-PH" smtClean="0"/>
-              <a:t>08/08/2019</a:t>
+              <a:t>15/09/2019</a:t>
             </a:fld>
             <a:endParaRPr lang="en-PH"/>
           </a:p>
@@ -2411,7 +2414,7 @@
           <a:p>
             <a:fld id="{12A9C0E6-86DB-4A33-A939-551AD288B0D1}" type="datetimeFigureOut">
               <a:rPr lang="en-PH" smtClean="0"/>
-              <a:t>08/08/2019</a:t>
+              <a:t>15/09/2019</a:t>
             </a:fld>
             <a:endParaRPr lang="en-PH"/>
           </a:p>
@@ -2700,7 +2703,7 @@
           <a:p>
             <a:fld id="{12A9C0E6-86DB-4A33-A939-551AD288B0D1}" type="datetimeFigureOut">
               <a:rPr lang="en-PH" smtClean="0"/>
-              <a:t>08/08/2019</a:t>
+              <a:t>15/09/2019</a:t>
             </a:fld>
             <a:endParaRPr lang="en-PH"/>
           </a:p>
@@ -2943,7 +2946,7 @@
           <a:p>
             <a:fld id="{12A9C0E6-86DB-4A33-A939-551AD288B0D1}" type="datetimeFigureOut">
               <a:rPr lang="en-PH" smtClean="0"/>
-              <a:t>08/08/2019</a:t>
+              <a:t>15/09/2019</a:t>
             </a:fld>
             <a:endParaRPr lang="en-PH"/>
           </a:p>
@@ -3648,6 +3651,1484 @@
       </p:grpSpPr>
       <p:grpSp>
         <p:nvGrpSpPr>
+          <p:cNvPr id="13" name="Group 12">
+            <a:extLst>
+              <a:ext uri="{FF2B5EF4-FFF2-40B4-BE49-F238E27FC236}">
+                <a16:creationId xmlns:a16="http://schemas.microsoft.com/office/drawing/2014/main" id="{FEFCE114-C2B0-4848-86BC-85AC8BA9CCEA}"/>
+              </a:ext>
+            </a:extLst>
+          </p:cNvPr>
+          <p:cNvGrpSpPr/>
+          <p:nvPr/>
+        </p:nvGrpSpPr>
+        <p:grpSpPr>
+          <a:xfrm>
+            <a:off x="8063946" y="268356"/>
+            <a:ext cx="3697357" cy="6321287"/>
+            <a:chOff x="318052" y="238539"/>
+            <a:chExt cx="3697357" cy="6321287"/>
+          </a:xfrm>
+        </p:grpSpPr>
+        <p:sp>
+          <p:nvSpPr>
+            <p:cNvPr id="12" name="Rectangle 11">
+              <a:extLst>
+                <a:ext uri="{FF2B5EF4-FFF2-40B4-BE49-F238E27FC236}">
+                  <a16:creationId xmlns:a16="http://schemas.microsoft.com/office/drawing/2014/main" id="{FB6E30D5-3059-4768-8D72-A2C4584983B4}"/>
+                </a:ext>
+              </a:extLst>
+            </p:cNvPr>
+            <p:cNvSpPr/>
+            <p:nvPr/>
+          </p:nvSpPr>
+          <p:spPr>
+            <a:xfrm>
+              <a:off x="1364974" y="4320042"/>
+              <a:ext cx="1577009" cy="523220"/>
+            </a:xfrm>
+            <a:prstGeom prst="rect">
+              <a:avLst/>
+            </a:prstGeom>
+            <a:noFill/>
+            <a:ln>
+              <a:solidFill>
+                <a:schemeClr val="tx1"/>
+              </a:solidFill>
+            </a:ln>
+          </p:spPr>
+          <p:style>
+            <a:lnRef idx="2">
+              <a:schemeClr val="accent1">
+                <a:shade val="50000"/>
+              </a:schemeClr>
+            </a:lnRef>
+            <a:fillRef idx="1">
+              <a:schemeClr val="accent1"/>
+            </a:fillRef>
+            <a:effectRef idx="0">
+              <a:schemeClr val="accent1"/>
+            </a:effectRef>
+            <a:fontRef idx="minor">
+              <a:schemeClr val="lt1"/>
+            </a:fontRef>
+          </p:style>
+          <p:txBody>
+            <a:bodyPr rtlCol="0" anchor="ctr"/>
+            <a:lstStyle/>
+            <a:p>
+              <a:pPr algn="ctr"/>
+              <a:endParaRPr lang="en-PH"/>
+            </a:p>
+          </p:txBody>
+        </p:sp>
+        <p:sp>
+          <p:nvSpPr>
+            <p:cNvPr id="5" name="Rectangle: Rounded Corners 4">
+              <a:extLst>
+                <a:ext uri="{FF2B5EF4-FFF2-40B4-BE49-F238E27FC236}">
+                  <a16:creationId xmlns:a16="http://schemas.microsoft.com/office/drawing/2014/main" id="{A0068AB8-F468-431F-A6B5-2F981DC0705D}"/>
+                </a:ext>
+              </a:extLst>
+            </p:cNvPr>
+            <p:cNvSpPr/>
+            <p:nvPr/>
+          </p:nvSpPr>
+          <p:spPr>
+            <a:xfrm>
+              <a:off x="318052" y="238539"/>
+              <a:ext cx="3697357" cy="6321287"/>
+            </a:xfrm>
+            <a:prstGeom prst="roundRect">
+              <a:avLst/>
+            </a:prstGeom>
+            <a:noFill/>
+            <a:ln>
+              <a:solidFill>
+                <a:schemeClr val="tx1"/>
+              </a:solidFill>
+            </a:ln>
+          </p:spPr>
+          <p:style>
+            <a:lnRef idx="2">
+              <a:schemeClr val="accent1">
+                <a:shade val="50000"/>
+              </a:schemeClr>
+            </a:lnRef>
+            <a:fillRef idx="1">
+              <a:schemeClr val="accent1"/>
+            </a:fillRef>
+            <a:effectRef idx="0">
+              <a:schemeClr val="accent1"/>
+            </a:effectRef>
+            <a:fontRef idx="minor">
+              <a:schemeClr val="lt1"/>
+            </a:fontRef>
+          </p:style>
+          <p:txBody>
+            <a:bodyPr rtlCol="0" anchor="ctr"/>
+            <a:lstStyle/>
+            <a:p>
+              <a:pPr algn="ctr"/>
+              <a:endParaRPr lang="en-PH"/>
+            </a:p>
+          </p:txBody>
+        </p:sp>
+        <p:sp>
+          <p:nvSpPr>
+            <p:cNvPr id="6" name="Rectangle: Rounded Corners 5">
+              <a:extLst>
+                <a:ext uri="{FF2B5EF4-FFF2-40B4-BE49-F238E27FC236}">
+                  <a16:creationId xmlns:a16="http://schemas.microsoft.com/office/drawing/2014/main" id="{5D35D462-3A75-4FB6-8E8A-FF6E9B6FC323}"/>
+                </a:ext>
+              </a:extLst>
+            </p:cNvPr>
+            <p:cNvSpPr/>
+            <p:nvPr/>
+          </p:nvSpPr>
+          <p:spPr>
+            <a:xfrm>
+              <a:off x="622852" y="927651"/>
+              <a:ext cx="3048000" cy="4943061"/>
+            </a:xfrm>
+            <a:prstGeom prst="roundRect">
+              <a:avLst/>
+            </a:prstGeom>
+            <a:solidFill>
+              <a:srgbClr val="FFC000"/>
+            </a:solidFill>
+            <a:ln>
+              <a:solidFill>
+                <a:schemeClr val="tx1"/>
+              </a:solidFill>
+            </a:ln>
+          </p:spPr>
+          <p:style>
+            <a:lnRef idx="2">
+              <a:schemeClr val="accent1">
+                <a:shade val="50000"/>
+              </a:schemeClr>
+            </a:lnRef>
+            <a:fillRef idx="1">
+              <a:schemeClr val="accent1"/>
+            </a:fillRef>
+            <a:effectRef idx="0">
+              <a:schemeClr val="accent1"/>
+            </a:effectRef>
+            <a:fontRef idx="minor">
+              <a:schemeClr val="lt1"/>
+            </a:fontRef>
+          </p:style>
+          <p:txBody>
+            <a:bodyPr rtlCol="0" anchor="ctr"/>
+            <a:lstStyle/>
+            <a:p>
+              <a:pPr algn="ctr"/>
+              <a:endParaRPr lang="en-PH"/>
+            </a:p>
+          </p:txBody>
+        </p:sp>
+      </p:grpSp>
+      <p:grpSp>
+        <p:nvGrpSpPr>
+          <p:cNvPr id="14" name="Group 13">
+            <a:extLst>
+              <a:ext uri="{FF2B5EF4-FFF2-40B4-BE49-F238E27FC236}">
+                <a16:creationId xmlns:a16="http://schemas.microsoft.com/office/drawing/2014/main" id="{2C60ABC9-F770-42CA-B114-04AFD08352DC}"/>
+              </a:ext>
+            </a:extLst>
+          </p:cNvPr>
+          <p:cNvGrpSpPr/>
+          <p:nvPr/>
+        </p:nvGrpSpPr>
+        <p:grpSpPr>
+          <a:xfrm>
+            <a:off x="318049" y="268356"/>
+            <a:ext cx="3697357" cy="6321287"/>
+            <a:chOff x="318052" y="238539"/>
+            <a:chExt cx="3697357" cy="6321287"/>
+          </a:xfrm>
+        </p:grpSpPr>
+        <p:sp>
+          <p:nvSpPr>
+            <p:cNvPr id="15" name="Rectangle 14">
+              <a:extLst>
+                <a:ext uri="{FF2B5EF4-FFF2-40B4-BE49-F238E27FC236}">
+                  <a16:creationId xmlns:a16="http://schemas.microsoft.com/office/drawing/2014/main" id="{DCCB478B-FFCE-49F2-9519-385895F93F22}"/>
+                </a:ext>
+              </a:extLst>
+            </p:cNvPr>
+            <p:cNvSpPr/>
+            <p:nvPr/>
+          </p:nvSpPr>
+          <p:spPr>
+            <a:xfrm>
+              <a:off x="1364974" y="4320042"/>
+              <a:ext cx="1577009" cy="523220"/>
+            </a:xfrm>
+            <a:prstGeom prst="rect">
+              <a:avLst/>
+            </a:prstGeom>
+            <a:noFill/>
+            <a:ln>
+              <a:solidFill>
+                <a:schemeClr val="tx1"/>
+              </a:solidFill>
+            </a:ln>
+          </p:spPr>
+          <p:style>
+            <a:lnRef idx="2">
+              <a:schemeClr val="accent1">
+                <a:shade val="50000"/>
+              </a:schemeClr>
+            </a:lnRef>
+            <a:fillRef idx="1">
+              <a:schemeClr val="accent1"/>
+            </a:fillRef>
+            <a:effectRef idx="0">
+              <a:schemeClr val="accent1"/>
+            </a:effectRef>
+            <a:fontRef idx="minor">
+              <a:schemeClr val="lt1"/>
+            </a:fontRef>
+          </p:style>
+          <p:txBody>
+            <a:bodyPr rtlCol="0" anchor="ctr"/>
+            <a:lstStyle/>
+            <a:p>
+              <a:pPr algn="ctr"/>
+              <a:endParaRPr lang="en-PH"/>
+            </a:p>
+          </p:txBody>
+        </p:sp>
+        <p:sp>
+          <p:nvSpPr>
+            <p:cNvPr id="16" name="Rectangle: Rounded Corners 15">
+              <a:extLst>
+                <a:ext uri="{FF2B5EF4-FFF2-40B4-BE49-F238E27FC236}">
+                  <a16:creationId xmlns:a16="http://schemas.microsoft.com/office/drawing/2014/main" id="{B0D6BFE9-7759-44A0-B8B1-AFDE0EAA6F94}"/>
+                </a:ext>
+              </a:extLst>
+            </p:cNvPr>
+            <p:cNvSpPr/>
+            <p:nvPr/>
+          </p:nvSpPr>
+          <p:spPr>
+            <a:xfrm>
+              <a:off x="318052" y="238539"/>
+              <a:ext cx="3697357" cy="6321287"/>
+            </a:xfrm>
+            <a:prstGeom prst="roundRect">
+              <a:avLst/>
+            </a:prstGeom>
+            <a:noFill/>
+            <a:ln>
+              <a:solidFill>
+                <a:schemeClr val="tx1"/>
+              </a:solidFill>
+            </a:ln>
+          </p:spPr>
+          <p:style>
+            <a:lnRef idx="2">
+              <a:schemeClr val="accent1">
+                <a:shade val="50000"/>
+              </a:schemeClr>
+            </a:lnRef>
+            <a:fillRef idx="1">
+              <a:schemeClr val="accent1"/>
+            </a:fillRef>
+            <a:effectRef idx="0">
+              <a:schemeClr val="accent1"/>
+            </a:effectRef>
+            <a:fontRef idx="minor">
+              <a:schemeClr val="lt1"/>
+            </a:fontRef>
+          </p:style>
+          <p:txBody>
+            <a:bodyPr rtlCol="0" anchor="ctr"/>
+            <a:lstStyle/>
+            <a:p>
+              <a:pPr algn="ctr"/>
+              <a:endParaRPr lang="en-PH"/>
+            </a:p>
+          </p:txBody>
+        </p:sp>
+        <p:sp>
+          <p:nvSpPr>
+            <p:cNvPr id="17" name="Rectangle: Rounded Corners 16">
+              <a:extLst>
+                <a:ext uri="{FF2B5EF4-FFF2-40B4-BE49-F238E27FC236}">
+                  <a16:creationId xmlns:a16="http://schemas.microsoft.com/office/drawing/2014/main" id="{73BFF76E-2242-45AB-9CBB-67CA5C18A08F}"/>
+                </a:ext>
+              </a:extLst>
+            </p:cNvPr>
+            <p:cNvSpPr/>
+            <p:nvPr/>
+          </p:nvSpPr>
+          <p:spPr>
+            <a:xfrm>
+              <a:off x="622852" y="927651"/>
+              <a:ext cx="3048000" cy="4943061"/>
+            </a:xfrm>
+            <a:prstGeom prst="roundRect">
+              <a:avLst/>
+            </a:prstGeom>
+            <a:solidFill>
+              <a:srgbClr val="FFC000"/>
+            </a:solidFill>
+            <a:ln>
+              <a:solidFill>
+                <a:schemeClr val="tx1"/>
+              </a:solidFill>
+            </a:ln>
+          </p:spPr>
+          <p:style>
+            <a:lnRef idx="2">
+              <a:schemeClr val="accent1">
+                <a:shade val="50000"/>
+              </a:schemeClr>
+            </a:lnRef>
+            <a:fillRef idx="1">
+              <a:schemeClr val="accent1"/>
+            </a:fillRef>
+            <a:effectRef idx="0">
+              <a:schemeClr val="accent1"/>
+            </a:effectRef>
+            <a:fontRef idx="minor">
+              <a:schemeClr val="lt1"/>
+            </a:fontRef>
+          </p:style>
+          <p:txBody>
+            <a:bodyPr rtlCol="0" anchor="ctr"/>
+            <a:lstStyle/>
+            <a:p>
+              <a:pPr algn="ctr"/>
+              <a:endParaRPr lang="en-PH" dirty="0"/>
+            </a:p>
+          </p:txBody>
+        </p:sp>
+        <p:sp>
+          <p:nvSpPr>
+            <p:cNvPr id="18" name="TextBox 17">
+              <a:extLst>
+                <a:ext uri="{FF2B5EF4-FFF2-40B4-BE49-F238E27FC236}">
+                  <a16:creationId xmlns:a16="http://schemas.microsoft.com/office/drawing/2014/main" id="{689FCB6D-27FC-41CA-8BB5-CA7C220704E0}"/>
+                </a:ext>
+              </a:extLst>
+            </p:cNvPr>
+            <p:cNvSpPr txBox="1"/>
+            <p:nvPr/>
+          </p:nvSpPr>
+          <p:spPr>
+            <a:xfrm>
+              <a:off x="1119808" y="1630018"/>
+              <a:ext cx="2054087" cy="646331"/>
+            </a:xfrm>
+            <a:prstGeom prst="rect">
+              <a:avLst/>
+            </a:prstGeom>
+            <a:noFill/>
+          </p:spPr>
+          <p:txBody>
+            <a:bodyPr wrap="square" rtlCol="0">
+              <a:spAutoFit/>
+            </a:bodyPr>
+            <a:lstStyle/>
+            <a:p>
+              <a:pPr algn="ctr"/>
+              <a:r>
+                <a:rPr lang="en-PH" sz="3600" b="1" dirty="0">
+                  <a:latin typeface="Gill Sans MT" panose="020B0502020104020203" pitchFamily="34" charset="0"/>
+                </a:rPr>
+                <a:t>HANAP </a:t>
+              </a:r>
+            </a:p>
+          </p:txBody>
+        </p:sp>
+        <p:sp>
+          <p:nvSpPr>
+            <p:cNvPr id="19" name="TextBox 18">
+              <a:extLst>
+                <a:ext uri="{FF2B5EF4-FFF2-40B4-BE49-F238E27FC236}">
+                  <a16:creationId xmlns:a16="http://schemas.microsoft.com/office/drawing/2014/main" id="{696D6BCE-F8F0-461B-81D9-50AABAE1BE8D}"/>
+                </a:ext>
+              </a:extLst>
+            </p:cNvPr>
+            <p:cNvSpPr txBox="1"/>
+            <p:nvPr/>
+          </p:nvSpPr>
+          <p:spPr>
+            <a:xfrm>
+              <a:off x="1139686" y="2166731"/>
+              <a:ext cx="2054087" cy="646331"/>
+            </a:xfrm>
+            <a:prstGeom prst="rect">
+              <a:avLst/>
+            </a:prstGeom>
+            <a:noFill/>
+          </p:spPr>
+          <p:txBody>
+            <a:bodyPr wrap="square" rtlCol="0">
+              <a:spAutoFit/>
+            </a:bodyPr>
+            <a:lstStyle/>
+            <a:p>
+              <a:pPr algn="ctr"/>
+              <a:r>
+                <a:rPr lang="en-PH" sz="3600" b="1" dirty="0">
+                  <a:latin typeface="Gill Sans MT" panose="020B0502020104020203" pitchFamily="34" charset="0"/>
+                </a:rPr>
+                <a:t>PC </a:t>
+              </a:r>
+            </a:p>
+          </p:txBody>
+        </p:sp>
+      </p:grpSp>
+      <p:grpSp>
+        <p:nvGrpSpPr>
+          <p:cNvPr id="28" name="Group 27">
+            <a:extLst>
+              <a:ext uri="{FF2B5EF4-FFF2-40B4-BE49-F238E27FC236}">
+                <a16:creationId xmlns:a16="http://schemas.microsoft.com/office/drawing/2014/main" id="{A6415594-4A73-4D16-8A76-1C2B8B18DCB7}"/>
+              </a:ext>
+            </a:extLst>
+          </p:cNvPr>
+          <p:cNvGrpSpPr/>
+          <p:nvPr/>
+        </p:nvGrpSpPr>
+        <p:grpSpPr>
+          <a:xfrm>
+            <a:off x="4214189" y="268356"/>
+            <a:ext cx="3697357" cy="6321287"/>
+            <a:chOff x="318052" y="238539"/>
+            <a:chExt cx="3697357" cy="6321287"/>
+          </a:xfrm>
+        </p:grpSpPr>
+        <p:sp>
+          <p:nvSpPr>
+            <p:cNvPr id="29" name="Rectangle 28">
+              <a:extLst>
+                <a:ext uri="{FF2B5EF4-FFF2-40B4-BE49-F238E27FC236}">
+                  <a16:creationId xmlns:a16="http://schemas.microsoft.com/office/drawing/2014/main" id="{7B476E0B-2A02-4EF8-940A-80CD2B1CAF99}"/>
+                </a:ext>
+              </a:extLst>
+            </p:cNvPr>
+            <p:cNvSpPr/>
+            <p:nvPr/>
+          </p:nvSpPr>
+          <p:spPr>
+            <a:xfrm>
+              <a:off x="1364974" y="4320042"/>
+              <a:ext cx="1577009" cy="523220"/>
+            </a:xfrm>
+            <a:prstGeom prst="rect">
+              <a:avLst/>
+            </a:prstGeom>
+            <a:noFill/>
+            <a:ln>
+              <a:solidFill>
+                <a:schemeClr val="tx1"/>
+              </a:solidFill>
+            </a:ln>
+          </p:spPr>
+          <p:style>
+            <a:lnRef idx="2">
+              <a:schemeClr val="accent1">
+                <a:shade val="50000"/>
+              </a:schemeClr>
+            </a:lnRef>
+            <a:fillRef idx="1">
+              <a:schemeClr val="accent1"/>
+            </a:fillRef>
+            <a:effectRef idx="0">
+              <a:schemeClr val="accent1"/>
+            </a:effectRef>
+            <a:fontRef idx="minor">
+              <a:schemeClr val="lt1"/>
+            </a:fontRef>
+          </p:style>
+          <p:txBody>
+            <a:bodyPr rtlCol="0" anchor="ctr"/>
+            <a:lstStyle/>
+            <a:p>
+              <a:pPr algn="ctr"/>
+              <a:endParaRPr lang="en-PH"/>
+            </a:p>
+          </p:txBody>
+        </p:sp>
+        <p:sp>
+          <p:nvSpPr>
+            <p:cNvPr id="30" name="Rectangle: Rounded Corners 29">
+              <a:extLst>
+                <a:ext uri="{FF2B5EF4-FFF2-40B4-BE49-F238E27FC236}">
+                  <a16:creationId xmlns:a16="http://schemas.microsoft.com/office/drawing/2014/main" id="{473803C9-B3E4-4F64-BBB8-8659B9574A68}"/>
+                </a:ext>
+              </a:extLst>
+            </p:cNvPr>
+            <p:cNvSpPr/>
+            <p:nvPr/>
+          </p:nvSpPr>
+          <p:spPr>
+            <a:xfrm>
+              <a:off x="318052" y="238539"/>
+              <a:ext cx="3697357" cy="6321287"/>
+            </a:xfrm>
+            <a:prstGeom prst="roundRect">
+              <a:avLst/>
+            </a:prstGeom>
+            <a:noFill/>
+            <a:ln>
+              <a:solidFill>
+                <a:schemeClr val="tx1"/>
+              </a:solidFill>
+            </a:ln>
+          </p:spPr>
+          <p:style>
+            <a:lnRef idx="2">
+              <a:schemeClr val="accent1">
+                <a:shade val="50000"/>
+              </a:schemeClr>
+            </a:lnRef>
+            <a:fillRef idx="1">
+              <a:schemeClr val="accent1"/>
+            </a:fillRef>
+            <a:effectRef idx="0">
+              <a:schemeClr val="accent1"/>
+            </a:effectRef>
+            <a:fontRef idx="minor">
+              <a:schemeClr val="lt1"/>
+            </a:fontRef>
+          </p:style>
+          <p:txBody>
+            <a:bodyPr rtlCol="0" anchor="ctr"/>
+            <a:lstStyle/>
+            <a:p>
+              <a:pPr algn="ctr"/>
+              <a:endParaRPr lang="en-PH"/>
+            </a:p>
+          </p:txBody>
+        </p:sp>
+        <p:sp>
+          <p:nvSpPr>
+            <p:cNvPr id="31" name="Rectangle: Rounded Corners 30">
+              <a:extLst>
+                <a:ext uri="{FF2B5EF4-FFF2-40B4-BE49-F238E27FC236}">
+                  <a16:creationId xmlns:a16="http://schemas.microsoft.com/office/drawing/2014/main" id="{53BD5A12-9239-45F2-B201-60E1EAC0B4D9}"/>
+                </a:ext>
+              </a:extLst>
+            </p:cNvPr>
+            <p:cNvSpPr/>
+            <p:nvPr/>
+          </p:nvSpPr>
+          <p:spPr>
+            <a:xfrm>
+              <a:off x="622852" y="927651"/>
+              <a:ext cx="3048000" cy="4943061"/>
+            </a:xfrm>
+            <a:prstGeom prst="roundRect">
+              <a:avLst/>
+            </a:prstGeom>
+            <a:solidFill>
+              <a:srgbClr val="FFC000"/>
+            </a:solidFill>
+            <a:ln>
+              <a:solidFill>
+                <a:schemeClr val="tx1"/>
+              </a:solidFill>
+            </a:ln>
+          </p:spPr>
+          <p:style>
+            <a:lnRef idx="2">
+              <a:schemeClr val="accent1">
+                <a:shade val="50000"/>
+              </a:schemeClr>
+            </a:lnRef>
+            <a:fillRef idx="1">
+              <a:schemeClr val="accent1"/>
+            </a:fillRef>
+            <a:effectRef idx="0">
+              <a:schemeClr val="accent1"/>
+            </a:effectRef>
+            <a:fontRef idx="minor">
+              <a:schemeClr val="lt1"/>
+            </a:fontRef>
+          </p:style>
+          <p:txBody>
+            <a:bodyPr rtlCol="0" anchor="ctr"/>
+            <a:lstStyle/>
+            <a:p>
+              <a:pPr algn="ctr"/>
+              <a:endParaRPr lang="en-PH" dirty="0"/>
+            </a:p>
+          </p:txBody>
+        </p:sp>
+      </p:grpSp>
+      <p:sp>
+        <p:nvSpPr>
+          <p:cNvPr id="35" name="TextBox 34">
+            <a:extLst>
+              <a:ext uri="{FF2B5EF4-FFF2-40B4-BE49-F238E27FC236}">
+                <a16:creationId xmlns:a16="http://schemas.microsoft.com/office/drawing/2014/main" id="{7D5E5381-1F35-401C-9D71-13EA1DD114D2}"/>
+              </a:ext>
+            </a:extLst>
+          </p:cNvPr>
+          <p:cNvSpPr txBox="1"/>
+          <p:nvPr/>
+        </p:nvSpPr>
+        <p:spPr>
+          <a:xfrm>
+            <a:off x="980655" y="3166044"/>
+            <a:ext cx="2332386" cy="646331"/>
+          </a:xfrm>
+          <a:prstGeom prst="rect">
+            <a:avLst/>
+          </a:prstGeom>
+          <a:noFill/>
+        </p:spPr>
+        <p:txBody>
+          <a:bodyPr wrap="square" rtlCol="0">
+            <a:spAutoFit/>
+          </a:bodyPr>
+          <a:lstStyle/>
+          <a:p>
+            <a:pPr algn="ctr"/>
+            <a:r>
+              <a:rPr lang="en-PH" dirty="0"/>
+              <a:t>“Find cheapest pc rental near you.”</a:t>
+            </a:r>
+          </a:p>
+        </p:txBody>
+      </p:sp>
+      <p:sp>
+        <p:nvSpPr>
+          <p:cNvPr id="36" name="Rectangle 35">
+            <a:extLst>
+              <a:ext uri="{FF2B5EF4-FFF2-40B4-BE49-F238E27FC236}">
+                <a16:creationId xmlns:a16="http://schemas.microsoft.com/office/drawing/2014/main" id="{4E44DC3A-FF1F-4C0F-B477-98C09B503FEA}"/>
+              </a:ext>
+            </a:extLst>
+          </p:cNvPr>
+          <p:cNvSpPr/>
+          <p:nvPr/>
+        </p:nvSpPr>
+        <p:spPr>
+          <a:xfrm>
+            <a:off x="5411622" y="1186667"/>
+            <a:ext cx="1381541" cy="493644"/>
+          </a:xfrm>
+          <a:prstGeom prst="rect">
+            <a:avLst/>
+          </a:prstGeom>
+          <a:solidFill>
+            <a:schemeClr val="bg1"/>
+          </a:solidFill>
+        </p:spPr>
+        <p:style>
+          <a:lnRef idx="2">
+            <a:schemeClr val="accent1">
+              <a:shade val="50000"/>
+            </a:schemeClr>
+          </a:lnRef>
+          <a:fillRef idx="1">
+            <a:schemeClr val="accent1"/>
+          </a:fillRef>
+          <a:effectRef idx="0">
+            <a:schemeClr val="accent1"/>
+          </a:effectRef>
+          <a:fontRef idx="minor">
+            <a:schemeClr val="lt1"/>
+          </a:fontRef>
+        </p:style>
+        <p:txBody>
+          <a:bodyPr rtlCol="0" anchor="ctr"/>
+          <a:lstStyle/>
+          <a:p>
+            <a:pPr algn="ctr"/>
+            <a:r>
+              <a:rPr lang="en-PH" dirty="0">
+                <a:solidFill>
+                  <a:schemeClr val="tx1"/>
+                </a:solidFill>
+              </a:rPr>
+              <a:t>Nearest</a:t>
+            </a:r>
+          </a:p>
+        </p:txBody>
+      </p:sp>
+      <p:sp>
+        <p:nvSpPr>
+          <p:cNvPr id="41" name="Rectangle 40">
+            <a:extLst>
+              <a:ext uri="{FF2B5EF4-FFF2-40B4-BE49-F238E27FC236}">
+                <a16:creationId xmlns:a16="http://schemas.microsoft.com/office/drawing/2014/main" id="{D8D88DFF-8C65-4B5E-8820-E8CFDE3D2A05}"/>
+              </a:ext>
+            </a:extLst>
+          </p:cNvPr>
+          <p:cNvSpPr/>
+          <p:nvPr/>
+        </p:nvSpPr>
+        <p:spPr>
+          <a:xfrm>
+            <a:off x="1364970" y="4463922"/>
+            <a:ext cx="1381540" cy="493644"/>
+          </a:xfrm>
+          <a:prstGeom prst="rect">
+            <a:avLst/>
+          </a:prstGeom>
+          <a:solidFill>
+            <a:schemeClr val="bg1"/>
+          </a:solidFill>
+          <a:ln>
+            <a:solidFill>
+              <a:schemeClr val="tx1"/>
+            </a:solidFill>
+          </a:ln>
+        </p:spPr>
+        <p:style>
+          <a:lnRef idx="2">
+            <a:schemeClr val="accent1">
+              <a:shade val="50000"/>
+            </a:schemeClr>
+          </a:lnRef>
+          <a:fillRef idx="1">
+            <a:schemeClr val="accent1"/>
+          </a:fillRef>
+          <a:effectRef idx="0">
+            <a:schemeClr val="accent1"/>
+          </a:effectRef>
+          <a:fontRef idx="minor">
+            <a:schemeClr val="lt1"/>
+          </a:fontRef>
+        </p:style>
+        <p:txBody>
+          <a:bodyPr rtlCol="0" anchor="ctr"/>
+          <a:lstStyle/>
+          <a:p>
+            <a:pPr algn="ctr"/>
+            <a:r>
+              <a:rPr lang="en-PH" dirty="0">
+                <a:solidFill>
+                  <a:schemeClr val="tx1"/>
+                </a:solidFill>
+              </a:rPr>
+              <a:t>Cheapest</a:t>
+            </a:r>
+          </a:p>
+        </p:txBody>
+      </p:sp>
+      <p:sp>
+        <p:nvSpPr>
+          <p:cNvPr id="47" name="Rectangle 46">
+            <a:extLst>
+              <a:ext uri="{FF2B5EF4-FFF2-40B4-BE49-F238E27FC236}">
+                <a16:creationId xmlns:a16="http://schemas.microsoft.com/office/drawing/2014/main" id="{5BCF8B10-0EED-47C3-BA34-9C31CF114545}"/>
+              </a:ext>
+            </a:extLst>
+          </p:cNvPr>
+          <p:cNvSpPr/>
+          <p:nvPr/>
+        </p:nvSpPr>
+        <p:spPr>
+          <a:xfrm>
+            <a:off x="4833026" y="2081632"/>
+            <a:ext cx="2459682" cy="493644"/>
+          </a:xfrm>
+          <a:prstGeom prst="rect">
+            <a:avLst/>
+          </a:prstGeom>
+          <a:solidFill>
+            <a:schemeClr val="tx1"/>
+          </a:solidFill>
+          <a:ln>
+            <a:solidFill>
+              <a:schemeClr val="tx1"/>
+            </a:solidFill>
+          </a:ln>
+        </p:spPr>
+        <p:style>
+          <a:lnRef idx="2">
+            <a:schemeClr val="accent1">
+              <a:shade val="50000"/>
+            </a:schemeClr>
+          </a:lnRef>
+          <a:fillRef idx="1">
+            <a:schemeClr val="accent1"/>
+          </a:fillRef>
+          <a:effectRef idx="0">
+            <a:schemeClr val="accent1"/>
+          </a:effectRef>
+          <a:fontRef idx="minor">
+            <a:schemeClr val="lt1"/>
+          </a:fontRef>
+        </p:style>
+        <p:txBody>
+          <a:bodyPr rtlCol="0" anchor="ctr"/>
+          <a:lstStyle/>
+          <a:p>
+            <a:pPr algn="ctr"/>
+            <a:r>
+              <a:rPr lang="en-PH" dirty="0">
+                <a:solidFill>
+                  <a:schemeClr val="bg1"/>
+                </a:solidFill>
+              </a:rPr>
+              <a:t>  JUSTRENZ 200 Meters</a:t>
+            </a:r>
+          </a:p>
+        </p:txBody>
+      </p:sp>
+      <p:sp>
+        <p:nvSpPr>
+          <p:cNvPr id="51" name="TextBox 50">
+            <a:extLst>
+              <a:ext uri="{FF2B5EF4-FFF2-40B4-BE49-F238E27FC236}">
+                <a16:creationId xmlns:a16="http://schemas.microsoft.com/office/drawing/2014/main" id="{3914EA70-B6A7-4773-A846-FF23815AA96D}"/>
+              </a:ext>
+            </a:extLst>
+          </p:cNvPr>
+          <p:cNvSpPr txBox="1"/>
+          <p:nvPr/>
+        </p:nvSpPr>
+        <p:spPr>
+          <a:xfrm>
+            <a:off x="5105164" y="2658213"/>
+            <a:ext cx="1994456" cy="369332"/>
+          </a:xfrm>
+          <a:prstGeom prst="rect">
+            <a:avLst/>
+          </a:prstGeom>
+          <a:noFill/>
+          <a:ln>
+            <a:solidFill>
+              <a:schemeClr val="tx1"/>
+            </a:solidFill>
+          </a:ln>
+        </p:spPr>
+        <p:txBody>
+          <a:bodyPr wrap="square" rtlCol="0">
+            <a:spAutoFit/>
+          </a:bodyPr>
+          <a:lstStyle/>
+          <a:p>
+            <a:pPr algn="ctr"/>
+            <a:r>
+              <a:rPr lang="en-PH" b="1" dirty="0">
+                <a:latin typeface="Gill Sans MT" panose="020B0502020104020203" pitchFamily="34" charset="0"/>
+              </a:rPr>
+              <a:t>SHOW IN MAP </a:t>
+            </a:r>
+          </a:p>
+        </p:txBody>
+      </p:sp>
+      <p:sp>
+        <p:nvSpPr>
+          <p:cNvPr id="57" name="Arrow: Left 56">
+            <a:extLst>
+              <a:ext uri="{FF2B5EF4-FFF2-40B4-BE49-F238E27FC236}">
+                <a16:creationId xmlns:a16="http://schemas.microsoft.com/office/drawing/2014/main" id="{B0AC02CD-C2FA-4689-94D7-139D1EBD9CAD}"/>
+              </a:ext>
+            </a:extLst>
+          </p:cNvPr>
+          <p:cNvSpPr/>
+          <p:nvPr/>
+        </p:nvSpPr>
+        <p:spPr>
+          <a:xfrm>
+            <a:off x="4639938" y="1190309"/>
+            <a:ext cx="430671" cy="332350"/>
+          </a:xfrm>
+          <a:prstGeom prst="leftArrow">
+            <a:avLst/>
+          </a:prstGeom>
+          <a:solidFill>
+            <a:schemeClr val="bg1"/>
+          </a:solidFill>
+          <a:ln>
+            <a:solidFill>
+              <a:schemeClr val="tx1"/>
+            </a:solidFill>
+          </a:ln>
+        </p:spPr>
+        <p:style>
+          <a:lnRef idx="2">
+            <a:schemeClr val="accent1">
+              <a:shade val="50000"/>
+            </a:schemeClr>
+          </a:lnRef>
+          <a:fillRef idx="1">
+            <a:schemeClr val="accent1"/>
+          </a:fillRef>
+          <a:effectRef idx="0">
+            <a:schemeClr val="accent1"/>
+          </a:effectRef>
+          <a:fontRef idx="minor">
+            <a:schemeClr val="lt1"/>
+          </a:fontRef>
+        </p:style>
+        <p:txBody>
+          <a:bodyPr rtlCol="0" anchor="ctr"/>
+          <a:lstStyle/>
+          <a:p>
+            <a:pPr algn="ctr"/>
+            <a:endParaRPr lang="en-PH"/>
+          </a:p>
+        </p:txBody>
+      </p:sp>
+      <p:sp>
+        <p:nvSpPr>
+          <p:cNvPr id="62" name="Arrow: Left 61">
+            <a:extLst>
+              <a:ext uri="{FF2B5EF4-FFF2-40B4-BE49-F238E27FC236}">
+                <a16:creationId xmlns:a16="http://schemas.microsoft.com/office/drawing/2014/main" id="{0D4BF453-2CF9-4741-AFEF-0D091A6ADEDE}"/>
+              </a:ext>
+            </a:extLst>
+          </p:cNvPr>
+          <p:cNvSpPr/>
+          <p:nvPr/>
+        </p:nvSpPr>
+        <p:spPr>
+          <a:xfrm>
+            <a:off x="8432786" y="1190309"/>
+            <a:ext cx="430671" cy="332350"/>
+          </a:xfrm>
+          <a:prstGeom prst="leftArrow">
+            <a:avLst/>
+          </a:prstGeom>
+          <a:solidFill>
+            <a:schemeClr val="bg1"/>
+          </a:solidFill>
+          <a:ln>
+            <a:solidFill>
+              <a:schemeClr val="tx1"/>
+            </a:solidFill>
+          </a:ln>
+        </p:spPr>
+        <p:style>
+          <a:lnRef idx="2">
+            <a:schemeClr val="accent1">
+              <a:shade val="50000"/>
+            </a:schemeClr>
+          </a:lnRef>
+          <a:fillRef idx="1">
+            <a:schemeClr val="accent1"/>
+          </a:fillRef>
+          <a:effectRef idx="0">
+            <a:schemeClr val="accent1"/>
+          </a:effectRef>
+          <a:fontRef idx="minor">
+            <a:schemeClr val="lt1"/>
+          </a:fontRef>
+        </p:style>
+        <p:txBody>
+          <a:bodyPr rtlCol="0" anchor="ctr"/>
+          <a:lstStyle/>
+          <a:p>
+            <a:pPr algn="ctr"/>
+            <a:endParaRPr lang="en-PH"/>
+          </a:p>
+        </p:txBody>
+      </p:sp>
+      <p:sp>
+        <p:nvSpPr>
+          <p:cNvPr id="63" name="Rectangle 62">
+            <a:extLst>
+              <a:ext uri="{FF2B5EF4-FFF2-40B4-BE49-F238E27FC236}">
+                <a16:creationId xmlns:a16="http://schemas.microsoft.com/office/drawing/2014/main" id="{C2B999E3-4C7E-4178-86C0-BA07492F5FC5}"/>
+              </a:ext>
+            </a:extLst>
+          </p:cNvPr>
+          <p:cNvSpPr/>
+          <p:nvPr/>
+        </p:nvSpPr>
+        <p:spPr>
+          <a:xfrm>
+            <a:off x="1364970" y="3906704"/>
+            <a:ext cx="1381541" cy="493644"/>
+          </a:xfrm>
+          <a:prstGeom prst="rect">
+            <a:avLst/>
+          </a:prstGeom>
+          <a:solidFill>
+            <a:schemeClr val="bg1"/>
+          </a:solidFill>
+        </p:spPr>
+        <p:style>
+          <a:lnRef idx="2">
+            <a:schemeClr val="accent1">
+              <a:shade val="50000"/>
+            </a:schemeClr>
+          </a:lnRef>
+          <a:fillRef idx="1">
+            <a:schemeClr val="accent1"/>
+          </a:fillRef>
+          <a:effectRef idx="0">
+            <a:schemeClr val="accent1"/>
+          </a:effectRef>
+          <a:fontRef idx="minor">
+            <a:schemeClr val="lt1"/>
+          </a:fontRef>
+        </p:style>
+        <p:txBody>
+          <a:bodyPr rtlCol="0" anchor="ctr"/>
+          <a:lstStyle/>
+          <a:p>
+            <a:pPr algn="ctr"/>
+            <a:r>
+              <a:rPr lang="en-PH" dirty="0">
+                <a:solidFill>
+                  <a:schemeClr val="tx1"/>
+                </a:solidFill>
+              </a:rPr>
+              <a:t>Nearest</a:t>
+            </a:r>
+          </a:p>
+        </p:txBody>
+      </p:sp>
+      <p:sp>
+        <p:nvSpPr>
+          <p:cNvPr id="64" name="Rectangle 63">
+            <a:extLst>
+              <a:ext uri="{FF2B5EF4-FFF2-40B4-BE49-F238E27FC236}">
+                <a16:creationId xmlns:a16="http://schemas.microsoft.com/office/drawing/2014/main" id="{11CDB74E-4612-484B-BED7-7DDC5EE71A27}"/>
+              </a:ext>
+            </a:extLst>
+          </p:cNvPr>
+          <p:cNvSpPr/>
+          <p:nvPr/>
+        </p:nvSpPr>
+        <p:spPr>
+          <a:xfrm>
+            <a:off x="4851115" y="3097897"/>
+            <a:ext cx="2459682" cy="493644"/>
+          </a:xfrm>
+          <a:prstGeom prst="rect">
+            <a:avLst/>
+          </a:prstGeom>
+          <a:solidFill>
+            <a:schemeClr val="tx1"/>
+          </a:solidFill>
+          <a:ln>
+            <a:solidFill>
+              <a:schemeClr val="tx1"/>
+            </a:solidFill>
+          </a:ln>
+        </p:spPr>
+        <p:style>
+          <a:lnRef idx="2">
+            <a:schemeClr val="accent1">
+              <a:shade val="50000"/>
+            </a:schemeClr>
+          </a:lnRef>
+          <a:fillRef idx="1">
+            <a:schemeClr val="accent1"/>
+          </a:fillRef>
+          <a:effectRef idx="0">
+            <a:schemeClr val="accent1"/>
+          </a:effectRef>
+          <a:fontRef idx="minor">
+            <a:schemeClr val="lt1"/>
+          </a:fontRef>
+        </p:style>
+        <p:txBody>
+          <a:bodyPr rtlCol="0" anchor="ctr"/>
+          <a:lstStyle/>
+          <a:p>
+            <a:pPr algn="ctr"/>
+            <a:r>
+              <a:rPr lang="en-PH" dirty="0">
+                <a:solidFill>
+                  <a:schemeClr val="bg1"/>
+                </a:solidFill>
+              </a:rPr>
+              <a:t>  ROG 500 Meters</a:t>
+            </a:r>
+          </a:p>
+        </p:txBody>
+      </p:sp>
+      <p:sp>
+        <p:nvSpPr>
+          <p:cNvPr id="65" name="TextBox 64">
+            <a:extLst>
+              <a:ext uri="{FF2B5EF4-FFF2-40B4-BE49-F238E27FC236}">
+                <a16:creationId xmlns:a16="http://schemas.microsoft.com/office/drawing/2014/main" id="{825A416B-3A5F-45FC-B700-3B6293EAE689}"/>
+              </a:ext>
+            </a:extLst>
+          </p:cNvPr>
+          <p:cNvSpPr txBox="1"/>
+          <p:nvPr/>
+        </p:nvSpPr>
+        <p:spPr>
+          <a:xfrm>
+            <a:off x="5123253" y="3674478"/>
+            <a:ext cx="1994456" cy="369332"/>
+          </a:xfrm>
+          <a:prstGeom prst="rect">
+            <a:avLst/>
+          </a:prstGeom>
+          <a:noFill/>
+          <a:ln>
+            <a:solidFill>
+              <a:schemeClr val="tx1"/>
+            </a:solidFill>
+          </a:ln>
+        </p:spPr>
+        <p:txBody>
+          <a:bodyPr wrap="square" rtlCol="0">
+            <a:spAutoFit/>
+          </a:bodyPr>
+          <a:lstStyle/>
+          <a:p>
+            <a:pPr algn="ctr"/>
+            <a:r>
+              <a:rPr lang="en-PH" b="1" dirty="0">
+                <a:latin typeface="Gill Sans MT" panose="020B0502020104020203" pitchFamily="34" charset="0"/>
+              </a:rPr>
+              <a:t>SHOW IN MAP </a:t>
+            </a:r>
+          </a:p>
+        </p:txBody>
+      </p:sp>
+      <p:sp>
+        <p:nvSpPr>
+          <p:cNvPr id="66" name="Rectangle 65">
+            <a:extLst>
+              <a:ext uri="{FF2B5EF4-FFF2-40B4-BE49-F238E27FC236}">
+                <a16:creationId xmlns:a16="http://schemas.microsoft.com/office/drawing/2014/main" id="{4A41B964-41B5-4138-8C8C-56E0A006CF42}"/>
+              </a:ext>
+            </a:extLst>
+          </p:cNvPr>
+          <p:cNvSpPr/>
+          <p:nvPr/>
+        </p:nvSpPr>
+        <p:spPr>
+          <a:xfrm>
+            <a:off x="4848431" y="4153526"/>
+            <a:ext cx="2459682" cy="493644"/>
+          </a:xfrm>
+          <a:prstGeom prst="rect">
+            <a:avLst/>
+          </a:prstGeom>
+          <a:solidFill>
+            <a:schemeClr val="tx1"/>
+          </a:solidFill>
+          <a:ln>
+            <a:solidFill>
+              <a:schemeClr val="tx1"/>
+            </a:solidFill>
+          </a:ln>
+        </p:spPr>
+        <p:style>
+          <a:lnRef idx="2">
+            <a:schemeClr val="accent1">
+              <a:shade val="50000"/>
+            </a:schemeClr>
+          </a:lnRef>
+          <a:fillRef idx="1">
+            <a:schemeClr val="accent1"/>
+          </a:fillRef>
+          <a:effectRef idx="0">
+            <a:schemeClr val="accent1"/>
+          </a:effectRef>
+          <a:fontRef idx="minor">
+            <a:schemeClr val="lt1"/>
+          </a:fontRef>
+        </p:style>
+        <p:txBody>
+          <a:bodyPr rtlCol="0" anchor="ctr"/>
+          <a:lstStyle/>
+          <a:p>
+            <a:pPr algn="ctr"/>
+            <a:r>
+              <a:rPr lang="en-PH" dirty="0">
+                <a:solidFill>
+                  <a:schemeClr val="bg1"/>
+                </a:solidFill>
+              </a:rPr>
+              <a:t>  </a:t>
+            </a:r>
+            <a:r>
+              <a:rPr lang="en-PH">
+                <a:solidFill>
+                  <a:schemeClr val="bg1"/>
+                </a:solidFill>
+              </a:rPr>
+              <a:t>TNC 600 </a:t>
+            </a:r>
+            <a:r>
+              <a:rPr lang="en-PH" dirty="0">
+                <a:solidFill>
+                  <a:schemeClr val="bg1"/>
+                </a:solidFill>
+              </a:rPr>
+              <a:t>Meters</a:t>
+            </a:r>
+          </a:p>
+        </p:txBody>
+      </p:sp>
+      <p:sp>
+        <p:nvSpPr>
+          <p:cNvPr id="67" name="TextBox 66">
+            <a:extLst>
+              <a:ext uri="{FF2B5EF4-FFF2-40B4-BE49-F238E27FC236}">
+                <a16:creationId xmlns:a16="http://schemas.microsoft.com/office/drawing/2014/main" id="{49BD507F-E7A4-4BE2-BFA9-DB6B869F5AA4}"/>
+              </a:ext>
+            </a:extLst>
+          </p:cNvPr>
+          <p:cNvSpPr txBox="1"/>
+          <p:nvPr/>
+        </p:nvSpPr>
+        <p:spPr>
+          <a:xfrm>
+            <a:off x="5120569" y="4730107"/>
+            <a:ext cx="1994456" cy="369332"/>
+          </a:xfrm>
+          <a:prstGeom prst="rect">
+            <a:avLst/>
+          </a:prstGeom>
+          <a:noFill/>
+          <a:ln>
+            <a:solidFill>
+              <a:schemeClr val="tx1"/>
+            </a:solidFill>
+          </a:ln>
+        </p:spPr>
+        <p:txBody>
+          <a:bodyPr wrap="square" rtlCol="0">
+            <a:spAutoFit/>
+          </a:bodyPr>
+          <a:lstStyle/>
+          <a:p>
+            <a:pPr algn="ctr"/>
+            <a:r>
+              <a:rPr lang="en-PH" b="1" dirty="0">
+                <a:latin typeface="Gill Sans MT" panose="020B0502020104020203" pitchFamily="34" charset="0"/>
+              </a:rPr>
+              <a:t>SHOW IN MAP </a:t>
+            </a:r>
+          </a:p>
+        </p:txBody>
+      </p:sp>
+      <p:pic>
+        <p:nvPicPr>
+          <p:cNvPr id="43" name="Picture 42">
+            <a:extLst>
+              <a:ext uri="{FF2B5EF4-FFF2-40B4-BE49-F238E27FC236}">
+                <a16:creationId xmlns:a16="http://schemas.microsoft.com/office/drawing/2014/main" id="{7E4B440E-C9CE-40B1-8FA9-546DC6DC2EFA}"/>
+              </a:ext>
+            </a:extLst>
+          </p:cNvPr>
+          <p:cNvPicPr>
+            <a:picLocks noChangeAspect="1"/>
+          </p:cNvPicPr>
+          <p:nvPr/>
+        </p:nvPicPr>
+        <p:blipFill>
+          <a:blip r:embed="rId2"/>
+          <a:stretch>
+            <a:fillRect/>
+          </a:stretch>
+        </p:blipFill>
+        <p:spPr>
+          <a:xfrm>
+            <a:off x="8616185" y="1588202"/>
+            <a:ext cx="2566374" cy="3511237"/>
+          </a:xfrm>
+          <a:prstGeom prst="rect">
+            <a:avLst/>
+          </a:prstGeom>
+        </p:spPr>
+      </p:pic>
+      <p:sp>
+        <p:nvSpPr>
+          <p:cNvPr id="44" name="TextBox 43">
+            <a:extLst>
+              <a:ext uri="{FF2B5EF4-FFF2-40B4-BE49-F238E27FC236}">
+                <a16:creationId xmlns:a16="http://schemas.microsoft.com/office/drawing/2014/main" id="{B3A9B6FE-90F8-49D6-98AA-43E7924C5091}"/>
+              </a:ext>
+            </a:extLst>
+          </p:cNvPr>
+          <p:cNvSpPr txBox="1"/>
+          <p:nvPr/>
+        </p:nvSpPr>
+        <p:spPr>
+          <a:xfrm>
+            <a:off x="9110868" y="1186667"/>
+            <a:ext cx="1577009" cy="369332"/>
+          </a:xfrm>
+          <a:prstGeom prst="rect">
+            <a:avLst/>
+          </a:prstGeom>
+          <a:noFill/>
+        </p:spPr>
+        <p:txBody>
+          <a:bodyPr wrap="square" rtlCol="0">
+            <a:spAutoFit/>
+          </a:bodyPr>
+          <a:lstStyle/>
+          <a:p>
+            <a:pPr algn="ctr"/>
+            <a:r>
+              <a:rPr lang="en-PH" b="1" dirty="0">
+                <a:latin typeface="Gill Sans MT" panose="020B0502020104020203" pitchFamily="34" charset="0"/>
+              </a:rPr>
+              <a:t>ROG</a:t>
+            </a:r>
+          </a:p>
+        </p:txBody>
+      </p:sp>
+      <p:sp>
+        <p:nvSpPr>
+          <p:cNvPr id="71" name="Rectangle 70">
+            <a:extLst>
+              <a:ext uri="{FF2B5EF4-FFF2-40B4-BE49-F238E27FC236}">
+                <a16:creationId xmlns:a16="http://schemas.microsoft.com/office/drawing/2014/main" id="{980DBF87-7394-41BB-ACCB-52578386B5B3}"/>
+              </a:ext>
+            </a:extLst>
+          </p:cNvPr>
+          <p:cNvSpPr/>
+          <p:nvPr/>
+        </p:nvSpPr>
+        <p:spPr>
+          <a:xfrm>
+            <a:off x="1373479" y="5021140"/>
+            <a:ext cx="1381540" cy="493644"/>
+          </a:xfrm>
+          <a:prstGeom prst="rect">
+            <a:avLst/>
+          </a:prstGeom>
+          <a:solidFill>
+            <a:schemeClr val="bg1"/>
+          </a:solidFill>
+          <a:ln>
+            <a:solidFill>
+              <a:schemeClr val="tx1"/>
+            </a:solidFill>
+          </a:ln>
+        </p:spPr>
+        <p:style>
+          <a:lnRef idx="2">
+            <a:schemeClr val="accent1">
+              <a:shade val="50000"/>
+            </a:schemeClr>
+          </a:lnRef>
+          <a:fillRef idx="1">
+            <a:schemeClr val="accent1"/>
+          </a:fillRef>
+          <a:effectRef idx="0">
+            <a:schemeClr val="accent1"/>
+          </a:effectRef>
+          <a:fontRef idx="minor">
+            <a:schemeClr val="lt1"/>
+          </a:fontRef>
+        </p:style>
+        <p:txBody>
+          <a:bodyPr rtlCol="0" anchor="ctr"/>
+          <a:lstStyle/>
+          <a:p>
+            <a:pPr algn="ctr"/>
+            <a:r>
+              <a:rPr lang="en-PH" dirty="0">
+                <a:solidFill>
+                  <a:schemeClr val="tx1"/>
+                </a:solidFill>
+              </a:rPr>
+              <a:t>PC QUALITY</a:t>
+            </a:r>
+          </a:p>
+        </p:txBody>
+      </p:sp>
+      <p:sp>
+        <p:nvSpPr>
+          <p:cNvPr id="72" name="TextBox 71">
+            <a:extLst>
+              <a:ext uri="{FF2B5EF4-FFF2-40B4-BE49-F238E27FC236}">
+                <a16:creationId xmlns:a16="http://schemas.microsoft.com/office/drawing/2014/main" id="{36BD9C0D-9F0B-4671-A9A5-03B712693801}"/>
+              </a:ext>
+            </a:extLst>
+          </p:cNvPr>
+          <p:cNvSpPr txBox="1"/>
+          <p:nvPr/>
+        </p:nvSpPr>
+        <p:spPr>
+          <a:xfrm>
+            <a:off x="8779327" y="5157778"/>
+            <a:ext cx="2266594" cy="646331"/>
+          </a:xfrm>
+          <a:prstGeom prst="rect">
+            <a:avLst/>
+          </a:prstGeom>
+          <a:noFill/>
+          <a:ln>
+            <a:solidFill>
+              <a:schemeClr val="tx1"/>
+            </a:solidFill>
+          </a:ln>
+        </p:spPr>
+        <p:txBody>
+          <a:bodyPr wrap="square" rtlCol="0">
+            <a:spAutoFit/>
+          </a:bodyPr>
+          <a:lstStyle/>
+          <a:p>
+            <a:pPr algn="ctr"/>
+            <a:r>
+              <a:rPr lang="en-PH" sz="1200" b="1" dirty="0">
+                <a:latin typeface="Gill Sans MT" panose="020B0502020104020203" pitchFamily="34" charset="0"/>
+              </a:rPr>
+              <a:t>LOW PC – 13PHP HR </a:t>
+            </a:r>
+          </a:p>
+          <a:p>
+            <a:pPr algn="ctr"/>
+            <a:r>
+              <a:rPr lang="en-PH" sz="1200" b="1" dirty="0">
+                <a:latin typeface="Gill Sans MT" panose="020B0502020104020203" pitchFamily="34" charset="0"/>
+              </a:rPr>
+              <a:t>MID PC- 25 PHP HR</a:t>
+            </a:r>
+          </a:p>
+          <a:p>
+            <a:pPr algn="ctr"/>
+            <a:r>
+              <a:rPr lang="en-PH" sz="1200" b="1" dirty="0">
+                <a:latin typeface="Gill Sans MT" panose="020B0502020104020203" pitchFamily="34" charset="0"/>
+              </a:rPr>
+              <a:t>HIGH PC – 30PHP HR</a:t>
+            </a:r>
+          </a:p>
+        </p:txBody>
+      </p:sp>
+    </p:spTree>
+    <p:extLst>
+      <p:ext uri="{BB962C8B-B14F-4D97-AF65-F5344CB8AC3E}">
+        <p14:creationId xmlns:p14="http://schemas.microsoft.com/office/powerpoint/2010/main" val="1226772311"/>
+      </p:ext>
+    </p:extLst>
+  </p:cSld>
+  <p:clrMapOvr>
+    <a:masterClrMapping/>
+  </p:clrMapOvr>
+</p:sld>
+</file>
+
+<file path=ppt/slides/slide11.xml><?xml version="1.0" encoding="utf-8"?>
+<p:sld xmlns:a="http://schemas.openxmlformats.org/drawingml/2006/main" xmlns:r="http://schemas.openxmlformats.org/officeDocument/2006/relationships" xmlns:p="http://schemas.openxmlformats.org/presentationml/2006/main">
+  <p:cSld>
+    <p:spTree>
+      <p:nvGrpSpPr>
+        <p:cNvPr id="1" name=""/>
+        <p:cNvGrpSpPr/>
+        <p:nvPr/>
+      </p:nvGrpSpPr>
+      <p:grpSpPr>
+        <a:xfrm>
+          <a:off x="0" y="0"/>
+          <a:ext cx="0" cy="0"/>
+          <a:chOff x="0" y="0"/>
+          <a:chExt cx="0" cy="0"/>
+        </a:xfrm>
+      </p:grpSpPr>
+      <p:grpSp>
+        <p:nvGrpSpPr>
           <p:cNvPr id="14" name="Group 13">
             <a:extLst>
               <a:ext uri="{FF2B5EF4-FFF2-40B4-BE49-F238E27FC236}">
@@ -4984,7 +6465,7 @@
 </p:sld>
 </file>
 
-<file path=ppt/slides/slide11.xml><?xml version="1.0" encoding="utf-8"?>
+<file path=ppt/slides/slide12.xml><?xml version="1.0" encoding="utf-8"?>
 <p:sld xmlns:a="http://schemas.openxmlformats.org/drawingml/2006/main" xmlns:r="http://schemas.openxmlformats.org/officeDocument/2006/relationships" xmlns:p="http://schemas.openxmlformats.org/presentationml/2006/main">
   <p:cSld>
     <p:spTree>
@@ -5674,7 +7155,7 @@
 </p:sld>
 </file>
 
-<file path=ppt/slides/slide12.xml><?xml version="1.0" encoding="utf-8"?>
+<file path=ppt/slides/slide13.xml><?xml version="1.0" encoding="utf-8"?>
 <p:sld xmlns:a="http://schemas.openxmlformats.org/drawingml/2006/main" xmlns:r="http://schemas.openxmlformats.org/officeDocument/2006/relationships" xmlns:p="http://schemas.openxmlformats.org/presentationml/2006/main">
   <p:cSld>
     <p:spTree>
@@ -12459,7 +13940,7 @@
 </p:sld>
 </file>
 
-<file path=ppt/slides/slide13.xml><?xml version="1.0" encoding="utf-8"?>
+<file path=ppt/slides/slide14.xml><?xml version="1.0" encoding="utf-8"?>
 <p:sld xmlns:a="http://schemas.openxmlformats.org/drawingml/2006/main" xmlns:r="http://schemas.openxmlformats.org/officeDocument/2006/relationships" xmlns:p="http://schemas.openxmlformats.org/presentationml/2006/main">
   <p:cSld>
     <p:spTree>
@@ -13190,7 +14671,328 @@
 </p:sld>
 </file>
 
-<file path=ppt/slides/slide14.xml><?xml version="1.0" encoding="utf-8"?>
+<file path=ppt/slides/slide15.xml><?xml version="1.0" encoding="utf-8"?>
+<p:sld xmlns:a="http://schemas.openxmlformats.org/drawingml/2006/main" xmlns:r="http://schemas.openxmlformats.org/officeDocument/2006/relationships" xmlns:p="http://schemas.openxmlformats.org/presentationml/2006/main">
+  <p:cSld>
+    <p:spTree>
+      <p:nvGrpSpPr>
+        <p:cNvPr id="1" name=""/>
+        <p:cNvGrpSpPr/>
+        <p:nvPr/>
+      </p:nvGrpSpPr>
+      <p:grpSpPr>
+        <a:xfrm>
+          <a:off x="0" y="0"/>
+          <a:ext cx="0" cy="0"/>
+          <a:chOff x="0" y="0"/>
+          <a:chExt cx="0" cy="0"/>
+        </a:xfrm>
+      </p:grpSpPr>
+      <p:sp>
+        <p:nvSpPr>
+          <p:cNvPr id="2" name="TextBox 1">
+            <a:extLst>
+              <a:ext uri="{FF2B5EF4-FFF2-40B4-BE49-F238E27FC236}">
+                <a16:creationId xmlns:a16="http://schemas.microsoft.com/office/drawing/2014/main" id="{516FA38D-E8F4-48A3-9D51-C235014C6AD7}"/>
+              </a:ext>
+            </a:extLst>
+          </p:cNvPr>
+          <p:cNvSpPr txBox="1"/>
+          <p:nvPr/>
+        </p:nvSpPr>
+        <p:spPr>
+          <a:xfrm>
+            <a:off x="508000" y="972457"/>
+            <a:ext cx="8786312" cy="769441"/>
+          </a:xfrm>
+          <a:prstGeom prst="rect">
+            <a:avLst/>
+          </a:prstGeom>
+          <a:noFill/>
+        </p:spPr>
+        <p:txBody>
+          <a:bodyPr wrap="square" rtlCol="0">
+            <a:spAutoFit/>
+          </a:bodyPr>
+          <a:lstStyle/>
+          <a:p>
+            <a:r>
+              <a:rPr lang="en-PH" sz="4400" b="1" dirty="0"/>
+              <a:t>User Feedback (First Prototype)</a:t>
+            </a:r>
+          </a:p>
+        </p:txBody>
+      </p:sp>
+      <p:sp>
+        <p:nvSpPr>
+          <p:cNvPr id="10" name="Rectangle 9">
+            <a:extLst>
+              <a:ext uri="{FF2B5EF4-FFF2-40B4-BE49-F238E27FC236}">
+                <a16:creationId xmlns:a16="http://schemas.microsoft.com/office/drawing/2014/main" id="{5316A900-6D0D-4779-B86F-C134F5DE456C}"/>
+              </a:ext>
+            </a:extLst>
+          </p:cNvPr>
+          <p:cNvSpPr/>
+          <p:nvPr/>
+        </p:nvSpPr>
+        <p:spPr>
+          <a:xfrm>
+            <a:off x="508000" y="1971902"/>
+            <a:ext cx="10724776" cy="3109056"/>
+          </a:xfrm>
+          <a:prstGeom prst="rect">
+            <a:avLst/>
+          </a:prstGeom>
+        </p:spPr>
+        <p:txBody>
+          <a:bodyPr wrap="square">
+            <a:spAutoFit/>
+          </a:bodyPr>
+          <a:lstStyle/>
+          <a:p>
+            <a:pPr marL="342900" lvl="0" indent="-342900">
+              <a:lnSpc>
+                <a:spcPct val="150000"/>
+              </a:lnSpc>
+              <a:spcAft>
+                <a:spcPts val="800"/>
+              </a:spcAft>
+              <a:buFont typeface="Symbol" panose="05050102010706020507" pitchFamily="18" charset="2"/>
+              <a:buChar char=""/>
+            </a:pPr>
+            <a:r>
+              <a:rPr lang="en-PH" sz="2400" dirty="0">
+                <a:effectLst/>
+                <a:latin typeface="Tahoma" panose="020B0604030504040204" pitchFamily="34" charset="0"/>
+                <a:ea typeface="Times New Roman" panose="02020603050405020304" pitchFamily="18" charset="0"/>
+                <a:cs typeface="Times New Roman" panose="02020603050405020304" pitchFamily="18" charset="0"/>
+              </a:rPr>
+              <a:t>Prototype has no pictures</a:t>
+            </a:r>
+          </a:p>
+          <a:p>
+            <a:pPr marL="342900" lvl="0" indent="-342900">
+              <a:lnSpc>
+                <a:spcPct val="150000"/>
+              </a:lnSpc>
+              <a:spcAft>
+                <a:spcPts val="800"/>
+              </a:spcAft>
+              <a:buFont typeface="Symbol" panose="05050102010706020507" pitchFamily="18" charset="2"/>
+              <a:buChar char=""/>
+            </a:pPr>
+            <a:r>
+              <a:rPr lang="en-PH" sz="2400" dirty="0">
+                <a:latin typeface="Tahoma" panose="020B0604030504040204" pitchFamily="34" charset="0"/>
+                <a:ea typeface="Times New Roman" panose="02020603050405020304" pitchFamily="18" charset="0"/>
+                <a:cs typeface="Times New Roman" panose="02020603050405020304" pitchFamily="18" charset="0"/>
+              </a:rPr>
+              <a:t>Unresponsive Map</a:t>
+            </a:r>
+          </a:p>
+          <a:p>
+            <a:pPr marL="342900" lvl="0" indent="-342900">
+              <a:lnSpc>
+                <a:spcPct val="150000"/>
+              </a:lnSpc>
+              <a:spcAft>
+                <a:spcPts val="800"/>
+              </a:spcAft>
+              <a:buFont typeface="Symbol" panose="05050102010706020507" pitchFamily="18" charset="2"/>
+              <a:buChar char=""/>
+            </a:pPr>
+            <a:r>
+              <a:rPr lang="en-PH" sz="2400" dirty="0">
+                <a:effectLst/>
+                <a:latin typeface="Tahoma" panose="020B0604030504040204" pitchFamily="34" charset="0"/>
+                <a:ea typeface="Times New Roman" panose="02020603050405020304" pitchFamily="18" charset="0"/>
+                <a:cs typeface="Times New Roman" panose="02020603050405020304" pitchFamily="18" charset="0"/>
+              </a:rPr>
+              <a:t>Provide current reviews of the Internet Cafes, also let the users comment, or do a review about the place.</a:t>
+            </a:r>
+          </a:p>
+          <a:p>
+            <a:pPr marL="342900" lvl="0" indent="-342900">
+              <a:lnSpc>
+                <a:spcPct val="150000"/>
+              </a:lnSpc>
+              <a:spcAft>
+                <a:spcPts val="800"/>
+              </a:spcAft>
+              <a:buFont typeface="Symbol" panose="05050102010706020507" pitchFamily="18" charset="2"/>
+              <a:buChar char=""/>
+            </a:pPr>
+            <a:r>
+              <a:rPr lang="en-PH" sz="2400" dirty="0">
+                <a:effectLst/>
+                <a:latin typeface="Tahoma" panose="020B0604030504040204" pitchFamily="34" charset="0"/>
+                <a:ea typeface="Times New Roman" panose="02020603050405020304" pitchFamily="18" charset="0"/>
+                <a:cs typeface="Times New Roman" panose="02020603050405020304" pitchFamily="18" charset="0"/>
+              </a:rPr>
+              <a:t>Create an advanced booking system</a:t>
+            </a:r>
+            <a:endParaRPr lang="en-PH" sz="2000" dirty="0">
+              <a:effectLst/>
+              <a:latin typeface="Calibri" panose="020F0502020204030204" pitchFamily="34" charset="0"/>
+              <a:ea typeface="Times New Roman" panose="02020603050405020304" pitchFamily="18" charset="0"/>
+              <a:cs typeface="Times New Roman" panose="02020603050405020304" pitchFamily="18" charset="0"/>
+            </a:endParaRPr>
+          </a:p>
+        </p:txBody>
+      </p:sp>
+    </p:spTree>
+    <p:extLst>
+      <p:ext uri="{BB962C8B-B14F-4D97-AF65-F5344CB8AC3E}">
+        <p14:creationId xmlns:p14="http://schemas.microsoft.com/office/powerpoint/2010/main" val="3827903759"/>
+      </p:ext>
+    </p:extLst>
+  </p:cSld>
+  <p:clrMapOvr>
+    <a:masterClrMapping/>
+  </p:clrMapOvr>
+</p:sld>
+</file>
+
+<file path=ppt/slides/slide16.xml><?xml version="1.0" encoding="utf-8"?>
+<p:sld xmlns:a="http://schemas.openxmlformats.org/drawingml/2006/main" xmlns:r="http://schemas.openxmlformats.org/officeDocument/2006/relationships" xmlns:p="http://schemas.openxmlformats.org/presentationml/2006/main">
+  <p:cSld>
+    <p:spTree>
+      <p:nvGrpSpPr>
+        <p:cNvPr id="1" name=""/>
+        <p:cNvGrpSpPr/>
+        <p:nvPr/>
+      </p:nvGrpSpPr>
+      <p:grpSpPr>
+        <a:xfrm>
+          <a:off x="0" y="0"/>
+          <a:ext cx="0" cy="0"/>
+          <a:chOff x="0" y="0"/>
+          <a:chExt cx="0" cy="0"/>
+        </a:xfrm>
+      </p:grpSpPr>
+      <p:sp>
+        <p:nvSpPr>
+          <p:cNvPr id="2" name="TextBox 1">
+            <a:extLst>
+              <a:ext uri="{FF2B5EF4-FFF2-40B4-BE49-F238E27FC236}">
+                <a16:creationId xmlns:a16="http://schemas.microsoft.com/office/drawing/2014/main" id="{516FA38D-E8F4-48A3-9D51-C235014C6AD7}"/>
+              </a:ext>
+            </a:extLst>
+          </p:cNvPr>
+          <p:cNvSpPr txBox="1"/>
+          <p:nvPr/>
+        </p:nvSpPr>
+        <p:spPr>
+          <a:xfrm>
+            <a:off x="508000" y="972457"/>
+            <a:ext cx="8786312" cy="769441"/>
+          </a:xfrm>
+          <a:prstGeom prst="rect">
+            <a:avLst/>
+          </a:prstGeom>
+          <a:noFill/>
+        </p:spPr>
+        <p:txBody>
+          <a:bodyPr wrap="square" rtlCol="0">
+            <a:spAutoFit/>
+          </a:bodyPr>
+          <a:lstStyle/>
+          <a:p>
+            <a:r>
+              <a:rPr lang="en-PH" sz="4400" b="1" dirty="0"/>
+              <a:t>User Feedback (Second Prototype)</a:t>
+            </a:r>
+          </a:p>
+        </p:txBody>
+      </p:sp>
+      <p:sp>
+        <p:nvSpPr>
+          <p:cNvPr id="10" name="Rectangle 9">
+            <a:extLst>
+              <a:ext uri="{FF2B5EF4-FFF2-40B4-BE49-F238E27FC236}">
+                <a16:creationId xmlns:a16="http://schemas.microsoft.com/office/drawing/2014/main" id="{5316A900-6D0D-4779-B86F-C134F5DE456C}"/>
+              </a:ext>
+            </a:extLst>
+          </p:cNvPr>
+          <p:cNvSpPr/>
+          <p:nvPr/>
+        </p:nvSpPr>
+        <p:spPr>
+          <a:xfrm>
+            <a:off x="508000" y="1971902"/>
+            <a:ext cx="10724776" cy="1227580"/>
+          </a:xfrm>
+          <a:prstGeom prst="rect">
+            <a:avLst/>
+          </a:prstGeom>
+        </p:spPr>
+        <p:txBody>
+          <a:bodyPr wrap="square">
+            <a:spAutoFit/>
+          </a:bodyPr>
+          <a:lstStyle/>
+          <a:p>
+            <a:pPr marL="342900" lvl="0" indent="-342900">
+              <a:lnSpc>
+                <a:spcPct val="150000"/>
+              </a:lnSpc>
+              <a:spcAft>
+                <a:spcPts val="800"/>
+              </a:spcAft>
+              <a:buFont typeface="Symbol" panose="05050102010706020507" pitchFamily="18" charset="2"/>
+              <a:buChar char=""/>
+            </a:pPr>
+            <a:r>
+              <a:rPr lang="en-PH" sz="2400" dirty="0">
+                <a:latin typeface="Tahoma" panose="020B0604030504040204" pitchFamily="34" charset="0"/>
+                <a:ea typeface="Times New Roman" panose="02020603050405020304" pitchFamily="18" charset="0"/>
+                <a:cs typeface="Times New Roman" panose="02020603050405020304" pitchFamily="18" charset="0"/>
+              </a:rPr>
+              <a:t>Provide the total price</a:t>
+            </a:r>
+            <a:endParaRPr lang="en-PH" sz="2400" dirty="0">
+              <a:effectLst/>
+              <a:latin typeface="Tahoma" panose="020B0604030504040204" pitchFamily="34" charset="0"/>
+              <a:ea typeface="Times New Roman" panose="02020603050405020304" pitchFamily="18" charset="0"/>
+              <a:cs typeface="Times New Roman" panose="02020603050405020304" pitchFamily="18" charset="0"/>
+            </a:endParaRPr>
+          </a:p>
+          <a:p>
+            <a:pPr marL="342900" lvl="0" indent="-342900">
+              <a:lnSpc>
+                <a:spcPct val="150000"/>
+              </a:lnSpc>
+              <a:spcAft>
+                <a:spcPts val="800"/>
+              </a:spcAft>
+              <a:buFont typeface="Symbol" panose="05050102010706020507" pitchFamily="18" charset="2"/>
+              <a:buChar char=""/>
+            </a:pPr>
+            <a:r>
+              <a:rPr lang="en-PH" sz="2400" dirty="0">
+                <a:latin typeface="Tahoma" panose="020B0604030504040204" pitchFamily="34" charset="0"/>
+                <a:ea typeface="Times New Roman" panose="02020603050405020304" pitchFamily="18" charset="0"/>
+                <a:cs typeface="Times New Roman" panose="02020603050405020304" pitchFamily="18" charset="0"/>
+              </a:rPr>
+              <a:t>Create hints or clues for the users to have an idea how the interface works</a:t>
+            </a:r>
+          </a:p>
+        </p:txBody>
+      </p:sp>
+    </p:spTree>
+    <p:extLst>
+      <p:ext uri="{BB962C8B-B14F-4D97-AF65-F5344CB8AC3E}">
+        <p14:creationId xmlns:p14="http://schemas.microsoft.com/office/powerpoint/2010/main" val="1371761343"/>
+      </p:ext>
+    </p:extLst>
+  </p:cSld>
+  <p:clrMapOvr>
+    <a:masterClrMapping/>
+  </p:clrMapOvr>
+</p:sld>
+</file>
+
+<file path=ppt/slides/slide17.xml><?xml version="1.0" encoding="utf-8"?>
 <p:sld xmlns:a="http://schemas.openxmlformats.org/drawingml/2006/main" xmlns:r="http://schemas.openxmlformats.org/officeDocument/2006/relationships" xmlns:p="http://schemas.openxmlformats.org/presentationml/2006/main">
   <p:cSld>
     <p:spTree>
@@ -13817,7 +15619,7 @@
           <p:cNvPr id="2" name="TextBox 1">
             <a:extLst>
               <a:ext uri="{FF2B5EF4-FFF2-40B4-BE49-F238E27FC236}">
-                <a16:creationId xmlns:a16="http://schemas.microsoft.com/office/drawing/2014/main" id="{6805BCAE-0CD9-4EB5-98C3-81A995CD53F0}"/>
+                <a16:creationId xmlns:a16="http://schemas.microsoft.com/office/drawing/2014/main" id="{516FA38D-E8F4-48A3-9D51-C235014C6AD7}"/>
               </a:ext>
             </a:extLst>
           </p:cNvPr>
@@ -13826,8 +15628,8 @@
         </p:nvSpPr>
         <p:spPr>
           <a:xfrm>
-            <a:off x="333829" y="377371"/>
-            <a:ext cx="6066971" cy="923330"/>
+            <a:off x="508000" y="972457"/>
+            <a:ext cx="5588000" cy="769441"/>
           </a:xfrm>
           <a:prstGeom prst="rect">
             <a:avLst/>
@@ -13841,124 +15643,169 @@
           <a:lstStyle/>
           <a:p>
             <a:r>
-              <a:rPr lang="en-PH" sz="5400" b="1" dirty="0"/>
-              <a:t>STORYBOARD</a:t>
-            </a:r>
-          </a:p>
-        </p:txBody>
-      </p:sp>
-      <p:pic>
-        <p:nvPicPr>
-          <p:cNvPr id="4" name="Picture 3" descr="A close up of text on a white background&#10;&#10;Description automatically generated">
-            <a:extLst>
-              <a:ext uri="{FF2B5EF4-FFF2-40B4-BE49-F238E27FC236}">
-                <a16:creationId xmlns:a16="http://schemas.microsoft.com/office/drawing/2014/main" id="{80B8D095-BA4A-44B4-B155-3BAB68357912}"/>
-              </a:ext>
-            </a:extLst>
-          </p:cNvPr>
-          <p:cNvPicPr>
-            <a:picLocks noChangeAspect="1"/>
-          </p:cNvPicPr>
-          <p:nvPr/>
-        </p:nvPicPr>
-        <p:blipFill>
-          <a:blip r:embed="rId2">
-            <a:extLst>
-              <a:ext uri="{28A0092B-C50C-407E-A947-70E740481C1C}">
-                <a14:useLocalDpi xmlns:a14="http://schemas.microsoft.com/office/drawing/2010/main" val="0"/>
-              </a:ext>
-            </a:extLst>
-          </a:blip>
-          <a:stretch>
-            <a:fillRect/>
-          </a:stretch>
-        </p:blipFill>
-        <p:spPr>
-          <a:xfrm>
-            <a:off x="1062942" y="1402301"/>
-            <a:ext cx="2402783" cy="5078328"/>
-          </a:xfrm>
-          <a:prstGeom prst="rect">
-            <a:avLst/>
-          </a:prstGeom>
-        </p:spPr>
-      </p:pic>
-      <p:pic>
-        <p:nvPicPr>
-          <p:cNvPr id="7" name="Picture 6" descr="A close up of text on a white background&#10;&#10;Description automatically generated">
-            <a:extLst>
-              <a:ext uri="{FF2B5EF4-FFF2-40B4-BE49-F238E27FC236}">
-                <a16:creationId xmlns:a16="http://schemas.microsoft.com/office/drawing/2014/main" id="{CBE8E101-F4DF-4E88-A8CD-A65FAB9622F7}"/>
-              </a:ext>
-            </a:extLst>
-          </p:cNvPr>
-          <p:cNvPicPr>
-            <a:picLocks noChangeAspect="1"/>
-          </p:cNvPicPr>
-          <p:nvPr/>
-        </p:nvPicPr>
-        <p:blipFill>
-          <a:blip r:embed="rId3">
-            <a:extLst>
-              <a:ext uri="{28A0092B-C50C-407E-A947-70E740481C1C}">
-                <a14:useLocalDpi xmlns:a14="http://schemas.microsoft.com/office/drawing/2010/main" val="0"/>
-              </a:ext>
-            </a:extLst>
-          </a:blip>
-          <a:stretch>
-            <a:fillRect/>
-          </a:stretch>
-        </p:blipFill>
-        <p:spPr>
-          <a:xfrm>
-            <a:off x="4999555" y="1402301"/>
-            <a:ext cx="2402783" cy="5078328"/>
-          </a:xfrm>
-          <a:prstGeom prst="rect">
-            <a:avLst/>
-          </a:prstGeom>
-        </p:spPr>
-      </p:pic>
-      <p:pic>
-        <p:nvPicPr>
-          <p:cNvPr id="9" name="Picture 8" descr="A close up of text on a white background&#10;&#10;Description automatically generated">
-            <a:extLst>
-              <a:ext uri="{FF2B5EF4-FFF2-40B4-BE49-F238E27FC236}">
-                <a16:creationId xmlns:a16="http://schemas.microsoft.com/office/drawing/2014/main" id="{E5E832F6-51DD-4CB2-9F3F-92E95113F4B7}"/>
-              </a:ext>
-            </a:extLst>
-          </p:cNvPr>
-          <p:cNvPicPr>
-            <a:picLocks noChangeAspect="1"/>
-          </p:cNvPicPr>
-          <p:nvPr/>
-        </p:nvPicPr>
-        <p:blipFill>
-          <a:blip r:embed="rId4">
-            <a:extLst>
-              <a:ext uri="{28A0092B-C50C-407E-A947-70E740481C1C}">
-                <a14:useLocalDpi xmlns:a14="http://schemas.microsoft.com/office/drawing/2010/main" val="0"/>
-              </a:ext>
-            </a:extLst>
-          </a:blip>
-          <a:stretch>
-            <a:fillRect/>
-          </a:stretch>
-        </p:blipFill>
-        <p:spPr>
-          <a:xfrm>
-            <a:off x="9037768" y="1402301"/>
-            <a:ext cx="2402783" cy="5078328"/>
-          </a:xfrm>
-          <a:prstGeom prst="rect">
-            <a:avLst/>
-          </a:prstGeom>
-        </p:spPr>
-      </p:pic>
+              <a:rPr lang="en-PH" sz="4400" b="1" dirty="0"/>
+              <a:t>Point of View</a:t>
+            </a:r>
+          </a:p>
+        </p:txBody>
+      </p:sp>
+      <p:sp>
+        <p:nvSpPr>
+          <p:cNvPr id="10" name="Rectangle 9">
+            <a:extLst>
+              <a:ext uri="{FF2B5EF4-FFF2-40B4-BE49-F238E27FC236}">
+                <a16:creationId xmlns:a16="http://schemas.microsoft.com/office/drawing/2014/main" id="{5316A900-6D0D-4779-B86F-C134F5DE456C}"/>
+              </a:ext>
+            </a:extLst>
+          </p:cNvPr>
+          <p:cNvSpPr/>
+          <p:nvPr/>
+        </p:nvSpPr>
+        <p:spPr>
+          <a:xfrm>
+            <a:off x="508000" y="1971902"/>
+            <a:ext cx="10724776" cy="4365747"/>
+          </a:xfrm>
+          <a:prstGeom prst="rect">
+            <a:avLst/>
+          </a:prstGeom>
+        </p:spPr>
+        <p:txBody>
+          <a:bodyPr wrap="square">
+            <a:spAutoFit/>
+          </a:bodyPr>
+          <a:lstStyle/>
+          <a:p>
+            <a:pPr marL="342900" lvl="0" indent="-342900">
+              <a:lnSpc>
+                <a:spcPct val="150000"/>
+              </a:lnSpc>
+              <a:spcAft>
+                <a:spcPts val="800"/>
+              </a:spcAft>
+              <a:buFont typeface="Symbol" panose="05050102010706020507" pitchFamily="18" charset="2"/>
+              <a:buChar char=""/>
+            </a:pPr>
+            <a:r>
+              <a:rPr lang="en-PH" sz="2000" dirty="0">
+                <a:latin typeface="Tahoma" panose="020B0604030504040204" pitchFamily="34" charset="0"/>
+                <a:ea typeface="Times New Roman" panose="02020603050405020304" pitchFamily="18" charset="0"/>
+                <a:cs typeface="Times New Roman" panose="02020603050405020304" pitchFamily="18" charset="0"/>
+              </a:rPr>
+              <a:t>Users prefer cheaper rent prizes than expensive ones especially when there is no need for longer use of computers</a:t>
+            </a:r>
+            <a:br>
+              <a:rPr lang="en-PH" sz="2000" dirty="0">
+                <a:latin typeface="Tahoma" panose="020B0604030504040204" pitchFamily="34" charset="0"/>
+                <a:ea typeface="Times New Roman" panose="02020603050405020304" pitchFamily="18" charset="0"/>
+                <a:cs typeface="Times New Roman" panose="02020603050405020304" pitchFamily="18" charset="0"/>
+              </a:rPr>
+            </a:br>
+            <a:endParaRPr lang="en-PH" dirty="0">
+              <a:effectLst/>
+              <a:latin typeface="Calibri" panose="020F0502020204030204" pitchFamily="34" charset="0"/>
+              <a:ea typeface="Times New Roman" panose="02020603050405020304" pitchFamily="18" charset="0"/>
+              <a:cs typeface="Times New Roman" panose="02020603050405020304" pitchFamily="18" charset="0"/>
+            </a:endParaRPr>
+          </a:p>
+          <a:p>
+            <a:pPr marL="342900" lvl="0" indent="-342900">
+              <a:lnSpc>
+                <a:spcPct val="150000"/>
+              </a:lnSpc>
+              <a:spcAft>
+                <a:spcPts val="800"/>
+              </a:spcAft>
+              <a:buFont typeface="Symbol" panose="05050102010706020507" pitchFamily="18" charset="2"/>
+              <a:buChar char=""/>
+            </a:pPr>
+            <a:r>
+              <a:rPr lang="en-PH" sz="2000" dirty="0">
+                <a:latin typeface="Tahoma" panose="020B0604030504040204" pitchFamily="34" charset="0"/>
+                <a:ea typeface="Times New Roman" panose="02020603050405020304" pitchFamily="18" charset="0"/>
+                <a:cs typeface="Times New Roman" panose="02020603050405020304" pitchFamily="18" charset="0"/>
+              </a:rPr>
+              <a:t>Users want to use capable computers to accommodate their works or activities properly</a:t>
+            </a:r>
+            <a:br>
+              <a:rPr lang="en-PH" sz="2000" dirty="0">
+                <a:latin typeface="Tahoma" panose="020B0604030504040204" pitchFamily="34" charset="0"/>
+                <a:ea typeface="Times New Roman" panose="02020603050405020304" pitchFamily="18" charset="0"/>
+                <a:cs typeface="Times New Roman" panose="02020603050405020304" pitchFamily="18" charset="0"/>
+              </a:rPr>
+            </a:br>
+            <a:endParaRPr lang="en-PH" dirty="0">
+              <a:effectLst/>
+              <a:latin typeface="Calibri" panose="020F0502020204030204" pitchFamily="34" charset="0"/>
+              <a:ea typeface="Times New Roman" panose="02020603050405020304" pitchFamily="18" charset="0"/>
+              <a:cs typeface="Times New Roman" panose="02020603050405020304" pitchFamily="18" charset="0"/>
+            </a:endParaRPr>
+          </a:p>
+          <a:p>
+            <a:pPr marL="342900" lvl="0" indent="-342900">
+              <a:lnSpc>
+                <a:spcPct val="150000"/>
+              </a:lnSpc>
+              <a:spcAft>
+                <a:spcPts val="800"/>
+              </a:spcAft>
+              <a:buFont typeface="Symbol" panose="05050102010706020507" pitchFamily="18" charset="2"/>
+              <a:buChar char=""/>
+            </a:pPr>
+            <a:r>
+              <a:rPr lang="en-PH" sz="2000" dirty="0">
+                <a:latin typeface="Tahoma" panose="020B0604030504040204" pitchFamily="34" charset="0"/>
+                <a:ea typeface="Times New Roman" panose="02020603050405020304" pitchFamily="18" charset="0"/>
+                <a:cs typeface="Times New Roman" panose="02020603050405020304" pitchFamily="18" charset="0"/>
+              </a:rPr>
+              <a:t>Users do not want to waste time and want to have easy access to available computers</a:t>
+            </a:r>
+            <a:br>
+              <a:rPr lang="en-PH" sz="2000" dirty="0">
+                <a:latin typeface="Tahoma" panose="020B0604030504040204" pitchFamily="34" charset="0"/>
+                <a:ea typeface="Times New Roman" panose="02020603050405020304" pitchFamily="18" charset="0"/>
+                <a:cs typeface="Times New Roman" panose="02020603050405020304" pitchFamily="18" charset="0"/>
+              </a:rPr>
+            </a:br>
+            <a:endParaRPr lang="en-PH" dirty="0">
+              <a:effectLst/>
+              <a:latin typeface="Calibri" panose="020F0502020204030204" pitchFamily="34" charset="0"/>
+              <a:ea typeface="Times New Roman" panose="02020603050405020304" pitchFamily="18" charset="0"/>
+              <a:cs typeface="Times New Roman" panose="02020603050405020304" pitchFamily="18" charset="0"/>
+            </a:endParaRPr>
+          </a:p>
+          <a:p>
+            <a:pPr marL="342900" lvl="0" indent="-342900">
+              <a:lnSpc>
+                <a:spcPct val="150000"/>
+              </a:lnSpc>
+              <a:spcAft>
+                <a:spcPts val="800"/>
+              </a:spcAft>
+              <a:buFont typeface="Symbol" panose="05050102010706020507" pitchFamily="18" charset="2"/>
+              <a:buChar char=""/>
+            </a:pPr>
+            <a:r>
+              <a:rPr lang="en-US" sz="2000" dirty="0">
+                <a:latin typeface="Tahoma" panose="020B0604030504040204" pitchFamily="34" charset="0"/>
+                <a:ea typeface="Times New Roman" panose="02020603050405020304" pitchFamily="18" charset="0"/>
+                <a:cs typeface="Times New Roman" panose="02020603050405020304" pitchFamily="18" charset="0"/>
+              </a:rPr>
+              <a:t>Users want to know the opening hours of different Internet Cafes due to their different time schedules</a:t>
+            </a:r>
+            <a:endParaRPr lang="en-PH" dirty="0">
+              <a:effectLst/>
+              <a:latin typeface="Calibri" panose="020F0502020204030204" pitchFamily="34" charset="0"/>
+              <a:ea typeface="Times New Roman" panose="02020603050405020304" pitchFamily="18" charset="0"/>
+              <a:cs typeface="Times New Roman" panose="02020603050405020304" pitchFamily="18" charset="0"/>
+            </a:endParaRPr>
+          </a:p>
+        </p:txBody>
+      </p:sp>
     </p:spTree>
     <p:extLst>
       <p:ext uri="{BB962C8B-B14F-4D97-AF65-F5344CB8AC3E}">
-        <p14:creationId xmlns:p14="http://schemas.microsoft.com/office/powerpoint/2010/main" val="518183743"/>
+        <p14:creationId xmlns:p14="http://schemas.microsoft.com/office/powerpoint/2010/main" val="2618529223"/>
       </p:ext>
     </p:extLst>
   </p:cSld>
@@ -13987,10 +15834,10 @@
       </p:grpSpPr>
       <p:sp>
         <p:nvSpPr>
-          <p:cNvPr id="3" name="TextBox 2">
-            <a:extLst>
-              <a:ext uri="{FF2B5EF4-FFF2-40B4-BE49-F238E27FC236}">
-                <a16:creationId xmlns:a16="http://schemas.microsoft.com/office/drawing/2014/main" id="{841ED2A2-F5EC-4F86-880E-1BCDD23115CA}"/>
+          <p:cNvPr id="2" name="TextBox 1">
+            <a:extLst>
+              <a:ext uri="{FF2B5EF4-FFF2-40B4-BE49-F238E27FC236}">
+                <a16:creationId xmlns:a16="http://schemas.microsoft.com/office/drawing/2014/main" id="{6805BCAE-0CD9-4EB5-98C3-81A995CD53F0}"/>
               </a:ext>
             </a:extLst>
           </p:cNvPr>
@@ -13999,8 +15846,8 @@
         </p:nvSpPr>
         <p:spPr>
           <a:xfrm>
-            <a:off x="1959429" y="2046514"/>
-            <a:ext cx="10029371" cy="2215991"/>
+            <a:off x="333829" y="377371"/>
+            <a:ext cx="6066971" cy="923330"/>
           </a:xfrm>
           <a:prstGeom prst="rect">
             <a:avLst/>
@@ -14014,16 +15861,124 @@
           <a:lstStyle/>
           <a:p>
             <a:r>
-              <a:rPr lang="en-PH" sz="13800" dirty="0"/>
-              <a:t>PROTOTYPE</a:t>
-            </a:r>
-          </a:p>
-        </p:txBody>
-      </p:sp>
+              <a:rPr lang="en-PH" sz="5400" b="1" dirty="0"/>
+              <a:t>STORYBOARD</a:t>
+            </a:r>
+          </a:p>
+        </p:txBody>
+      </p:sp>
+      <p:pic>
+        <p:nvPicPr>
+          <p:cNvPr id="4" name="Picture 3" descr="A close up of text on a white background&#10;&#10;Description automatically generated">
+            <a:extLst>
+              <a:ext uri="{FF2B5EF4-FFF2-40B4-BE49-F238E27FC236}">
+                <a16:creationId xmlns:a16="http://schemas.microsoft.com/office/drawing/2014/main" id="{80B8D095-BA4A-44B4-B155-3BAB68357912}"/>
+              </a:ext>
+            </a:extLst>
+          </p:cNvPr>
+          <p:cNvPicPr>
+            <a:picLocks noChangeAspect="1"/>
+          </p:cNvPicPr>
+          <p:nvPr/>
+        </p:nvPicPr>
+        <p:blipFill>
+          <a:blip r:embed="rId2">
+            <a:extLst>
+              <a:ext uri="{28A0092B-C50C-407E-A947-70E740481C1C}">
+                <a14:useLocalDpi xmlns:a14="http://schemas.microsoft.com/office/drawing/2010/main" val="0"/>
+              </a:ext>
+            </a:extLst>
+          </a:blip>
+          <a:stretch>
+            <a:fillRect/>
+          </a:stretch>
+        </p:blipFill>
+        <p:spPr>
+          <a:xfrm>
+            <a:off x="1062942" y="1402301"/>
+            <a:ext cx="2402783" cy="5078328"/>
+          </a:xfrm>
+          <a:prstGeom prst="rect">
+            <a:avLst/>
+          </a:prstGeom>
+        </p:spPr>
+      </p:pic>
+      <p:pic>
+        <p:nvPicPr>
+          <p:cNvPr id="7" name="Picture 6" descr="A close up of text on a white background&#10;&#10;Description automatically generated">
+            <a:extLst>
+              <a:ext uri="{FF2B5EF4-FFF2-40B4-BE49-F238E27FC236}">
+                <a16:creationId xmlns:a16="http://schemas.microsoft.com/office/drawing/2014/main" id="{CBE8E101-F4DF-4E88-A8CD-A65FAB9622F7}"/>
+              </a:ext>
+            </a:extLst>
+          </p:cNvPr>
+          <p:cNvPicPr>
+            <a:picLocks noChangeAspect="1"/>
+          </p:cNvPicPr>
+          <p:nvPr/>
+        </p:nvPicPr>
+        <p:blipFill>
+          <a:blip r:embed="rId3">
+            <a:extLst>
+              <a:ext uri="{28A0092B-C50C-407E-A947-70E740481C1C}">
+                <a14:useLocalDpi xmlns:a14="http://schemas.microsoft.com/office/drawing/2010/main" val="0"/>
+              </a:ext>
+            </a:extLst>
+          </a:blip>
+          <a:stretch>
+            <a:fillRect/>
+          </a:stretch>
+        </p:blipFill>
+        <p:spPr>
+          <a:xfrm>
+            <a:off x="4999555" y="1402301"/>
+            <a:ext cx="2402783" cy="5078328"/>
+          </a:xfrm>
+          <a:prstGeom prst="rect">
+            <a:avLst/>
+          </a:prstGeom>
+        </p:spPr>
+      </p:pic>
+      <p:pic>
+        <p:nvPicPr>
+          <p:cNvPr id="9" name="Picture 8" descr="A close up of text on a white background&#10;&#10;Description automatically generated">
+            <a:extLst>
+              <a:ext uri="{FF2B5EF4-FFF2-40B4-BE49-F238E27FC236}">
+                <a16:creationId xmlns:a16="http://schemas.microsoft.com/office/drawing/2014/main" id="{E5E832F6-51DD-4CB2-9F3F-92E95113F4B7}"/>
+              </a:ext>
+            </a:extLst>
+          </p:cNvPr>
+          <p:cNvPicPr>
+            <a:picLocks noChangeAspect="1"/>
+          </p:cNvPicPr>
+          <p:nvPr/>
+        </p:nvPicPr>
+        <p:blipFill>
+          <a:blip r:embed="rId4">
+            <a:extLst>
+              <a:ext uri="{28A0092B-C50C-407E-A947-70E740481C1C}">
+                <a14:useLocalDpi xmlns:a14="http://schemas.microsoft.com/office/drawing/2010/main" val="0"/>
+              </a:ext>
+            </a:extLst>
+          </a:blip>
+          <a:stretch>
+            <a:fillRect/>
+          </a:stretch>
+        </p:blipFill>
+        <p:spPr>
+          <a:xfrm>
+            <a:off x="9037768" y="1402301"/>
+            <a:ext cx="2402783" cy="5078328"/>
+          </a:xfrm>
+          <a:prstGeom prst="rect">
+            <a:avLst/>
+          </a:prstGeom>
+        </p:spPr>
+      </p:pic>
     </p:spTree>
     <p:extLst>
       <p:ext uri="{BB962C8B-B14F-4D97-AF65-F5344CB8AC3E}">
-        <p14:creationId xmlns:p14="http://schemas.microsoft.com/office/powerpoint/2010/main" val="755244714"/>
+        <p14:creationId xmlns:p14="http://schemas.microsoft.com/office/powerpoint/2010/main" val="518183743"/>
       </p:ext>
     </p:extLst>
   </p:cSld>
@@ -14050,625 +16005,12 @@
           <a:chExt cx="0" cy="0"/>
         </a:xfrm>
       </p:grpSpPr>
-      <p:grpSp>
-        <p:nvGrpSpPr>
-          <p:cNvPr id="13" name="Group 12">
-            <a:extLst>
-              <a:ext uri="{FF2B5EF4-FFF2-40B4-BE49-F238E27FC236}">
-                <a16:creationId xmlns:a16="http://schemas.microsoft.com/office/drawing/2014/main" id="{FEFCE114-C2B0-4848-86BC-85AC8BA9CCEA}"/>
-              </a:ext>
-            </a:extLst>
-          </p:cNvPr>
-          <p:cNvGrpSpPr/>
-          <p:nvPr/>
-        </p:nvGrpSpPr>
-        <p:grpSpPr>
-          <a:xfrm>
-            <a:off x="8063946" y="268356"/>
-            <a:ext cx="3697357" cy="6321287"/>
-            <a:chOff x="318052" y="238539"/>
-            <a:chExt cx="3697357" cy="6321287"/>
-          </a:xfrm>
-        </p:grpSpPr>
-        <p:sp>
-          <p:nvSpPr>
-            <p:cNvPr id="12" name="Rectangle 11">
-              <a:extLst>
-                <a:ext uri="{FF2B5EF4-FFF2-40B4-BE49-F238E27FC236}">
-                  <a16:creationId xmlns:a16="http://schemas.microsoft.com/office/drawing/2014/main" id="{FB6E30D5-3059-4768-8D72-A2C4584983B4}"/>
-                </a:ext>
-              </a:extLst>
-            </p:cNvPr>
-            <p:cNvSpPr/>
-            <p:nvPr/>
-          </p:nvSpPr>
-          <p:spPr>
-            <a:xfrm>
-              <a:off x="1364974" y="4320042"/>
-              <a:ext cx="1577009" cy="523220"/>
-            </a:xfrm>
-            <a:prstGeom prst="rect">
-              <a:avLst/>
-            </a:prstGeom>
-            <a:noFill/>
-            <a:ln>
-              <a:solidFill>
-                <a:schemeClr val="tx1"/>
-              </a:solidFill>
-            </a:ln>
-          </p:spPr>
-          <p:style>
-            <a:lnRef idx="2">
-              <a:schemeClr val="accent1">
-                <a:shade val="50000"/>
-              </a:schemeClr>
-            </a:lnRef>
-            <a:fillRef idx="1">
-              <a:schemeClr val="accent1"/>
-            </a:fillRef>
-            <a:effectRef idx="0">
-              <a:schemeClr val="accent1"/>
-            </a:effectRef>
-            <a:fontRef idx="minor">
-              <a:schemeClr val="lt1"/>
-            </a:fontRef>
-          </p:style>
-          <p:txBody>
-            <a:bodyPr rtlCol="0" anchor="ctr"/>
-            <a:lstStyle/>
-            <a:p>
-              <a:pPr algn="ctr"/>
-              <a:endParaRPr lang="en-PH"/>
-            </a:p>
-          </p:txBody>
-        </p:sp>
-        <p:sp>
-          <p:nvSpPr>
-            <p:cNvPr id="5" name="Rectangle: Rounded Corners 4">
-              <a:extLst>
-                <a:ext uri="{FF2B5EF4-FFF2-40B4-BE49-F238E27FC236}">
-                  <a16:creationId xmlns:a16="http://schemas.microsoft.com/office/drawing/2014/main" id="{A0068AB8-F468-431F-A6B5-2F981DC0705D}"/>
-                </a:ext>
-              </a:extLst>
-            </p:cNvPr>
-            <p:cNvSpPr/>
-            <p:nvPr/>
-          </p:nvSpPr>
-          <p:spPr>
-            <a:xfrm>
-              <a:off x="318052" y="238539"/>
-              <a:ext cx="3697357" cy="6321287"/>
-            </a:xfrm>
-            <a:prstGeom prst="roundRect">
-              <a:avLst/>
-            </a:prstGeom>
-            <a:noFill/>
-            <a:ln>
-              <a:solidFill>
-                <a:schemeClr val="tx1"/>
-              </a:solidFill>
-            </a:ln>
-          </p:spPr>
-          <p:style>
-            <a:lnRef idx="2">
-              <a:schemeClr val="accent1">
-                <a:shade val="50000"/>
-              </a:schemeClr>
-            </a:lnRef>
-            <a:fillRef idx="1">
-              <a:schemeClr val="accent1"/>
-            </a:fillRef>
-            <a:effectRef idx="0">
-              <a:schemeClr val="accent1"/>
-            </a:effectRef>
-            <a:fontRef idx="minor">
-              <a:schemeClr val="lt1"/>
-            </a:fontRef>
-          </p:style>
-          <p:txBody>
-            <a:bodyPr rtlCol="0" anchor="ctr"/>
-            <a:lstStyle/>
-            <a:p>
-              <a:pPr algn="ctr"/>
-              <a:endParaRPr lang="en-PH"/>
-            </a:p>
-          </p:txBody>
-        </p:sp>
-        <p:sp>
-          <p:nvSpPr>
-            <p:cNvPr id="6" name="Rectangle: Rounded Corners 5">
-              <a:extLst>
-                <a:ext uri="{FF2B5EF4-FFF2-40B4-BE49-F238E27FC236}">
-                  <a16:creationId xmlns:a16="http://schemas.microsoft.com/office/drawing/2014/main" id="{5D35D462-3A75-4FB6-8E8A-FF6E9B6FC323}"/>
-                </a:ext>
-              </a:extLst>
-            </p:cNvPr>
-            <p:cNvSpPr/>
-            <p:nvPr/>
-          </p:nvSpPr>
-          <p:spPr>
-            <a:xfrm>
-              <a:off x="622852" y="927651"/>
-              <a:ext cx="3048000" cy="4943061"/>
-            </a:xfrm>
-            <a:prstGeom prst="roundRect">
-              <a:avLst/>
-            </a:prstGeom>
-            <a:solidFill>
-              <a:srgbClr val="FFC000"/>
-            </a:solidFill>
-            <a:ln>
-              <a:solidFill>
-                <a:schemeClr val="tx1"/>
-              </a:solidFill>
-            </a:ln>
-          </p:spPr>
-          <p:style>
-            <a:lnRef idx="2">
-              <a:schemeClr val="accent1">
-                <a:shade val="50000"/>
-              </a:schemeClr>
-            </a:lnRef>
-            <a:fillRef idx="1">
-              <a:schemeClr val="accent1"/>
-            </a:fillRef>
-            <a:effectRef idx="0">
-              <a:schemeClr val="accent1"/>
-            </a:effectRef>
-            <a:fontRef idx="minor">
-              <a:schemeClr val="lt1"/>
-            </a:fontRef>
-          </p:style>
-          <p:txBody>
-            <a:bodyPr rtlCol="0" anchor="ctr"/>
-            <a:lstStyle/>
-            <a:p>
-              <a:pPr algn="ctr"/>
-              <a:endParaRPr lang="en-PH"/>
-            </a:p>
-          </p:txBody>
-        </p:sp>
-      </p:grpSp>
-      <p:grpSp>
-        <p:nvGrpSpPr>
-          <p:cNvPr id="14" name="Group 13">
-            <a:extLst>
-              <a:ext uri="{FF2B5EF4-FFF2-40B4-BE49-F238E27FC236}">
-                <a16:creationId xmlns:a16="http://schemas.microsoft.com/office/drawing/2014/main" id="{2C60ABC9-F770-42CA-B114-04AFD08352DC}"/>
-              </a:ext>
-            </a:extLst>
-          </p:cNvPr>
-          <p:cNvGrpSpPr/>
-          <p:nvPr/>
-        </p:nvGrpSpPr>
-        <p:grpSpPr>
-          <a:xfrm>
-            <a:off x="318049" y="268356"/>
-            <a:ext cx="3697357" cy="6321287"/>
-            <a:chOff x="318052" y="238539"/>
-            <a:chExt cx="3697357" cy="6321287"/>
-          </a:xfrm>
-        </p:grpSpPr>
-        <p:sp>
-          <p:nvSpPr>
-            <p:cNvPr id="15" name="Rectangle 14">
-              <a:extLst>
-                <a:ext uri="{FF2B5EF4-FFF2-40B4-BE49-F238E27FC236}">
-                  <a16:creationId xmlns:a16="http://schemas.microsoft.com/office/drawing/2014/main" id="{DCCB478B-FFCE-49F2-9519-385895F93F22}"/>
-                </a:ext>
-              </a:extLst>
-            </p:cNvPr>
-            <p:cNvSpPr/>
-            <p:nvPr/>
-          </p:nvSpPr>
-          <p:spPr>
-            <a:xfrm>
-              <a:off x="1364974" y="4320042"/>
-              <a:ext cx="1577009" cy="523220"/>
-            </a:xfrm>
-            <a:prstGeom prst="rect">
-              <a:avLst/>
-            </a:prstGeom>
-            <a:noFill/>
-            <a:ln>
-              <a:solidFill>
-                <a:schemeClr val="tx1"/>
-              </a:solidFill>
-            </a:ln>
-          </p:spPr>
-          <p:style>
-            <a:lnRef idx="2">
-              <a:schemeClr val="accent1">
-                <a:shade val="50000"/>
-              </a:schemeClr>
-            </a:lnRef>
-            <a:fillRef idx="1">
-              <a:schemeClr val="accent1"/>
-            </a:fillRef>
-            <a:effectRef idx="0">
-              <a:schemeClr val="accent1"/>
-            </a:effectRef>
-            <a:fontRef idx="minor">
-              <a:schemeClr val="lt1"/>
-            </a:fontRef>
-          </p:style>
-          <p:txBody>
-            <a:bodyPr rtlCol="0" anchor="ctr"/>
-            <a:lstStyle/>
-            <a:p>
-              <a:pPr algn="ctr"/>
-              <a:endParaRPr lang="en-PH"/>
-            </a:p>
-          </p:txBody>
-        </p:sp>
-        <p:sp>
-          <p:nvSpPr>
-            <p:cNvPr id="16" name="Rectangle: Rounded Corners 15">
-              <a:extLst>
-                <a:ext uri="{FF2B5EF4-FFF2-40B4-BE49-F238E27FC236}">
-                  <a16:creationId xmlns:a16="http://schemas.microsoft.com/office/drawing/2014/main" id="{B0D6BFE9-7759-44A0-B8B1-AFDE0EAA6F94}"/>
-                </a:ext>
-              </a:extLst>
-            </p:cNvPr>
-            <p:cNvSpPr/>
-            <p:nvPr/>
-          </p:nvSpPr>
-          <p:spPr>
-            <a:xfrm>
-              <a:off x="318052" y="238539"/>
-              <a:ext cx="3697357" cy="6321287"/>
-            </a:xfrm>
-            <a:prstGeom prst="roundRect">
-              <a:avLst/>
-            </a:prstGeom>
-            <a:noFill/>
-            <a:ln>
-              <a:solidFill>
-                <a:schemeClr val="tx1"/>
-              </a:solidFill>
-            </a:ln>
-          </p:spPr>
-          <p:style>
-            <a:lnRef idx="2">
-              <a:schemeClr val="accent1">
-                <a:shade val="50000"/>
-              </a:schemeClr>
-            </a:lnRef>
-            <a:fillRef idx="1">
-              <a:schemeClr val="accent1"/>
-            </a:fillRef>
-            <a:effectRef idx="0">
-              <a:schemeClr val="accent1"/>
-            </a:effectRef>
-            <a:fontRef idx="minor">
-              <a:schemeClr val="lt1"/>
-            </a:fontRef>
-          </p:style>
-          <p:txBody>
-            <a:bodyPr rtlCol="0" anchor="ctr"/>
-            <a:lstStyle/>
-            <a:p>
-              <a:pPr algn="ctr"/>
-              <a:endParaRPr lang="en-PH"/>
-            </a:p>
-          </p:txBody>
-        </p:sp>
-        <p:sp>
-          <p:nvSpPr>
-            <p:cNvPr id="17" name="Rectangle: Rounded Corners 16">
-              <a:extLst>
-                <a:ext uri="{FF2B5EF4-FFF2-40B4-BE49-F238E27FC236}">
-                  <a16:creationId xmlns:a16="http://schemas.microsoft.com/office/drawing/2014/main" id="{73BFF76E-2242-45AB-9CBB-67CA5C18A08F}"/>
-                </a:ext>
-              </a:extLst>
-            </p:cNvPr>
-            <p:cNvSpPr/>
-            <p:nvPr/>
-          </p:nvSpPr>
-          <p:spPr>
-            <a:xfrm>
-              <a:off x="622852" y="927651"/>
-              <a:ext cx="3048000" cy="4943061"/>
-            </a:xfrm>
-            <a:prstGeom prst="roundRect">
-              <a:avLst/>
-            </a:prstGeom>
-            <a:solidFill>
-              <a:srgbClr val="FFC000"/>
-            </a:solidFill>
-            <a:ln>
-              <a:solidFill>
-                <a:schemeClr val="tx1"/>
-              </a:solidFill>
-            </a:ln>
-          </p:spPr>
-          <p:style>
-            <a:lnRef idx="2">
-              <a:schemeClr val="accent1">
-                <a:shade val="50000"/>
-              </a:schemeClr>
-            </a:lnRef>
-            <a:fillRef idx="1">
-              <a:schemeClr val="accent1"/>
-            </a:fillRef>
-            <a:effectRef idx="0">
-              <a:schemeClr val="accent1"/>
-            </a:effectRef>
-            <a:fontRef idx="minor">
-              <a:schemeClr val="lt1"/>
-            </a:fontRef>
-          </p:style>
-          <p:txBody>
-            <a:bodyPr rtlCol="0" anchor="ctr"/>
-            <a:lstStyle/>
-            <a:p>
-              <a:pPr algn="ctr"/>
-              <a:endParaRPr lang="en-PH" dirty="0"/>
-            </a:p>
-          </p:txBody>
-        </p:sp>
-        <p:sp>
-          <p:nvSpPr>
-            <p:cNvPr id="18" name="TextBox 17">
-              <a:extLst>
-                <a:ext uri="{FF2B5EF4-FFF2-40B4-BE49-F238E27FC236}">
-                  <a16:creationId xmlns:a16="http://schemas.microsoft.com/office/drawing/2014/main" id="{689FCB6D-27FC-41CA-8BB5-CA7C220704E0}"/>
-                </a:ext>
-              </a:extLst>
-            </p:cNvPr>
-            <p:cNvSpPr txBox="1"/>
-            <p:nvPr/>
-          </p:nvSpPr>
-          <p:spPr>
-            <a:xfrm>
-              <a:off x="1119808" y="1630018"/>
-              <a:ext cx="2054087" cy="646331"/>
-            </a:xfrm>
-            <a:prstGeom prst="rect">
-              <a:avLst/>
-            </a:prstGeom>
-            <a:noFill/>
-          </p:spPr>
-          <p:txBody>
-            <a:bodyPr wrap="square" rtlCol="0">
-              <a:spAutoFit/>
-            </a:bodyPr>
-            <a:lstStyle/>
-            <a:p>
-              <a:pPr algn="ctr"/>
-              <a:r>
-                <a:rPr lang="en-PH" sz="3600" b="1" dirty="0">
-                  <a:latin typeface="Gill Sans MT" panose="020B0502020104020203" pitchFamily="34" charset="0"/>
-                </a:rPr>
-                <a:t>HANAP </a:t>
-              </a:r>
-            </a:p>
-          </p:txBody>
-        </p:sp>
-        <p:sp>
-          <p:nvSpPr>
-            <p:cNvPr id="19" name="TextBox 18">
-              <a:extLst>
-                <a:ext uri="{FF2B5EF4-FFF2-40B4-BE49-F238E27FC236}">
-                  <a16:creationId xmlns:a16="http://schemas.microsoft.com/office/drawing/2014/main" id="{696D6BCE-F8F0-461B-81D9-50AABAE1BE8D}"/>
-                </a:ext>
-              </a:extLst>
-            </p:cNvPr>
-            <p:cNvSpPr txBox="1"/>
-            <p:nvPr/>
-          </p:nvSpPr>
-          <p:spPr>
-            <a:xfrm>
-              <a:off x="1139686" y="2166731"/>
-              <a:ext cx="2054087" cy="646331"/>
-            </a:xfrm>
-            <a:prstGeom prst="rect">
-              <a:avLst/>
-            </a:prstGeom>
-            <a:noFill/>
-          </p:spPr>
-          <p:txBody>
-            <a:bodyPr wrap="square" rtlCol="0">
-              <a:spAutoFit/>
-            </a:bodyPr>
-            <a:lstStyle/>
-            <a:p>
-              <a:pPr algn="ctr"/>
-              <a:r>
-                <a:rPr lang="en-PH" sz="3600" b="1" dirty="0">
-                  <a:latin typeface="Gill Sans MT" panose="020B0502020104020203" pitchFamily="34" charset="0"/>
-                </a:rPr>
-                <a:t>PC </a:t>
-              </a:r>
-            </a:p>
-          </p:txBody>
-        </p:sp>
-      </p:grpSp>
-      <p:grpSp>
-        <p:nvGrpSpPr>
-          <p:cNvPr id="28" name="Group 27">
-            <a:extLst>
-              <a:ext uri="{FF2B5EF4-FFF2-40B4-BE49-F238E27FC236}">
-                <a16:creationId xmlns:a16="http://schemas.microsoft.com/office/drawing/2014/main" id="{A6415594-4A73-4D16-8A76-1C2B8B18DCB7}"/>
-              </a:ext>
-            </a:extLst>
-          </p:cNvPr>
-          <p:cNvGrpSpPr/>
-          <p:nvPr/>
-        </p:nvGrpSpPr>
-        <p:grpSpPr>
-          <a:xfrm>
-            <a:off x="4214189" y="268356"/>
-            <a:ext cx="3697357" cy="6321287"/>
-            <a:chOff x="318052" y="238539"/>
-            <a:chExt cx="3697357" cy="6321287"/>
-          </a:xfrm>
-        </p:grpSpPr>
-        <p:sp>
-          <p:nvSpPr>
-            <p:cNvPr id="29" name="Rectangle 28">
-              <a:extLst>
-                <a:ext uri="{FF2B5EF4-FFF2-40B4-BE49-F238E27FC236}">
-                  <a16:creationId xmlns:a16="http://schemas.microsoft.com/office/drawing/2014/main" id="{7B476E0B-2A02-4EF8-940A-80CD2B1CAF99}"/>
-                </a:ext>
-              </a:extLst>
-            </p:cNvPr>
-            <p:cNvSpPr/>
-            <p:nvPr/>
-          </p:nvSpPr>
-          <p:spPr>
-            <a:xfrm>
-              <a:off x="1364974" y="4320042"/>
-              <a:ext cx="1577009" cy="523220"/>
-            </a:xfrm>
-            <a:prstGeom prst="rect">
-              <a:avLst/>
-            </a:prstGeom>
-            <a:noFill/>
-            <a:ln>
-              <a:solidFill>
-                <a:schemeClr val="tx1"/>
-              </a:solidFill>
-            </a:ln>
-          </p:spPr>
-          <p:style>
-            <a:lnRef idx="2">
-              <a:schemeClr val="accent1">
-                <a:shade val="50000"/>
-              </a:schemeClr>
-            </a:lnRef>
-            <a:fillRef idx="1">
-              <a:schemeClr val="accent1"/>
-            </a:fillRef>
-            <a:effectRef idx="0">
-              <a:schemeClr val="accent1"/>
-            </a:effectRef>
-            <a:fontRef idx="minor">
-              <a:schemeClr val="lt1"/>
-            </a:fontRef>
-          </p:style>
-          <p:txBody>
-            <a:bodyPr rtlCol="0" anchor="ctr"/>
-            <a:lstStyle/>
-            <a:p>
-              <a:pPr algn="ctr"/>
-              <a:endParaRPr lang="en-PH"/>
-            </a:p>
-          </p:txBody>
-        </p:sp>
-        <p:sp>
-          <p:nvSpPr>
-            <p:cNvPr id="30" name="Rectangle: Rounded Corners 29">
-              <a:extLst>
-                <a:ext uri="{FF2B5EF4-FFF2-40B4-BE49-F238E27FC236}">
-                  <a16:creationId xmlns:a16="http://schemas.microsoft.com/office/drawing/2014/main" id="{473803C9-B3E4-4F64-BBB8-8659B9574A68}"/>
-                </a:ext>
-              </a:extLst>
-            </p:cNvPr>
-            <p:cNvSpPr/>
-            <p:nvPr/>
-          </p:nvSpPr>
-          <p:spPr>
-            <a:xfrm>
-              <a:off x="318052" y="238539"/>
-              <a:ext cx="3697357" cy="6321287"/>
-            </a:xfrm>
-            <a:prstGeom prst="roundRect">
-              <a:avLst/>
-            </a:prstGeom>
-            <a:noFill/>
-            <a:ln>
-              <a:solidFill>
-                <a:schemeClr val="tx1"/>
-              </a:solidFill>
-            </a:ln>
-          </p:spPr>
-          <p:style>
-            <a:lnRef idx="2">
-              <a:schemeClr val="accent1">
-                <a:shade val="50000"/>
-              </a:schemeClr>
-            </a:lnRef>
-            <a:fillRef idx="1">
-              <a:schemeClr val="accent1"/>
-            </a:fillRef>
-            <a:effectRef idx="0">
-              <a:schemeClr val="accent1"/>
-            </a:effectRef>
-            <a:fontRef idx="minor">
-              <a:schemeClr val="lt1"/>
-            </a:fontRef>
-          </p:style>
-          <p:txBody>
-            <a:bodyPr rtlCol="0" anchor="ctr"/>
-            <a:lstStyle/>
-            <a:p>
-              <a:pPr algn="ctr"/>
-              <a:endParaRPr lang="en-PH"/>
-            </a:p>
-          </p:txBody>
-        </p:sp>
-        <p:sp>
-          <p:nvSpPr>
-            <p:cNvPr id="31" name="Rectangle: Rounded Corners 30">
-              <a:extLst>
-                <a:ext uri="{FF2B5EF4-FFF2-40B4-BE49-F238E27FC236}">
-                  <a16:creationId xmlns:a16="http://schemas.microsoft.com/office/drawing/2014/main" id="{53BD5A12-9239-45F2-B201-60E1EAC0B4D9}"/>
-                </a:ext>
-              </a:extLst>
-            </p:cNvPr>
-            <p:cNvSpPr/>
-            <p:nvPr/>
-          </p:nvSpPr>
-          <p:spPr>
-            <a:xfrm>
-              <a:off x="622852" y="927651"/>
-              <a:ext cx="3048000" cy="4943061"/>
-            </a:xfrm>
-            <a:prstGeom prst="roundRect">
-              <a:avLst/>
-            </a:prstGeom>
-            <a:solidFill>
-              <a:srgbClr val="FFC000"/>
-            </a:solidFill>
-            <a:ln>
-              <a:solidFill>
-                <a:schemeClr val="tx1"/>
-              </a:solidFill>
-            </a:ln>
-          </p:spPr>
-          <p:style>
-            <a:lnRef idx="2">
-              <a:schemeClr val="accent1">
-                <a:shade val="50000"/>
-              </a:schemeClr>
-            </a:lnRef>
-            <a:fillRef idx="1">
-              <a:schemeClr val="accent1"/>
-            </a:fillRef>
-            <a:effectRef idx="0">
-              <a:schemeClr val="accent1"/>
-            </a:effectRef>
-            <a:fontRef idx="minor">
-              <a:schemeClr val="lt1"/>
-            </a:fontRef>
-          </p:style>
-          <p:txBody>
-            <a:bodyPr rtlCol="0" anchor="ctr"/>
-            <a:lstStyle/>
-            <a:p>
-              <a:pPr algn="ctr"/>
-              <a:endParaRPr lang="en-PH" dirty="0"/>
-            </a:p>
-          </p:txBody>
-        </p:sp>
-      </p:grpSp>
-      <p:sp>
-        <p:nvSpPr>
-          <p:cNvPr id="35" name="TextBox 34">
-            <a:extLst>
-              <a:ext uri="{FF2B5EF4-FFF2-40B4-BE49-F238E27FC236}">
-                <a16:creationId xmlns:a16="http://schemas.microsoft.com/office/drawing/2014/main" id="{7D5E5381-1F35-401C-9D71-13EA1DD114D2}"/>
+      <p:sp>
+        <p:nvSpPr>
+          <p:cNvPr id="3" name="TextBox 2">
+            <a:extLst>
+              <a:ext uri="{FF2B5EF4-FFF2-40B4-BE49-F238E27FC236}">
+                <a16:creationId xmlns:a16="http://schemas.microsoft.com/office/drawing/2014/main" id="{841ED2A2-F5EC-4F86-880E-1BCDD23115CA}"/>
               </a:ext>
             </a:extLst>
           </p:cNvPr>
@@ -14677,8 +16019,8 @@
         </p:nvSpPr>
         <p:spPr>
           <a:xfrm>
-            <a:off x="980655" y="3166044"/>
-            <a:ext cx="2332386" cy="646331"/>
+            <a:off x="1959429" y="2046514"/>
+            <a:ext cx="10029371" cy="2215991"/>
           </a:xfrm>
           <a:prstGeom prst="rect">
             <a:avLst/>
@@ -14691,809 +16033,9 @@
           </a:bodyPr>
           <a:lstStyle/>
           <a:p>
-            <a:pPr algn="ctr"/>
-            <a:r>
-              <a:rPr lang="en-PH" dirty="0"/>
-              <a:t>“Find cheapest pc rental near you.”</a:t>
-            </a:r>
-          </a:p>
-        </p:txBody>
-      </p:sp>
-      <p:sp>
-        <p:nvSpPr>
-          <p:cNvPr id="36" name="Rectangle 35">
-            <a:extLst>
-              <a:ext uri="{FF2B5EF4-FFF2-40B4-BE49-F238E27FC236}">
-                <a16:creationId xmlns:a16="http://schemas.microsoft.com/office/drawing/2014/main" id="{4E44DC3A-FF1F-4C0F-B477-98C09B503FEA}"/>
-              </a:ext>
-            </a:extLst>
-          </p:cNvPr>
-          <p:cNvSpPr/>
-          <p:nvPr/>
-        </p:nvSpPr>
-        <p:spPr>
-          <a:xfrm>
-            <a:off x="5411622" y="1186667"/>
-            <a:ext cx="1381541" cy="493644"/>
-          </a:xfrm>
-          <a:prstGeom prst="rect">
-            <a:avLst/>
-          </a:prstGeom>
-          <a:solidFill>
-            <a:schemeClr val="bg1"/>
-          </a:solidFill>
-        </p:spPr>
-        <p:style>
-          <a:lnRef idx="2">
-            <a:schemeClr val="accent1">
-              <a:shade val="50000"/>
-            </a:schemeClr>
-          </a:lnRef>
-          <a:fillRef idx="1">
-            <a:schemeClr val="accent1"/>
-          </a:fillRef>
-          <a:effectRef idx="0">
-            <a:schemeClr val="accent1"/>
-          </a:effectRef>
-          <a:fontRef idx="minor">
-            <a:schemeClr val="lt1"/>
-          </a:fontRef>
-        </p:style>
-        <p:txBody>
-          <a:bodyPr rtlCol="0" anchor="ctr"/>
-          <a:lstStyle/>
-          <a:p>
-            <a:pPr algn="ctr"/>
-            <a:r>
-              <a:rPr lang="en-PH" dirty="0">
-                <a:solidFill>
-                  <a:schemeClr val="tx1"/>
-                </a:solidFill>
-              </a:rPr>
-              <a:t>Nearest</a:t>
-            </a:r>
-          </a:p>
-        </p:txBody>
-      </p:sp>
-      <p:sp>
-        <p:nvSpPr>
-          <p:cNvPr id="41" name="Rectangle 40">
-            <a:extLst>
-              <a:ext uri="{FF2B5EF4-FFF2-40B4-BE49-F238E27FC236}">
-                <a16:creationId xmlns:a16="http://schemas.microsoft.com/office/drawing/2014/main" id="{D8D88DFF-8C65-4B5E-8820-E8CFDE3D2A05}"/>
-              </a:ext>
-            </a:extLst>
-          </p:cNvPr>
-          <p:cNvSpPr/>
-          <p:nvPr/>
-        </p:nvSpPr>
-        <p:spPr>
-          <a:xfrm>
-            <a:off x="1364970" y="4463922"/>
-            <a:ext cx="1381540" cy="493644"/>
-          </a:xfrm>
-          <a:prstGeom prst="rect">
-            <a:avLst/>
-          </a:prstGeom>
-          <a:solidFill>
-            <a:schemeClr val="bg1"/>
-          </a:solidFill>
-          <a:ln>
-            <a:solidFill>
-              <a:schemeClr val="tx1"/>
-            </a:solidFill>
-          </a:ln>
-        </p:spPr>
-        <p:style>
-          <a:lnRef idx="2">
-            <a:schemeClr val="accent1">
-              <a:shade val="50000"/>
-            </a:schemeClr>
-          </a:lnRef>
-          <a:fillRef idx="1">
-            <a:schemeClr val="accent1"/>
-          </a:fillRef>
-          <a:effectRef idx="0">
-            <a:schemeClr val="accent1"/>
-          </a:effectRef>
-          <a:fontRef idx="minor">
-            <a:schemeClr val="lt1"/>
-          </a:fontRef>
-        </p:style>
-        <p:txBody>
-          <a:bodyPr rtlCol="0" anchor="ctr"/>
-          <a:lstStyle/>
-          <a:p>
-            <a:pPr algn="ctr"/>
-            <a:r>
-              <a:rPr lang="en-PH" dirty="0">
-                <a:solidFill>
-                  <a:schemeClr val="tx1"/>
-                </a:solidFill>
-              </a:rPr>
-              <a:t>Cheapest</a:t>
-            </a:r>
-          </a:p>
-        </p:txBody>
-      </p:sp>
-      <p:sp>
-        <p:nvSpPr>
-          <p:cNvPr id="47" name="Rectangle 46">
-            <a:extLst>
-              <a:ext uri="{FF2B5EF4-FFF2-40B4-BE49-F238E27FC236}">
-                <a16:creationId xmlns:a16="http://schemas.microsoft.com/office/drawing/2014/main" id="{5BCF8B10-0EED-47C3-BA34-9C31CF114545}"/>
-              </a:ext>
-            </a:extLst>
-          </p:cNvPr>
-          <p:cNvSpPr/>
-          <p:nvPr/>
-        </p:nvSpPr>
-        <p:spPr>
-          <a:xfrm>
-            <a:off x="4833026" y="2081632"/>
-            <a:ext cx="2459682" cy="493644"/>
-          </a:xfrm>
-          <a:prstGeom prst="rect">
-            <a:avLst/>
-          </a:prstGeom>
-          <a:solidFill>
-            <a:schemeClr val="tx1"/>
-          </a:solidFill>
-          <a:ln>
-            <a:solidFill>
-              <a:schemeClr val="tx1"/>
-            </a:solidFill>
-          </a:ln>
-        </p:spPr>
-        <p:style>
-          <a:lnRef idx="2">
-            <a:schemeClr val="accent1">
-              <a:shade val="50000"/>
-            </a:schemeClr>
-          </a:lnRef>
-          <a:fillRef idx="1">
-            <a:schemeClr val="accent1"/>
-          </a:fillRef>
-          <a:effectRef idx="0">
-            <a:schemeClr val="accent1"/>
-          </a:effectRef>
-          <a:fontRef idx="minor">
-            <a:schemeClr val="lt1"/>
-          </a:fontRef>
-        </p:style>
-        <p:txBody>
-          <a:bodyPr rtlCol="0" anchor="ctr"/>
-          <a:lstStyle/>
-          <a:p>
-            <a:pPr algn="ctr"/>
-            <a:r>
-              <a:rPr lang="en-PH" dirty="0">
-                <a:solidFill>
-                  <a:schemeClr val="bg1"/>
-                </a:solidFill>
-              </a:rPr>
-              <a:t>  JUSTRENZ 200 Meters</a:t>
-            </a:r>
-          </a:p>
-        </p:txBody>
-      </p:sp>
-      <p:sp>
-        <p:nvSpPr>
-          <p:cNvPr id="51" name="TextBox 50">
-            <a:extLst>
-              <a:ext uri="{FF2B5EF4-FFF2-40B4-BE49-F238E27FC236}">
-                <a16:creationId xmlns:a16="http://schemas.microsoft.com/office/drawing/2014/main" id="{3914EA70-B6A7-4773-A846-FF23815AA96D}"/>
-              </a:ext>
-            </a:extLst>
-          </p:cNvPr>
-          <p:cNvSpPr txBox="1"/>
-          <p:nvPr/>
-        </p:nvSpPr>
-        <p:spPr>
-          <a:xfrm>
-            <a:off x="5105164" y="2658213"/>
-            <a:ext cx="1994456" cy="369332"/>
-          </a:xfrm>
-          <a:prstGeom prst="rect">
-            <a:avLst/>
-          </a:prstGeom>
-          <a:noFill/>
-          <a:ln>
-            <a:solidFill>
-              <a:schemeClr val="tx1"/>
-            </a:solidFill>
-          </a:ln>
-        </p:spPr>
-        <p:txBody>
-          <a:bodyPr wrap="square" rtlCol="0">
-            <a:spAutoFit/>
-          </a:bodyPr>
-          <a:lstStyle/>
-          <a:p>
-            <a:pPr algn="ctr"/>
-            <a:r>
-              <a:rPr lang="en-PH" b="1" dirty="0">
-                <a:latin typeface="Gill Sans MT" panose="020B0502020104020203" pitchFamily="34" charset="0"/>
-              </a:rPr>
-              <a:t>SHOW IN MAP </a:t>
-            </a:r>
-          </a:p>
-        </p:txBody>
-      </p:sp>
-      <p:sp>
-        <p:nvSpPr>
-          <p:cNvPr id="57" name="Arrow: Left 56">
-            <a:extLst>
-              <a:ext uri="{FF2B5EF4-FFF2-40B4-BE49-F238E27FC236}">
-                <a16:creationId xmlns:a16="http://schemas.microsoft.com/office/drawing/2014/main" id="{B0AC02CD-C2FA-4689-94D7-139D1EBD9CAD}"/>
-              </a:ext>
-            </a:extLst>
-          </p:cNvPr>
-          <p:cNvSpPr/>
-          <p:nvPr/>
-        </p:nvSpPr>
-        <p:spPr>
-          <a:xfrm>
-            <a:off x="4639938" y="1190309"/>
-            <a:ext cx="430671" cy="332350"/>
-          </a:xfrm>
-          <a:prstGeom prst="leftArrow">
-            <a:avLst/>
-          </a:prstGeom>
-          <a:solidFill>
-            <a:schemeClr val="bg1"/>
-          </a:solidFill>
-          <a:ln>
-            <a:solidFill>
-              <a:schemeClr val="tx1"/>
-            </a:solidFill>
-          </a:ln>
-        </p:spPr>
-        <p:style>
-          <a:lnRef idx="2">
-            <a:schemeClr val="accent1">
-              <a:shade val="50000"/>
-            </a:schemeClr>
-          </a:lnRef>
-          <a:fillRef idx="1">
-            <a:schemeClr val="accent1"/>
-          </a:fillRef>
-          <a:effectRef idx="0">
-            <a:schemeClr val="accent1"/>
-          </a:effectRef>
-          <a:fontRef idx="minor">
-            <a:schemeClr val="lt1"/>
-          </a:fontRef>
-        </p:style>
-        <p:txBody>
-          <a:bodyPr rtlCol="0" anchor="ctr"/>
-          <a:lstStyle/>
-          <a:p>
-            <a:pPr algn="ctr"/>
-            <a:endParaRPr lang="en-PH"/>
-          </a:p>
-        </p:txBody>
-      </p:sp>
-      <p:sp>
-        <p:nvSpPr>
-          <p:cNvPr id="62" name="Arrow: Left 61">
-            <a:extLst>
-              <a:ext uri="{FF2B5EF4-FFF2-40B4-BE49-F238E27FC236}">
-                <a16:creationId xmlns:a16="http://schemas.microsoft.com/office/drawing/2014/main" id="{0D4BF453-2CF9-4741-AFEF-0D091A6ADEDE}"/>
-              </a:ext>
-            </a:extLst>
-          </p:cNvPr>
-          <p:cNvSpPr/>
-          <p:nvPr/>
-        </p:nvSpPr>
-        <p:spPr>
-          <a:xfrm>
-            <a:off x="8432786" y="1190309"/>
-            <a:ext cx="430671" cy="332350"/>
-          </a:xfrm>
-          <a:prstGeom prst="leftArrow">
-            <a:avLst/>
-          </a:prstGeom>
-          <a:solidFill>
-            <a:schemeClr val="bg1"/>
-          </a:solidFill>
-          <a:ln>
-            <a:solidFill>
-              <a:schemeClr val="tx1"/>
-            </a:solidFill>
-          </a:ln>
-        </p:spPr>
-        <p:style>
-          <a:lnRef idx="2">
-            <a:schemeClr val="accent1">
-              <a:shade val="50000"/>
-            </a:schemeClr>
-          </a:lnRef>
-          <a:fillRef idx="1">
-            <a:schemeClr val="accent1"/>
-          </a:fillRef>
-          <a:effectRef idx="0">
-            <a:schemeClr val="accent1"/>
-          </a:effectRef>
-          <a:fontRef idx="minor">
-            <a:schemeClr val="lt1"/>
-          </a:fontRef>
-        </p:style>
-        <p:txBody>
-          <a:bodyPr rtlCol="0" anchor="ctr"/>
-          <a:lstStyle/>
-          <a:p>
-            <a:pPr algn="ctr"/>
-            <a:endParaRPr lang="en-PH"/>
-          </a:p>
-        </p:txBody>
-      </p:sp>
-      <p:sp>
-        <p:nvSpPr>
-          <p:cNvPr id="63" name="Rectangle 62">
-            <a:extLst>
-              <a:ext uri="{FF2B5EF4-FFF2-40B4-BE49-F238E27FC236}">
-                <a16:creationId xmlns:a16="http://schemas.microsoft.com/office/drawing/2014/main" id="{C2B999E3-4C7E-4178-86C0-BA07492F5FC5}"/>
-              </a:ext>
-            </a:extLst>
-          </p:cNvPr>
-          <p:cNvSpPr/>
-          <p:nvPr/>
-        </p:nvSpPr>
-        <p:spPr>
-          <a:xfrm>
-            <a:off x="1364970" y="3906704"/>
-            <a:ext cx="1381541" cy="493644"/>
-          </a:xfrm>
-          <a:prstGeom prst="rect">
-            <a:avLst/>
-          </a:prstGeom>
-          <a:solidFill>
-            <a:schemeClr val="bg1"/>
-          </a:solidFill>
-        </p:spPr>
-        <p:style>
-          <a:lnRef idx="2">
-            <a:schemeClr val="accent1">
-              <a:shade val="50000"/>
-            </a:schemeClr>
-          </a:lnRef>
-          <a:fillRef idx="1">
-            <a:schemeClr val="accent1"/>
-          </a:fillRef>
-          <a:effectRef idx="0">
-            <a:schemeClr val="accent1"/>
-          </a:effectRef>
-          <a:fontRef idx="minor">
-            <a:schemeClr val="lt1"/>
-          </a:fontRef>
-        </p:style>
-        <p:txBody>
-          <a:bodyPr rtlCol="0" anchor="ctr"/>
-          <a:lstStyle/>
-          <a:p>
-            <a:pPr algn="ctr"/>
-            <a:r>
-              <a:rPr lang="en-PH" dirty="0">
-                <a:solidFill>
-                  <a:schemeClr val="tx1"/>
-                </a:solidFill>
-              </a:rPr>
-              <a:t>Nearest</a:t>
-            </a:r>
-          </a:p>
-        </p:txBody>
-      </p:sp>
-      <p:sp>
-        <p:nvSpPr>
-          <p:cNvPr id="64" name="Rectangle 63">
-            <a:extLst>
-              <a:ext uri="{FF2B5EF4-FFF2-40B4-BE49-F238E27FC236}">
-                <a16:creationId xmlns:a16="http://schemas.microsoft.com/office/drawing/2014/main" id="{11CDB74E-4612-484B-BED7-7DDC5EE71A27}"/>
-              </a:ext>
-            </a:extLst>
-          </p:cNvPr>
-          <p:cNvSpPr/>
-          <p:nvPr/>
-        </p:nvSpPr>
-        <p:spPr>
-          <a:xfrm>
-            <a:off x="4851115" y="3097897"/>
-            <a:ext cx="2459682" cy="493644"/>
-          </a:xfrm>
-          <a:prstGeom prst="rect">
-            <a:avLst/>
-          </a:prstGeom>
-          <a:solidFill>
-            <a:schemeClr val="tx1"/>
-          </a:solidFill>
-          <a:ln>
-            <a:solidFill>
-              <a:schemeClr val="tx1"/>
-            </a:solidFill>
-          </a:ln>
-        </p:spPr>
-        <p:style>
-          <a:lnRef idx="2">
-            <a:schemeClr val="accent1">
-              <a:shade val="50000"/>
-            </a:schemeClr>
-          </a:lnRef>
-          <a:fillRef idx="1">
-            <a:schemeClr val="accent1"/>
-          </a:fillRef>
-          <a:effectRef idx="0">
-            <a:schemeClr val="accent1"/>
-          </a:effectRef>
-          <a:fontRef idx="minor">
-            <a:schemeClr val="lt1"/>
-          </a:fontRef>
-        </p:style>
-        <p:txBody>
-          <a:bodyPr rtlCol="0" anchor="ctr"/>
-          <a:lstStyle/>
-          <a:p>
-            <a:pPr algn="ctr"/>
-            <a:r>
-              <a:rPr lang="en-PH" dirty="0">
-                <a:solidFill>
-                  <a:schemeClr val="bg1"/>
-                </a:solidFill>
-              </a:rPr>
-              <a:t>  ROG 500 Meters</a:t>
-            </a:r>
-          </a:p>
-        </p:txBody>
-      </p:sp>
-      <p:sp>
-        <p:nvSpPr>
-          <p:cNvPr id="65" name="TextBox 64">
-            <a:extLst>
-              <a:ext uri="{FF2B5EF4-FFF2-40B4-BE49-F238E27FC236}">
-                <a16:creationId xmlns:a16="http://schemas.microsoft.com/office/drawing/2014/main" id="{825A416B-3A5F-45FC-B700-3B6293EAE689}"/>
-              </a:ext>
-            </a:extLst>
-          </p:cNvPr>
-          <p:cNvSpPr txBox="1"/>
-          <p:nvPr/>
-        </p:nvSpPr>
-        <p:spPr>
-          <a:xfrm>
-            <a:off x="5123253" y="3674478"/>
-            <a:ext cx="1994456" cy="369332"/>
-          </a:xfrm>
-          <a:prstGeom prst="rect">
-            <a:avLst/>
-          </a:prstGeom>
-          <a:noFill/>
-          <a:ln>
-            <a:solidFill>
-              <a:schemeClr val="tx1"/>
-            </a:solidFill>
-          </a:ln>
-        </p:spPr>
-        <p:txBody>
-          <a:bodyPr wrap="square" rtlCol="0">
-            <a:spAutoFit/>
-          </a:bodyPr>
-          <a:lstStyle/>
-          <a:p>
-            <a:pPr algn="ctr"/>
-            <a:r>
-              <a:rPr lang="en-PH" b="1" dirty="0">
-                <a:latin typeface="Gill Sans MT" panose="020B0502020104020203" pitchFamily="34" charset="0"/>
-              </a:rPr>
-              <a:t>SHOW IN MAP </a:t>
-            </a:r>
-          </a:p>
-        </p:txBody>
-      </p:sp>
-      <p:sp>
-        <p:nvSpPr>
-          <p:cNvPr id="66" name="Rectangle 65">
-            <a:extLst>
-              <a:ext uri="{FF2B5EF4-FFF2-40B4-BE49-F238E27FC236}">
-                <a16:creationId xmlns:a16="http://schemas.microsoft.com/office/drawing/2014/main" id="{4A41B964-41B5-4138-8C8C-56E0A006CF42}"/>
-              </a:ext>
-            </a:extLst>
-          </p:cNvPr>
-          <p:cNvSpPr/>
-          <p:nvPr/>
-        </p:nvSpPr>
-        <p:spPr>
-          <a:xfrm>
-            <a:off x="4848431" y="4153526"/>
-            <a:ext cx="2459682" cy="493644"/>
-          </a:xfrm>
-          <a:prstGeom prst="rect">
-            <a:avLst/>
-          </a:prstGeom>
-          <a:solidFill>
-            <a:schemeClr val="tx1"/>
-          </a:solidFill>
-          <a:ln>
-            <a:solidFill>
-              <a:schemeClr val="tx1"/>
-            </a:solidFill>
-          </a:ln>
-        </p:spPr>
-        <p:style>
-          <a:lnRef idx="2">
-            <a:schemeClr val="accent1">
-              <a:shade val="50000"/>
-            </a:schemeClr>
-          </a:lnRef>
-          <a:fillRef idx="1">
-            <a:schemeClr val="accent1"/>
-          </a:fillRef>
-          <a:effectRef idx="0">
-            <a:schemeClr val="accent1"/>
-          </a:effectRef>
-          <a:fontRef idx="minor">
-            <a:schemeClr val="lt1"/>
-          </a:fontRef>
-        </p:style>
-        <p:txBody>
-          <a:bodyPr rtlCol="0" anchor="ctr"/>
-          <a:lstStyle/>
-          <a:p>
-            <a:pPr algn="ctr"/>
-            <a:r>
-              <a:rPr lang="en-PH" dirty="0">
-                <a:solidFill>
-                  <a:schemeClr val="bg1"/>
-                </a:solidFill>
-              </a:rPr>
-              <a:t>  </a:t>
-            </a:r>
-            <a:r>
-              <a:rPr lang="en-PH">
-                <a:solidFill>
-                  <a:schemeClr val="bg1"/>
-                </a:solidFill>
-              </a:rPr>
-              <a:t>TNC 600 </a:t>
-            </a:r>
-            <a:r>
-              <a:rPr lang="en-PH" dirty="0">
-                <a:solidFill>
-                  <a:schemeClr val="bg1"/>
-                </a:solidFill>
-              </a:rPr>
-              <a:t>Meters</a:t>
-            </a:r>
-          </a:p>
-        </p:txBody>
-      </p:sp>
-      <p:sp>
-        <p:nvSpPr>
-          <p:cNvPr id="67" name="TextBox 66">
-            <a:extLst>
-              <a:ext uri="{FF2B5EF4-FFF2-40B4-BE49-F238E27FC236}">
-                <a16:creationId xmlns:a16="http://schemas.microsoft.com/office/drawing/2014/main" id="{49BD507F-E7A4-4BE2-BFA9-DB6B869F5AA4}"/>
-              </a:ext>
-            </a:extLst>
-          </p:cNvPr>
-          <p:cNvSpPr txBox="1"/>
-          <p:nvPr/>
-        </p:nvSpPr>
-        <p:spPr>
-          <a:xfrm>
-            <a:off x="5120569" y="4730107"/>
-            <a:ext cx="1994456" cy="369332"/>
-          </a:xfrm>
-          <a:prstGeom prst="rect">
-            <a:avLst/>
-          </a:prstGeom>
-          <a:noFill/>
-          <a:ln>
-            <a:solidFill>
-              <a:schemeClr val="tx1"/>
-            </a:solidFill>
-          </a:ln>
-        </p:spPr>
-        <p:txBody>
-          <a:bodyPr wrap="square" rtlCol="0">
-            <a:spAutoFit/>
-          </a:bodyPr>
-          <a:lstStyle/>
-          <a:p>
-            <a:pPr algn="ctr"/>
-            <a:r>
-              <a:rPr lang="en-PH" b="1" dirty="0">
-                <a:latin typeface="Gill Sans MT" panose="020B0502020104020203" pitchFamily="34" charset="0"/>
-              </a:rPr>
-              <a:t>SHOW IN MAP </a:t>
-            </a:r>
-          </a:p>
-        </p:txBody>
-      </p:sp>
-      <p:pic>
-        <p:nvPicPr>
-          <p:cNvPr id="43" name="Picture 42">
-            <a:extLst>
-              <a:ext uri="{FF2B5EF4-FFF2-40B4-BE49-F238E27FC236}">
-                <a16:creationId xmlns:a16="http://schemas.microsoft.com/office/drawing/2014/main" id="{7E4B440E-C9CE-40B1-8FA9-546DC6DC2EFA}"/>
-              </a:ext>
-            </a:extLst>
-          </p:cNvPr>
-          <p:cNvPicPr>
-            <a:picLocks noChangeAspect="1"/>
-          </p:cNvPicPr>
-          <p:nvPr/>
-        </p:nvPicPr>
-        <p:blipFill>
-          <a:blip r:embed="rId2"/>
-          <a:stretch>
-            <a:fillRect/>
-          </a:stretch>
-        </p:blipFill>
-        <p:spPr>
-          <a:xfrm>
-            <a:off x="8616185" y="1588202"/>
-            <a:ext cx="2566374" cy="3511237"/>
-          </a:xfrm>
-          <a:prstGeom prst="rect">
-            <a:avLst/>
-          </a:prstGeom>
-        </p:spPr>
-      </p:pic>
-      <p:sp>
-        <p:nvSpPr>
-          <p:cNvPr id="44" name="TextBox 43">
-            <a:extLst>
-              <a:ext uri="{FF2B5EF4-FFF2-40B4-BE49-F238E27FC236}">
-                <a16:creationId xmlns:a16="http://schemas.microsoft.com/office/drawing/2014/main" id="{B3A9B6FE-90F8-49D6-98AA-43E7924C5091}"/>
-              </a:ext>
-            </a:extLst>
-          </p:cNvPr>
-          <p:cNvSpPr txBox="1"/>
-          <p:nvPr/>
-        </p:nvSpPr>
-        <p:spPr>
-          <a:xfrm>
-            <a:off x="9110868" y="1186667"/>
-            <a:ext cx="1577009" cy="369332"/>
-          </a:xfrm>
-          <a:prstGeom prst="rect">
-            <a:avLst/>
-          </a:prstGeom>
-          <a:noFill/>
-        </p:spPr>
-        <p:txBody>
-          <a:bodyPr wrap="square" rtlCol="0">
-            <a:spAutoFit/>
-          </a:bodyPr>
-          <a:lstStyle/>
-          <a:p>
-            <a:pPr algn="ctr"/>
-            <a:r>
-              <a:rPr lang="en-PH" b="1" dirty="0">
-                <a:latin typeface="Gill Sans MT" panose="020B0502020104020203" pitchFamily="34" charset="0"/>
-              </a:rPr>
-              <a:t>ROG</a:t>
-            </a:r>
-          </a:p>
-        </p:txBody>
-      </p:sp>
-      <p:sp>
-        <p:nvSpPr>
-          <p:cNvPr id="71" name="Rectangle 70">
-            <a:extLst>
-              <a:ext uri="{FF2B5EF4-FFF2-40B4-BE49-F238E27FC236}">
-                <a16:creationId xmlns:a16="http://schemas.microsoft.com/office/drawing/2014/main" id="{980DBF87-7394-41BB-ACCB-52578386B5B3}"/>
-              </a:ext>
-            </a:extLst>
-          </p:cNvPr>
-          <p:cNvSpPr/>
-          <p:nvPr/>
-        </p:nvSpPr>
-        <p:spPr>
-          <a:xfrm>
-            <a:off x="1373479" y="5021140"/>
-            <a:ext cx="1381540" cy="493644"/>
-          </a:xfrm>
-          <a:prstGeom prst="rect">
-            <a:avLst/>
-          </a:prstGeom>
-          <a:solidFill>
-            <a:schemeClr val="bg1"/>
-          </a:solidFill>
-          <a:ln>
-            <a:solidFill>
-              <a:schemeClr val="tx1"/>
-            </a:solidFill>
-          </a:ln>
-        </p:spPr>
-        <p:style>
-          <a:lnRef idx="2">
-            <a:schemeClr val="accent1">
-              <a:shade val="50000"/>
-            </a:schemeClr>
-          </a:lnRef>
-          <a:fillRef idx="1">
-            <a:schemeClr val="accent1"/>
-          </a:fillRef>
-          <a:effectRef idx="0">
-            <a:schemeClr val="accent1"/>
-          </a:effectRef>
-          <a:fontRef idx="minor">
-            <a:schemeClr val="lt1"/>
-          </a:fontRef>
-        </p:style>
-        <p:txBody>
-          <a:bodyPr rtlCol="0" anchor="ctr"/>
-          <a:lstStyle/>
-          <a:p>
-            <a:pPr algn="ctr"/>
-            <a:r>
-              <a:rPr lang="en-PH" dirty="0">
-                <a:solidFill>
-                  <a:schemeClr val="tx1"/>
-                </a:solidFill>
-              </a:rPr>
-              <a:t>PC QUALITY</a:t>
-            </a:r>
-          </a:p>
-        </p:txBody>
-      </p:sp>
-      <p:sp>
-        <p:nvSpPr>
-          <p:cNvPr id="72" name="TextBox 71">
-            <a:extLst>
-              <a:ext uri="{FF2B5EF4-FFF2-40B4-BE49-F238E27FC236}">
-                <a16:creationId xmlns:a16="http://schemas.microsoft.com/office/drawing/2014/main" id="{36BD9C0D-9F0B-4671-A9A5-03B712693801}"/>
-              </a:ext>
-            </a:extLst>
-          </p:cNvPr>
-          <p:cNvSpPr txBox="1"/>
-          <p:nvPr/>
-        </p:nvSpPr>
-        <p:spPr>
-          <a:xfrm>
-            <a:off x="8779327" y="5157778"/>
-            <a:ext cx="2266594" cy="646331"/>
-          </a:xfrm>
-          <a:prstGeom prst="rect">
-            <a:avLst/>
-          </a:prstGeom>
-          <a:noFill/>
-          <a:ln>
-            <a:solidFill>
-              <a:schemeClr val="tx1"/>
-            </a:solidFill>
-          </a:ln>
-        </p:spPr>
-        <p:txBody>
-          <a:bodyPr wrap="square" rtlCol="0">
-            <a:spAutoFit/>
-          </a:bodyPr>
-          <a:lstStyle/>
-          <a:p>
-            <a:pPr algn="ctr"/>
-            <a:r>
-              <a:rPr lang="en-PH" sz="1200" b="1" dirty="0">
-                <a:latin typeface="Gill Sans MT" panose="020B0502020104020203" pitchFamily="34" charset="0"/>
-              </a:rPr>
-              <a:t>LOW PC – 13PHP HR </a:t>
-            </a:r>
-          </a:p>
-          <a:p>
-            <a:pPr algn="ctr"/>
-            <a:r>
-              <a:rPr lang="en-PH" sz="1200" b="1" dirty="0">
-                <a:latin typeface="Gill Sans MT" panose="020B0502020104020203" pitchFamily="34" charset="0"/>
-              </a:rPr>
-              <a:t>MID PC- 25 PHP HR</a:t>
-            </a:r>
-          </a:p>
-          <a:p>
-            <a:pPr algn="ctr"/>
-            <a:r>
-              <a:rPr lang="en-PH" sz="1200" b="1" dirty="0">
-                <a:latin typeface="Gill Sans MT" panose="020B0502020104020203" pitchFamily="34" charset="0"/>
-              </a:rPr>
-              <a:t>HIGH PC – 30PHP HR</a:t>
+            <a:r>
+              <a:rPr lang="en-PH" sz="13800" dirty="0"/>
+              <a:t>PROTOTYPE</a:t>
             </a:r>
           </a:p>
         </p:txBody>
@@ -15501,7 +16043,7 @@
     </p:spTree>
     <p:extLst>
       <p:ext uri="{BB962C8B-B14F-4D97-AF65-F5344CB8AC3E}">
-        <p14:creationId xmlns:p14="http://schemas.microsoft.com/office/powerpoint/2010/main" val="1226772311"/>
+        <p14:creationId xmlns:p14="http://schemas.microsoft.com/office/powerpoint/2010/main" val="755244714"/>
       </p:ext>
     </p:extLst>
   </p:cSld>
@@ -15978,18 +16520,18 @@
 </file>
 
 <file path=customXml/item2.xml><?xml version="1.0" encoding="utf-8"?>
+<p:properties xmlns:p="http://schemas.microsoft.com/office/2006/metadata/properties" xmlns:xsi="http://www.w3.org/2001/XMLSchema-instance" xmlns:pc="http://schemas.microsoft.com/office/infopath/2007/PartnerControls">
+  <documentManagement/>
+</p:properties>
+</file>
+
+<file path=customXml/item3.xml><?xml version="1.0" encoding="utf-8"?>
 <?mso-contentType ?>
 <FormTemplates xmlns="http://schemas.microsoft.com/sharepoint/v3/contenttype/forms">
   <Display>DocumentLibraryForm</Display>
   <Edit>DocumentLibraryForm</Edit>
   <New>DocumentLibraryForm</New>
 </FormTemplates>
-</file>
-
-<file path=customXml/item3.xml><?xml version="1.0" encoding="utf-8"?>
-<p:properties xmlns:p="http://schemas.microsoft.com/office/2006/metadata/properties" xmlns:xsi="http://www.w3.org/2001/XMLSchema-instance" xmlns:pc="http://schemas.microsoft.com/office/infopath/2007/PartnerControls">
-  <documentManagement/>
-</p:properties>
 </file>
 
 <file path=customXml/itemProps1.xml><?xml version="1.0" encoding="utf-8"?>
@@ -16012,14 +16554,6 @@
 </file>
 
 <file path=customXml/itemProps2.xml><?xml version="1.0" encoding="utf-8"?>
-<ds:datastoreItem xmlns:ds="http://schemas.openxmlformats.org/officeDocument/2006/customXml" ds:itemID="{D7EDC7EB-0DC1-44C1-867C-7EF6FE677BC5}">
-  <ds:schemaRefs>
-    <ds:schemaRef ds:uri="http://schemas.microsoft.com/sharepoint/v3/contenttype/forms"/>
-  </ds:schemaRefs>
-</ds:datastoreItem>
-</file>
-
-<file path=customXml/itemProps3.xml><?xml version="1.0" encoding="utf-8"?>
 <ds:datastoreItem xmlns:ds="http://schemas.openxmlformats.org/officeDocument/2006/customXml" ds:itemID="{8C47A13B-D867-4692-B527-F6C7A8158F04}">
   <ds:schemaRefs>
     <ds:schemaRef ds:uri="http://www.w3.org/XML/1998/namespace"/>
@@ -16034,4 +16568,12 @@
     <ds:schemaRef ds:uri="http://purl.org/dc/elements/1.1/"/>
   </ds:schemaRefs>
 </ds:datastoreItem>
+</file>
+
+<file path=customXml/itemProps3.xml><?xml version="1.0" encoding="utf-8"?>
+<ds:datastoreItem xmlns:ds="http://schemas.openxmlformats.org/officeDocument/2006/customXml" ds:itemID="{D7EDC7EB-0DC1-44C1-867C-7EF6FE677BC5}">
+  <ds:schemaRefs>
+    <ds:schemaRef ds:uri="http://schemas.microsoft.com/sharepoint/v3/contenttype/forms"/>
+  </ds:schemaRefs>
+</ds:datastoreItem>
 </file>
--- a/userdes.pptx
+++ b/userdes.pptx
@@ -278,7 +278,7 @@
           <a:p>
             <a:fld id="{12A9C0E6-86DB-4A33-A939-551AD288B0D1}" type="datetimeFigureOut">
               <a:rPr lang="en-PH" smtClean="0"/>
-              <a:t>16/09/2019</a:t>
+              <a:t>17/09/2019</a:t>
             </a:fld>
             <a:endParaRPr lang="en-PH"/>
           </a:p>
@@ -478,7 +478,7 @@
           <a:p>
             <a:fld id="{12A9C0E6-86DB-4A33-A939-551AD288B0D1}" type="datetimeFigureOut">
               <a:rPr lang="en-PH" smtClean="0"/>
-              <a:t>16/09/2019</a:t>
+              <a:t>17/09/2019</a:t>
             </a:fld>
             <a:endParaRPr lang="en-PH"/>
           </a:p>
@@ -688,7 +688,7 @@
           <a:p>
             <a:fld id="{12A9C0E6-86DB-4A33-A939-551AD288B0D1}" type="datetimeFigureOut">
               <a:rPr lang="en-PH" smtClean="0"/>
-              <a:t>16/09/2019</a:t>
+              <a:t>17/09/2019</a:t>
             </a:fld>
             <a:endParaRPr lang="en-PH"/>
           </a:p>
@@ -888,7 +888,7 @@
           <a:p>
             <a:fld id="{12A9C0E6-86DB-4A33-A939-551AD288B0D1}" type="datetimeFigureOut">
               <a:rPr lang="en-PH" smtClean="0"/>
-              <a:t>16/09/2019</a:t>
+              <a:t>17/09/2019</a:t>
             </a:fld>
             <a:endParaRPr lang="en-PH"/>
           </a:p>
@@ -1164,7 +1164,7 @@
           <a:p>
             <a:fld id="{12A9C0E6-86DB-4A33-A939-551AD288B0D1}" type="datetimeFigureOut">
               <a:rPr lang="en-PH" smtClean="0"/>
-              <a:t>16/09/2019</a:t>
+              <a:t>17/09/2019</a:t>
             </a:fld>
             <a:endParaRPr lang="en-PH"/>
           </a:p>
@@ -1432,7 +1432,7 @@
           <a:p>
             <a:fld id="{12A9C0E6-86DB-4A33-A939-551AD288B0D1}" type="datetimeFigureOut">
               <a:rPr lang="en-PH" smtClean="0"/>
-              <a:t>16/09/2019</a:t>
+              <a:t>17/09/2019</a:t>
             </a:fld>
             <a:endParaRPr lang="en-PH"/>
           </a:p>
@@ -1847,7 +1847,7 @@
           <a:p>
             <a:fld id="{12A9C0E6-86DB-4A33-A939-551AD288B0D1}" type="datetimeFigureOut">
               <a:rPr lang="en-PH" smtClean="0"/>
-              <a:t>16/09/2019</a:t>
+              <a:t>17/09/2019</a:t>
             </a:fld>
             <a:endParaRPr lang="en-PH"/>
           </a:p>
@@ -1989,7 +1989,7 @@
           <a:p>
             <a:fld id="{12A9C0E6-86DB-4A33-A939-551AD288B0D1}" type="datetimeFigureOut">
               <a:rPr lang="en-PH" smtClean="0"/>
-              <a:t>16/09/2019</a:t>
+              <a:t>17/09/2019</a:t>
             </a:fld>
             <a:endParaRPr lang="en-PH"/>
           </a:p>
@@ -2102,7 +2102,7 @@
           <a:p>
             <a:fld id="{12A9C0E6-86DB-4A33-A939-551AD288B0D1}" type="datetimeFigureOut">
               <a:rPr lang="en-PH" smtClean="0"/>
-              <a:t>16/09/2019</a:t>
+              <a:t>17/09/2019</a:t>
             </a:fld>
             <a:endParaRPr lang="en-PH"/>
           </a:p>
@@ -2415,7 +2415,7 @@
           <a:p>
             <a:fld id="{12A9C0E6-86DB-4A33-A939-551AD288B0D1}" type="datetimeFigureOut">
               <a:rPr lang="en-PH" smtClean="0"/>
-              <a:t>16/09/2019</a:t>
+              <a:t>17/09/2019</a:t>
             </a:fld>
             <a:endParaRPr lang="en-PH"/>
           </a:p>
@@ -2704,7 +2704,7 @@
           <a:p>
             <a:fld id="{12A9C0E6-86DB-4A33-A939-551AD288B0D1}" type="datetimeFigureOut">
               <a:rPr lang="en-PH" smtClean="0"/>
-              <a:t>16/09/2019</a:t>
+              <a:t>17/09/2019</a:t>
             </a:fld>
             <a:endParaRPr lang="en-PH"/>
           </a:p>
@@ -2947,7 +2947,7 @@
           <a:p>
             <a:fld id="{12A9C0E6-86DB-4A33-A939-551AD288B0D1}" type="datetimeFigureOut">
               <a:rPr lang="en-PH" smtClean="0"/>
-              <a:t>16/09/2019</a:t>
+              <a:t>17/09/2019</a:t>
             </a:fld>
             <a:endParaRPr lang="en-PH"/>
           </a:p>
@@ -16538,7 +16538,7 @@
         </p:nvSpPr>
         <p:spPr>
           <a:xfrm>
-            <a:off x="508000" y="972457"/>
+            <a:off x="508000" y="296596"/>
             <a:ext cx="8786312" cy="769441"/>
           </a:xfrm>
           <a:prstGeom prst="rect">
@@ -16573,8 +16573,8 @@
         </p:nvSpPr>
         <p:spPr>
           <a:xfrm>
-            <a:off x="508000" y="1971902"/>
-            <a:ext cx="10724776" cy="3109056"/>
+            <a:off x="508000" y="1304577"/>
+            <a:ext cx="10724776" cy="5078826"/>
           </a:xfrm>
           <a:prstGeom prst="rect">
             <a:avLst/>
@@ -16667,8 +16667,76 @@
               </a:rPr>
               <a:t>Create an advanced booking system</a:t>
             </a:r>
+          </a:p>
+          <a:p>
+            <a:pPr marL="342900" lvl="0" indent="-342900">
+              <a:lnSpc>
+                <a:spcPct val="150000"/>
+              </a:lnSpc>
+              <a:spcAft>
+                <a:spcPts val="800"/>
+              </a:spcAft>
+              <a:buFont typeface="Symbol" panose="05050102010706020507" pitchFamily="18" charset="2"/>
+              <a:buChar char=""/>
+            </a:pPr>
+            <a:r>
+              <a:rPr lang="en-PH" sz="2400" dirty="0">
+                <a:latin typeface="Tahoma" panose="020B0604030504040204" pitchFamily="34" charset="0"/>
+                <a:ea typeface="Times New Roman" panose="02020603050405020304" pitchFamily="18" charset="0"/>
+                <a:cs typeface="Times New Roman" panose="02020603050405020304" pitchFamily="18" charset="0"/>
+              </a:rPr>
+              <a:t>Very good design</a:t>
+            </a:r>
+          </a:p>
+          <a:p>
+            <a:pPr marL="342900" lvl="0" indent="-342900">
+              <a:lnSpc>
+                <a:spcPct val="150000"/>
+              </a:lnSpc>
+              <a:spcAft>
+                <a:spcPts val="800"/>
+              </a:spcAft>
+              <a:buFont typeface="Symbol" panose="05050102010706020507" pitchFamily="18" charset="2"/>
+              <a:buChar char=""/>
+            </a:pPr>
+            <a:r>
+              <a:rPr lang="en-PH" sz="2400" dirty="0">
+                <a:effectLst/>
+                <a:latin typeface="Tahoma" panose="020B0604030504040204" pitchFamily="34" charset="0"/>
+                <a:ea typeface="Times New Roman" panose="02020603050405020304" pitchFamily="18" charset="0"/>
+                <a:cs typeface="Times New Roman" panose="02020603050405020304" pitchFamily="18" charset="0"/>
+              </a:rPr>
+              <a:t>Very user friendly</a:t>
+            </a:r>
+            <a:r>
+              <a:rPr lang="en-PH" sz="2400" dirty="0">
+                <a:latin typeface="Tahoma" panose="020B0604030504040204" pitchFamily="34" charset="0"/>
+                <a:ea typeface="Times New Roman" panose="02020603050405020304" pitchFamily="18" charset="0"/>
+                <a:cs typeface="Times New Roman" panose="02020603050405020304" pitchFamily="18" charset="0"/>
+              </a:rPr>
+              <a:t> </a:t>
+            </a:r>
+          </a:p>
+          <a:p>
+            <a:pPr marL="342900" lvl="0" indent="-342900">
+              <a:lnSpc>
+                <a:spcPct val="150000"/>
+              </a:lnSpc>
+              <a:spcAft>
+                <a:spcPts val="800"/>
+              </a:spcAft>
+              <a:buFont typeface="Symbol" panose="05050102010706020507" pitchFamily="18" charset="2"/>
+              <a:buChar char=""/>
+            </a:pPr>
+            <a:r>
+              <a:rPr lang="en-PH" sz="2400" dirty="0">
+                <a:latin typeface="Tahoma" panose="020B0604030504040204" pitchFamily="34" charset="0"/>
+                <a:ea typeface="Times New Roman" panose="02020603050405020304" pitchFamily="18" charset="0"/>
+                <a:cs typeface="Times New Roman" panose="02020603050405020304" pitchFamily="18" charset="0"/>
+              </a:rPr>
+              <a:t>Helpful application</a:t>
+            </a:r>
             <a:endParaRPr lang="en-PH" sz="2000" dirty="0">
-              <a:effectLst/>
               <a:latin typeface="Calibri" panose="020F0502020204030204" pitchFamily="34" charset="0"/>
               <a:ea typeface="Times New Roman" panose="02020603050405020304" pitchFamily="18" charset="0"/>
               <a:cs typeface="Times New Roman" panose="02020603050405020304" pitchFamily="18" charset="0"/>
@@ -16756,7 +16824,7 @@
         <p:spPr>
           <a:xfrm>
             <a:off x="508000" y="1971902"/>
-            <a:ext cx="10724776" cy="1227580"/>
+            <a:ext cx="10724776" cy="2540760"/>
           </a:xfrm>
           <a:prstGeom prst="rect">
             <a:avLst/>
@@ -16811,6 +16879,46 @@
                 <a:cs typeface="Times New Roman" panose="02020603050405020304" pitchFamily="18" charset="0"/>
               </a:rPr>
               <a:t>Create hints or clues for the users to have an idea how the interface works</a:t>
+            </a:r>
+          </a:p>
+          <a:p>
+            <a:pPr marL="342900" lvl="0" indent="-342900">
+              <a:lnSpc>
+                <a:spcPct val="150000"/>
+              </a:lnSpc>
+              <a:spcAft>
+                <a:spcPts val="800"/>
+              </a:spcAft>
+              <a:buFont typeface="Symbol" panose="05050102010706020507" pitchFamily="18" charset="2"/>
+              <a:buChar char=""/>
+            </a:pPr>
+            <a:r>
+              <a:rPr lang="en-PH" sz="2400" dirty="0">
+                <a:latin typeface="Tahoma" panose="020B0604030504040204" pitchFamily="34" charset="0"/>
+                <a:ea typeface="Times New Roman" panose="02020603050405020304" pitchFamily="18" charset="0"/>
+                <a:cs typeface="Times New Roman" panose="02020603050405020304" pitchFamily="18" charset="0"/>
+              </a:rPr>
+              <a:t>No back button</a:t>
+            </a:r>
+          </a:p>
+          <a:p>
+            <a:pPr marL="342900" lvl="0" indent="-342900">
+              <a:lnSpc>
+                <a:spcPct val="150000"/>
+              </a:lnSpc>
+              <a:spcAft>
+                <a:spcPts val="800"/>
+              </a:spcAft>
+              <a:buFont typeface="Symbol" panose="05050102010706020507" pitchFamily="18" charset="2"/>
+              <a:buChar char=""/>
+            </a:pPr>
+            <a:r>
+              <a:rPr lang="en-PH" sz="2400" dirty="0">
+                <a:latin typeface="Tahoma" panose="020B0604030504040204" pitchFamily="34" charset="0"/>
+                <a:ea typeface="Times New Roman" panose="02020603050405020304" pitchFamily="18" charset="0"/>
+                <a:cs typeface="Times New Roman" panose="02020603050405020304" pitchFamily="18" charset="0"/>
+              </a:rPr>
+              <a:t>Colored icons are easily understood</a:t>
             </a:r>
           </a:p>
         </p:txBody>
@@ -18114,6 +18222,15 @@
 </file>
 
 <file path=customXml/item1.xml><?xml version="1.0" encoding="utf-8"?>
+<?mso-contentType ?>
+<FormTemplates xmlns="http://schemas.microsoft.com/sharepoint/v3/contenttype/forms">
+  <Display>DocumentLibraryForm</Display>
+  <Edit>DocumentLibraryForm</Edit>
+  <New>DocumentLibraryForm</New>
+</FormTemplates>
+</file>
+
+<file path=customXml/item2.xml><?xml version="1.0" encoding="utf-8"?>
 <ct:contentTypeSchema xmlns:ct="http://schemas.microsoft.com/office/2006/metadata/contentType" xmlns:ma="http://schemas.microsoft.com/office/2006/metadata/properties/metaAttributes" ct:_="" ma:_="" ma:contentTypeName="Document" ma:contentTypeID="0x0101003DA88DB85B4E8D4084484328911618A8" ma:contentTypeVersion="5" ma:contentTypeDescription="Create a new document." ma:contentTypeScope="" ma:versionID="1630f269bc344f605b1569b6759cf365">
   <xsd:schema xmlns:xsd="http://www.w3.org/2001/XMLSchema" xmlns:xs="http://www.w3.org/2001/XMLSchema" xmlns:p="http://schemas.microsoft.com/office/2006/metadata/properties" xmlns:ns3="fdade5d6-c01e-48ba-acc4-02ddfa9d7bb6" xmlns:ns4="795da99e-ba84-4562-a176-4f9db8050bfa" targetNamespace="http://schemas.microsoft.com/office/2006/metadata/properties" ma:root="true" ma:fieldsID="05147003163e0c2ee77fc0457ca6abd6" ns3:_="" ns4:_="">
     <xsd:import namespace="fdade5d6-c01e-48ba-acc4-02ddfa9d7bb6"/>
@@ -18284,15 +18401,6 @@
 </ct:contentTypeSchema>
 </file>
 
-<file path=customXml/item2.xml><?xml version="1.0" encoding="utf-8"?>
-<?mso-contentType ?>
-<FormTemplates xmlns="http://schemas.microsoft.com/sharepoint/v3/contenttype/forms">
-  <Display>DocumentLibraryForm</Display>
-  <Edit>DocumentLibraryForm</Edit>
-  <New>DocumentLibraryForm</New>
-</FormTemplates>
-</file>
-
 <file path=customXml/item3.xml><?xml version="1.0" encoding="utf-8"?>
 <p:properties xmlns:p="http://schemas.microsoft.com/office/2006/metadata/properties" xmlns:xsi="http://www.w3.org/2001/XMLSchema-instance" xmlns:pc="http://schemas.microsoft.com/office/infopath/2007/PartnerControls">
   <documentManagement/>
@@ -18300,6 +18408,14 @@
 </file>
 
 <file path=customXml/itemProps1.xml><?xml version="1.0" encoding="utf-8"?>
+<ds:datastoreItem xmlns:ds="http://schemas.openxmlformats.org/officeDocument/2006/customXml" ds:itemID="{D7EDC7EB-0DC1-44C1-867C-7EF6FE677BC5}">
+  <ds:schemaRefs>
+    <ds:schemaRef ds:uri="http://schemas.microsoft.com/sharepoint/v3/contenttype/forms"/>
+  </ds:schemaRefs>
+</ds:datastoreItem>
+</file>
+
+<file path=customXml/itemProps2.xml><?xml version="1.0" encoding="utf-8"?>
 <ds:datastoreItem xmlns:ds="http://schemas.openxmlformats.org/officeDocument/2006/customXml" ds:itemID="{8ED7CC43-5202-4B7A-8202-CDA66FD5A2B4}">
   <ds:schemaRefs>
     <ds:schemaRef ds:uri="http://schemas.microsoft.com/office/2006/metadata/contentType"/>
@@ -18314,14 +18430,6 @@
     <ds:schemaRef ds:uri="http://purl.org/dc/elements/1.1/"/>
     <ds:schemaRef ds:uri="http://purl.org/dc/terms/"/>
     <ds:schemaRef ds:uri="http://schemas.microsoft.com/internal/obd"/>
-  </ds:schemaRefs>
-</ds:datastoreItem>
-</file>
-
-<file path=customXml/itemProps2.xml><?xml version="1.0" encoding="utf-8"?>
-<ds:datastoreItem xmlns:ds="http://schemas.openxmlformats.org/officeDocument/2006/customXml" ds:itemID="{D7EDC7EB-0DC1-44C1-867C-7EF6FE677BC5}">
-  <ds:schemaRefs>
-    <ds:schemaRef ds:uri="http://schemas.microsoft.com/sharepoint/v3/contenttype/forms"/>
   </ds:schemaRefs>
 </ds:datastoreItem>
 </file>

--- a/userdes.pptx
+++ b/userdes.pptx
@@ -278,7 +278,7 @@
           <a:p>
             <a:fld id="{12A9C0E6-86DB-4A33-A939-551AD288B0D1}" type="datetimeFigureOut">
               <a:rPr lang="en-PH" smtClean="0"/>
-              <a:t>17/09/2019</a:t>
+              <a:t>16/09/2019</a:t>
             </a:fld>
             <a:endParaRPr lang="en-PH"/>
           </a:p>
@@ -478,7 +478,7 @@
           <a:p>
             <a:fld id="{12A9C0E6-86DB-4A33-A939-551AD288B0D1}" type="datetimeFigureOut">
               <a:rPr lang="en-PH" smtClean="0"/>
-              <a:t>17/09/2019</a:t>
+              <a:t>16/09/2019</a:t>
             </a:fld>
             <a:endParaRPr lang="en-PH"/>
           </a:p>
@@ -688,7 +688,7 @@
           <a:p>
             <a:fld id="{12A9C0E6-86DB-4A33-A939-551AD288B0D1}" type="datetimeFigureOut">
               <a:rPr lang="en-PH" smtClean="0"/>
-              <a:t>17/09/2019</a:t>
+              <a:t>16/09/2019</a:t>
             </a:fld>
             <a:endParaRPr lang="en-PH"/>
           </a:p>
@@ -888,7 +888,7 @@
           <a:p>
             <a:fld id="{12A9C0E6-86DB-4A33-A939-551AD288B0D1}" type="datetimeFigureOut">
               <a:rPr lang="en-PH" smtClean="0"/>
-              <a:t>17/09/2019</a:t>
+              <a:t>16/09/2019</a:t>
             </a:fld>
             <a:endParaRPr lang="en-PH"/>
           </a:p>
@@ -1164,7 +1164,7 @@
           <a:p>
             <a:fld id="{12A9C0E6-86DB-4A33-A939-551AD288B0D1}" type="datetimeFigureOut">
               <a:rPr lang="en-PH" smtClean="0"/>
-              <a:t>17/09/2019</a:t>
+              <a:t>16/09/2019</a:t>
             </a:fld>
             <a:endParaRPr lang="en-PH"/>
           </a:p>
@@ -1432,7 +1432,7 @@
           <a:p>
             <a:fld id="{12A9C0E6-86DB-4A33-A939-551AD288B0D1}" type="datetimeFigureOut">
               <a:rPr lang="en-PH" smtClean="0"/>
-              <a:t>17/09/2019</a:t>
+              <a:t>16/09/2019</a:t>
             </a:fld>
             <a:endParaRPr lang="en-PH"/>
           </a:p>
@@ -1847,7 +1847,7 @@
           <a:p>
             <a:fld id="{12A9C0E6-86DB-4A33-A939-551AD288B0D1}" type="datetimeFigureOut">
               <a:rPr lang="en-PH" smtClean="0"/>
-              <a:t>17/09/2019</a:t>
+              <a:t>16/09/2019</a:t>
             </a:fld>
             <a:endParaRPr lang="en-PH"/>
           </a:p>
@@ -1989,7 +1989,7 @@
           <a:p>
             <a:fld id="{12A9C0E6-86DB-4A33-A939-551AD288B0D1}" type="datetimeFigureOut">
               <a:rPr lang="en-PH" smtClean="0"/>
-              <a:t>17/09/2019</a:t>
+              <a:t>16/09/2019</a:t>
             </a:fld>
             <a:endParaRPr lang="en-PH"/>
           </a:p>
@@ -2102,7 +2102,7 @@
           <a:p>
             <a:fld id="{12A9C0E6-86DB-4A33-A939-551AD288B0D1}" type="datetimeFigureOut">
               <a:rPr lang="en-PH" smtClean="0"/>
-              <a:t>17/09/2019</a:t>
+              <a:t>16/09/2019</a:t>
             </a:fld>
             <a:endParaRPr lang="en-PH"/>
           </a:p>
@@ -2415,7 +2415,7 @@
           <a:p>
             <a:fld id="{12A9C0E6-86DB-4A33-A939-551AD288B0D1}" type="datetimeFigureOut">
               <a:rPr lang="en-PH" smtClean="0"/>
-              <a:t>17/09/2019</a:t>
+              <a:t>16/09/2019</a:t>
             </a:fld>
             <a:endParaRPr lang="en-PH"/>
           </a:p>
@@ -2704,7 +2704,7 @@
           <a:p>
             <a:fld id="{12A9C0E6-86DB-4A33-A939-551AD288B0D1}" type="datetimeFigureOut">
               <a:rPr lang="en-PH" smtClean="0"/>
-              <a:t>17/09/2019</a:t>
+              <a:t>16/09/2019</a:t>
             </a:fld>
             <a:endParaRPr lang="en-PH"/>
           </a:p>
@@ -2947,7 +2947,7 @@
           <a:p>
             <a:fld id="{12A9C0E6-86DB-4A33-A939-551AD288B0D1}" type="datetimeFigureOut">
               <a:rPr lang="en-PH" smtClean="0"/>
-              <a:t>17/09/2019</a:t>
+              <a:t>16/09/2019</a:t>
             </a:fld>
             <a:endParaRPr lang="en-PH"/>
           </a:p>
@@ -16538,7 +16538,7 @@
         </p:nvSpPr>
         <p:spPr>
           <a:xfrm>
-            <a:off x="508000" y="296596"/>
+            <a:off x="508000" y="972457"/>
             <a:ext cx="8786312" cy="769441"/>
           </a:xfrm>
           <a:prstGeom prst="rect">
@@ -16573,8 +16573,8 @@
         </p:nvSpPr>
         <p:spPr>
           <a:xfrm>
-            <a:off x="508000" y="1304577"/>
-            <a:ext cx="10724776" cy="5078826"/>
+            <a:off x="508000" y="1971902"/>
+            <a:ext cx="10724776" cy="3109056"/>
           </a:xfrm>
           <a:prstGeom prst="rect">
             <a:avLst/>
@@ -16667,76 +16667,8 @@
               </a:rPr>
               <a:t>Create an advanced booking system</a:t>
             </a:r>
-          </a:p>
-          <a:p>
-            <a:pPr marL="342900" lvl="0" indent="-342900">
-              <a:lnSpc>
-                <a:spcPct val="150000"/>
-              </a:lnSpc>
-              <a:spcAft>
-                <a:spcPts val="800"/>
-              </a:spcAft>
-              <a:buFont typeface="Symbol" panose="05050102010706020507" pitchFamily="18" charset="2"/>
-              <a:buChar char=""/>
-            </a:pPr>
-            <a:r>
-              <a:rPr lang="en-PH" sz="2400" dirty="0">
-                <a:latin typeface="Tahoma" panose="020B0604030504040204" pitchFamily="34" charset="0"/>
-                <a:ea typeface="Times New Roman" panose="02020603050405020304" pitchFamily="18" charset="0"/>
-                <a:cs typeface="Times New Roman" panose="02020603050405020304" pitchFamily="18" charset="0"/>
-              </a:rPr>
-              <a:t>Very good design</a:t>
-            </a:r>
-          </a:p>
-          <a:p>
-            <a:pPr marL="342900" lvl="0" indent="-342900">
-              <a:lnSpc>
-                <a:spcPct val="150000"/>
-              </a:lnSpc>
-              <a:spcAft>
-                <a:spcPts val="800"/>
-              </a:spcAft>
-              <a:buFont typeface="Symbol" panose="05050102010706020507" pitchFamily="18" charset="2"/>
-              <a:buChar char=""/>
-            </a:pPr>
-            <a:r>
-              <a:rPr lang="en-PH" sz="2400" dirty="0">
-                <a:effectLst/>
-                <a:latin typeface="Tahoma" panose="020B0604030504040204" pitchFamily="34" charset="0"/>
-                <a:ea typeface="Times New Roman" panose="02020603050405020304" pitchFamily="18" charset="0"/>
-                <a:cs typeface="Times New Roman" panose="02020603050405020304" pitchFamily="18" charset="0"/>
-              </a:rPr>
-              <a:t>Very user friendly</a:t>
-            </a:r>
-            <a:r>
-              <a:rPr lang="en-PH" sz="2400" dirty="0">
-                <a:latin typeface="Tahoma" panose="020B0604030504040204" pitchFamily="34" charset="0"/>
-                <a:ea typeface="Times New Roman" panose="02020603050405020304" pitchFamily="18" charset="0"/>
-                <a:cs typeface="Times New Roman" panose="02020603050405020304" pitchFamily="18" charset="0"/>
-              </a:rPr>
-              <a:t> </a:t>
-            </a:r>
-          </a:p>
-          <a:p>
-            <a:pPr marL="342900" lvl="0" indent="-342900">
-              <a:lnSpc>
-                <a:spcPct val="150000"/>
-              </a:lnSpc>
-              <a:spcAft>
-                <a:spcPts val="800"/>
-              </a:spcAft>
-              <a:buFont typeface="Symbol" panose="05050102010706020507" pitchFamily="18" charset="2"/>
-              <a:buChar char=""/>
-            </a:pPr>
-            <a:r>
-              <a:rPr lang="en-PH" sz="2400" dirty="0">
-                <a:latin typeface="Tahoma" panose="020B0604030504040204" pitchFamily="34" charset="0"/>
-                <a:ea typeface="Times New Roman" panose="02020603050405020304" pitchFamily="18" charset="0"/>
-                <a:cs typeface="Times New Roman" panose="02020603050405020304" pitchFamily="18" charset="0"/>
-              </a:rPr>
-              <a:t>Helpful application</a:t>
-            </a:r>
             <a:endParaRPr lang="en-PH" sz="2000" dirty="0">
+              <a:effectLst/>
               <a:latin typeface="Calibri" panose="020F0502020204030204" pitchFamily="34" charset="0"/>
               <a:ea typeface="Times New Roman" panose="02020603050405020304" pitchFamily="18" charset="0"/>
               <a:cs typeface="Times New Roman" panose="02020603050405020304" pitchFamily="18" charset="0"/>
@@ -16824,7 +16756,7 @@
         <p:spPr>
           <a:xfrm>
             <a:off x="508000" y="1971902"/>
-            <a:ext cx="10724776" cy="2540760"/>
+            <a:ext cx="10724776" cy="1227580"/>
           </a:xfrm>
           <a:prstGeom prst="rect">
             <a:avLst/>
@@ -16879,46 +16811,6 @@
                 <a:cs typeface="Times New Roman" panose="02020603050405020304" pitchFamily="18" charset="0"/>
               </a:rPr>
               <a:t>Create hints or clues for the users to have an idea how the interface works</a:t>
-            </a:r>
-          </a:p>
-          <a:p>
-            <a:pPr marL="342900" lvl="0" indent="-342900">
-              <a:lnSpc>
-                <a:spcPct val="150000"/>
-              </a:lnSpc>
-              <a:spcAft>
-                <a:spcPts val="800"/>
-              </a:spcAft>
-              <a:buFont typeface="Symbol" panose="05050102010706020507" pitchFamily="18" charset="2"/>
-              <a:buChar char=""/>
-            </a:pPr>
-            <a:r>
-              <a:rPr lang="en-PH" sz="2400" dirty="0">
-                <a:latin typeface="Tahoma" panose="020B0604030504040204" pitchFamily="34" charset="0"/>
-                <a:ea typeface="Times New Roman" panose="02020603050405020304" pitchFamily="18" charset="0"/>
-                <a:cs typeface="Times New Roman" panose="02020603050405020304" pitchFamily="18" charset="0"/>
-              </a:rPr>
-              <a:t>No back button</a:t>
-            </a:r>
-          </a:p>
-          <a:p>
-            <a:pPr marL="342900" lvl="0" indent="-342900">
-              <a:lnSpc>
-                <a:spcPct val="150000"/>
-              </a:lnSpc>
-              <a:spcAft>
-                <a:spcPts val="800"/>
-              </a:spcAft>
-              <a:buFont typeface="Symbol" panose="05050102010706020507" pitchFamily="18" charset="2"/>
-              <a:buChar char=""/>
-            </a:pPr>
-            <a:r>
-              <a:rPr lang="en-PH" sz="2400" dirty="0">
-                <a:latin typeface="Tahoma" panose="020B0604030504040204" pitchFamily="34" charset="0"/>
-                <a:ea typeface="Times New Roman" panose="02020603050405020304" pitchFamily="18" charset="0"/>
-                <a:cs typeface="Times New Roman" panose="02020603050405020304" pitchFamily="18" charset="0"/>
-              </a:rPr>
-              <a:t>Colored icons are easily understood</a:t>
             </a:r>
           </a:p>
         </p:txBody>
@@ -18222,15 +18114,6 @@
 </file>
 
 <file path=customXml/item1.xml><?xml version="1.0" encoding="utf-8"?>
-<?mso-contentType ?>
-<FormTemplates xmlns="http://schemas.microsoft.com/sharepoint/v3/contenttype/forms">
-  <Display>DocumentLibraryForm</Display>
-  <Edit>DocumentLibraryForm</Edit>
-  <New>DocumentLibraryForm</New>
-</FormTemplates>
-</file>
-
-<file path=customXml/item2.xml><?xml version="1.0" encoding="utf-8"?>
 <ct:contentTypeSchema xmlns:ct="http://schemas.microsoft.com/office/2006/metadata/contentType" xmlns:ma="http://schemas.microsoft.com/office/2006/metadata/properties/metaAttributes" ct:_="" ma:_="" ma:contentTypeName="Document" ma:contentTypeID="0x0101003DA88DB85B4E8D4084484328911618A8" ma:contentTypeVersion="5" ma:contentTypeDescription="Create a new document." ma:contentTypeScope="" ma:versionID="1630f269bc344f605b1569b6759cf365">
   <xsd:schema xmlns:xsd="http://www.w3.org/2001/XMLSchema" xmlns:xs="http://www.w3.org/2001/XMLSchema" xmlns:p="http://schemas.microsoft.com/office/2006/metadata/properties" xmlns:ns3="fdade5d6-c01e-48ba-acc4-02ddfa9d7bb6" xmlns:ns4="795da99e-ba84-4562-a176-4f9db8050bfa" targetNamespace="http://schemas.microsoft.com/office/2006/metadata/properties" ma:root="true" ma:fieldsID="05147003163e0c2ee77fc0457ca6abd6" ns3:_="" ns4:_="">
     <xsd:import namespace="fdade5d6-c01e-48ba-acc4-02ddfa9d7bb6"/>
@@ -18401,6 +18284,15 @@
 </ct:contentTypeSchema>
 </file>
 
+<file path=customXml/item2.xml><?xml version="1.0" encoding="utf-8"?>
+<?mso-contentType ?>
+<FormTemplates xmlns="http://schemas.microsoft.com/sharepoint/v3/contenttype/forms">
+  <Display>DocumentLibraryForm</Display>
+  <Edit>DocumentLibraryForm</Edit>
+  <New>DocumentLibraryForm</New>
+</FormTemplates>
+</file>
+
 <file path=customXml/item3.xml><?xml version="1.0" encoding="utf-8"?>
 <p:properties xmlns:p="http://schemas.microsoft.com/office/2006/metadata/properties" xmlns:xsi="http://www.w3.org/2001/XMLSchema-instance" xmlns:pc="http://schemas.microsoft.com/office/infopath/2007/PartnerControls">
   <documentManagement/>
@@ -18408,14 +18300,6 @@
 </file>
 
 <file path=customXml/itemProps1.xml><?xml version="1.0" encoding="utf-8"?>
-<ds:datastoreItem xmlns:ds="http://schemas.openxmlformats.org/officeDocument/2006/customXml" ds:itemID="{D7EDC7EB-0DC1-44C1-867C-7EF6FE677BC5}">
-  <ds:schemaRefs>
-    <ds:schemaRef ds:uri="http://schemas.microsoft.com/sharepoint/v3/contenttype/forms"/>
-  </ds:schemaRefs>
-</ds:datastoreItem>
-</file>
-
-<file path=customXml/itemProps2.xml><?xml version="1.0" encoding="utf-8"?>
 <ds:datastoreItem xmlns:ds="http://schemas.openxmlformats.org/officeDocument/2006/customXml" ds:itemID="{8ED7CC43-5202-4B7A-8202-CDA66FD5A2B4}">
   <ds:schemaRefs>
     <ds:schemaRef ds:uri="http://schemas.microsoft.com/office/2006/metadata/contentType"/>
@@ -18430,6 +18314,14 @@
     <ds:schemaRef ds:uri="http://purl.org/dc/elements/1.1/"/>
     <ds:schemaRef ds:uri="http://purl.org/dc/terms/"/>
     <ds:schemaRef ds:uri="http://schemas.microsoft.com/internal/obd"/>
+  </ds:schemaRefs>
+</ds:datastoreItem>
+</file>
+
+<file path=customXml/itemProps2.xml><?xml version="1.0" encoding="utf-8"?>
+<ds:datastoreItem xmlns:ds="http://schemas.openxmlformats.org/officeDocument/2006/customXml" ds:itemID="{D7EDC7EB-0DC1-44C1-867C-7EF6FE677BC5}">
+  <ds:schemaRefs>
+    <ds:schemaRef ds:uri="http://schemas.microsoft.com/sharepoint/v3/contenttype/forms"/>
   </ds:schemaRefs>
 </ds:datastoreItem>
 </file>

--- a/userdes.pptx
+++ b/userdes.pptx
@@ -14,15 +14,19 @@
     <p:sldId id="270" r:id="rId11"/>
     <p:sldId id="266" r:id="rId12"/>
     <p:sldId id="268" r:id="rId13"/>
-    <p:sldId id="273" r:id="rId14"/>
-    <p:sldId id="274" r:id="rId15"/>
-    <p:sldId id="275" r:id="rId16"/>
-    <p:sldId id="276" r:id="rId17"/>
-    <p:sldId id="277" r:id="rId18"/>
-    <p:sldId id="278" r:id="rId19"/>
-    <p:sldId id="271" r:id="rId20"/>
-    <p:sldId id="272" r:id="rId21"/>
-    <p:sldId id="269" r:id="rId22"/>
+    <p:sldId id="281" r:id="rId14"/>
+    <p:sldId id="280" r:id="rId15"/>
+    <p:sldId id="282" r:id="rId16"/>
+    <p:sldId id="279" r:id="rId17"/>
+    <p:sldId id="273" r:id="rId18"/>
+    <p:sldId id="274" r:id="rId19"/>
+    <p:sldId id="275" r:id="rId20"/>
+    <p:sldId id="276" r:id="rId21"/>
+    <p:sldId id="277" r:id="rId22"/>
+    <p:sldId id="278" r:id="rId23"/>
+    <p:sldId id="271" r:id="rId24"/>
+    <p:sldId id="272" r:id="rId25"/>
+    <p:sldId id="269" r:id="rId26"/>
   </p:sldIdLst>
   <p:sldSz cx="12192000" cy="6858000"/>
   <p:notesSz cx="6858000" cy="9144000"/>
@@ -278,7 +282,7 @@
           <a:p>
             <a:fld id="{12A9C0E6-86DB-4A33-A939-551AD288B0D1}" type="datetimeFigureOut">
               <a:rPr lang="en-PH" smtClean="0"/>
-              <a:t>16/09/2019</a:t>
+              <a:t>19/09/2019</a:t>
             </a:fld>
             <a:endParaRPr lang="en-PH"/>
           </a:p>
@@ -478,7 +482,7 @@
           <a:p>
             <a:fld id="{12A9C0E6-86DB-4A33-A939-551AD288B0D1}" type="datetimeFigureOut">
               <a:rPr lang="en-PH" smtClean="0"/>
-              <a:t>16/09/2019</a:t>
+              <a:t>19/09/2019</a:t>
             </a:fld>
             <a:endParaRPr lang="en-PH"/>
           </a:p>
@@ -688,7 +692,7 @@
           <a:p>
             <a:fld id="{12A9C0E6-86DB-4A33-A939-551AD288B0D1}" type="datetimeFigureOut">
               <a:rPr lang="en-PH" smtClean="0"/>
-              <a:t>16/09/2019</a:t>
+              <a:t>19/09/2019</a:t>
             </a:fld>
             <a:endParaRPr lang="en-PH"/>
           </a:p>
@@ -888,7 +892,7 @@
           <a:p>
             <a:fld id="{12A9C0E6-86DB-4A33-A939-551AD288B0D1}" type="datetimeFigureOut">
               <a:rPr lang="en-PH" smtClean="0"/>
-              <a:t>16/09/2019</a:t>
+              <a:t>19/09/2019</a:t>
             </a:fld>
             <a:endParaRPr lang="en-PH"/>
           </a:p>
@@ -1164,7 +1168,7 @@
           <a:p>
             <a:fld id="{12A9C0E6-86DB-4A33-A939-551AD288B0D1}" type="datetimeFigureOut">
               <a:rPr lang="en-PH" smtClean="0"/>
-              <a:t>16/09/2019</a:t>
+              <a:t>19/09/2019</a:t>
             </a:fld>
             <a:endParaRPr lang="en-PH"/>
           </a:p>
@@ -1432,7 +1436,7 @@
           <a:p>
             <a:fld id="{12A9C0E6-86DB-4A33-A939-551AD288B0D1}" type="datetimeFigureOut">
               <a:rPr lang="en-PH" smtClean="0"/>
-              <a:t>16/09/2019</a:t>
+              <a:t>19/09/2019</a:t>
             </a:fld>
             <a:endParaRPr lang="en-PH"/>
           </a:p>
@@ -1847,7 +1851,7 @@
           <a:p>
             <a:fld id="{12A9C0E6-86DB-4A33-A939-551AD288B0D1}" type="datetimeFigureOut">
               <a:rPr lang="en-PH" smtClean="0"/>
-              <a:t>16/09/2019</a:t>
+              <a:t>19/09/2019</a:t>
             </a:fld>
             <a:endParaRPr lang="en-PH"/>
           </a:p>
@@ -1989,7 +1993,7 @@
           <a:p>
             <a:fld id="{12A9C0E6-86DB-4A33-A939-551AD288B0D1}" type="datetimeFigureOut">
               <a:rPr lang="en-PH" smtClean="0"/>
-              <a:t>16/09/2019</a:t>
+              <a:t>19/09/2019</a:t>
             </a:fld>
             <a:endParaRPr lang="en-PH"/>
           </a:p>
@@ -2102,7 +2106,7 @@
           <a:p>
             <a:fld id="{12A9C0E6-86DB-4A33-A939-551AD288B0D1}" type="datetimeFigureOut">
               <a:rPr lang="en-PH" smtClean="0"/>
-              <a:t>16/09/2019</a:t>
+              <a:t>19/09/2019</a:t>
             </a:fld>
             <a:endParaRPr lang="en-PH"/>
           </a:p>
@@ -2415,7 +2419,7 @@
           <a:p>
             <a:fld id="{12A9C0E6-86DB-4A33-A939-551AD288B0D1}" type="datetimeFigureOut">
               <a:rPr lang="en-PH" smtClean="0"/>
-              <a:t>16/09/2019</a:t>
+              <a:t>19/09/2019</a:t>
             </a:fld>
             <a:endParaRPr lang="en-PH"/>
           </a:p>
@@ -2704,7 +2708,7 @@
           <a:p>
             <a:fld id="{12A9C0E6-86DB-4A33-A939-551AD288B0D1}" type="datetimeFigureOut">
               <a:rPr lang="en-PH" smtClean="0"/>
-              <a:t>16/09/2019</a:t>
+              <a:t>19/09/2019</a:t>
             </a:fld>
             <a:endParaRPr lang="en-PH"/>
           </a:p>
@@ -2947,7 +2951,7 @@
           <a:p>
             <a:fld id="{12A9C0E6-86DB-4A33-A939-551AD288B0D1}" type="datetimeFigureOut">
               <a:rPr lang="en-PH" smtClean="0"/>
-              <a:t>16/09/2019</a:t>
+              <a:t>19/09/2019</a:t>
             </a:fld>
             <a:endParaRPr lang="en-PH"/>
           </a:p>
@@ -3634,6 +3638,306 @@
 </file>
 
 <file path=ppt/slides/slide10.xml><?xml version="1.0" encoding="utf-8"?>
+<p:sld xmlns:a="http://schemas.openxmlformats.org/drawingml/2006/main" xmlns:r="http://schemas.openxmlformats.org/officeDocument/2006/relationships" xmlns:p="http://schemas.openxmlformats.org/presentationml/2006/main">
+  <p:cSld>
+    <p:spTree>
+      <p:nvGrpSpPr>
+        <p:cNvPr id="1" name=""/>
+        <p:cNvGrpSpPr/>
+        <p:nvPr/>
+      </p:nvGrpSpPr>
+      <p:grpSpPr>
+        <a:xfrm>
+          <a:off x="0" y="0"/>
+          <a:ext cx="0" cy="0"/>
+          <a:chOff x="0" y="0"/>
+          <a:chExt cx="0" cy="0"/>
+        </a:xfrm>
+      </p:grpSpPr>
+      <p:pic>
+        <p:nvPicPr>
+          <p:cNvPr id="3074" name="Picture 2">
+            <a:extLst>
+              <a:ext uri="{FF2B5EF4-FFF2-40B4-BE49-F238E27FC236}">
+                <a16:creationId xmlns:a16="http://schemas.microsoft.com/office/drawing/2014/main" id="{FD49CDE3-7716-4200-9147-62B6E5C97901}"/>
+              </a:ext>
+            </a:extLst>
+          </p:cNvPr>
+          <p:cNvPicPr>
+            <a:picLocks noChangeAspect="1" noChangeArrowheads="1"/>
+          </p:cNvPicPr>
+          <p:nvPr/>
+        </p:nvPicPr>
+        <p:blipFill rotWithShape="1">
+          <a:blip r:embed="rId2">
+            <a:extLst>
+              <a:ext uri="{28A0092B-C50C-407E-A947-70E740481C1C}">
+                <a14:useLocalDpi xmlns:a14="http://schemas.microsoft.com/office/drawing/2010/main" val="0"/>
+              </a:ext>
+            </a:extLst>
+          </a:blip>
+          <a:srcRect l="12414" t="154" r="6637"/>
+          <a:stretch/>
+        </p:blipFill>
+        <p:spPr bwMode="auto">
+          <a:xfrm>
+            <a:off x="1513490" y="551793"/>
+            <a:ext cx="9869213" cy="5761695"/>
+          </a:xfrm>
+          <a:prstGeom prst="rect">
+            <a:avLst/>
+          </a:prstGeom>
+          <a:noFill/>
+          <a:extLst>
+            <a:ext uri="{909E8E84-426E-40DD-AFC4-6F175D3DCCD1}">
+              <a14:hiddenFill xmlns:a14="http://schemas.microsoft.com/office/drawing/2010/main">
+                <a:solidFill>
+                  <a:srgbClr val="FFFFFF"/>
+                </a:solidFill>
+              </a14:hiddenFill>
+            </a:ext>
+          </a:extLst>
+        </p:spPr>
+      </p:pic>
+    </p:spTree>
+    <p:extLst>
+      <p:ext uri="{BB962C8B-B14F-4D97-AF65-F5344CB8AC3E}">
+        <p14:creationId xmlns:p14="http://schemas.microsoft.com/office/powerpoint/2010/main" val="2897028610"/>
+      </p:ext>
+    </p:extLst>
+  </p:cSld>
+  <p:clrMapOvr>
+    <a:masterClrMapping/>
+  </p:clrMapOvr>
+</p:sld>
+</file>
+
+<file path=ppt/slides/slide11.xml><?xml version="1.0" encoding="utf-8"?>
+<p:sld xmlns:a="http://schemas.openxmlformats.org/drawingml/2006/main" xmlns:r="http://schemas.openxmlformats.org/officeDocument/2006/relationships" xmlns:p="http://schemas.openxmlformats.org/presentationml/2006/main">
+  <p:cSld>
+    <p:spTree>
+      <p:nvGrpSpPr>
+        <p:cNvPr id="1" name=""/>
+        <p:cNvGrpSpPr/>
+        <p:nvPr/>
+      </p:nvGrpSpPr>
+      <p:grpSpPr>
+        <a:xfrm>
+          <a:off x="0" y="0"/>
+          <a:ext cx="0" cy="0"/>
+          <a:chOff x="0" y="0"/>
+          <a:chExt cx="0" cy="0"/>
+        </a:xfrm>
+      </p:grpSpPr>
+      <p:pic>
+        <p:nvPicPr>
+          <p:cNvPr id="4098" name="Picture 2">
+            <a:extLst>
+              <a:ext uri="{FF2B5EF4-FFF2-40B4-BE49-F238E27FC236}">
+                <a16:creationId xmlns:a16="http://schemas.microsoft.com/office/drawing/2014/main" id="{C4149238-2898-4489-8C9F-2B513DC7B64D}"/>
+              </a:ext>
+            </a:extLst>
+          </p:cNvPr>
+          <p:cNvPicPr>
+            <a:picLocks noChangeAspect="1" noChangeArrowheads="1"/>
+          </p:cNvPicPr>
+          <p:nvPr/>
+        </p:nvPicPr>
+        <p:blipFill rotWithShape="1">
+          <a:blip r:embed="rId2">
+            <a:extLst>
+              <a:ext uri="{28A0092B-C50C-407E-A947-70E740481C1C}">
+                <a14:useLocalDpi xmlns:a14="http://schemas.microsoft.com/office/drawing/2010/main" val="0"/>
+              </a:ext>
+            </a:extLst>
+          </a:blip>
+          <a:srcRect l="9827" t="154" r="7931" b="4644"/>
+          <a:stretch/>
+        </p:blipFill>
+        <p:spPr bwMode="auto">
+          <a:xfrm>
+            <a:off x="1198178" y="551793"/>
+            <a:ext cx="10026869" cy="5493682"/>
+          </a:xfrm>
+          <a:prstGeom prst="rect">
+            <a:avLst/>
+          </a:prstGeom>
+          <a:noFill/>
+          <a:extLst>
+            <a:ext uri="{909E8E84-426E-40DD-AFC4-6F175D3DCCD1}">
+              <a14:hiddenFill xmlns:a14="http://schemas.microsoft.com/office/drawing/2010/main">
+                <a:solidFill>
+                  <a:srgbClr val="FFFFFF"/>
+                </a:solidFill>
+              </a14:hiddenFill>
+            </a:ext>
+          </a:extLst>
+        </p:spPr>
+      </p:pic>
+    </p:spTree>
+    <p:extLst>
+      <p:ext uri="{BB962C8B-B14F-4D97-AF65-F5344CB8AC3E}">
+        <p14:creationId xmlns:p14="http://schemas.microsoft.com/office/powerpoint/2010/main" val="2348311032"/>
+      </p:ext>
+    </p:extLst>
+  </p:cSld>
+  <p:clrMapOvr>
+    <a:masterClrMapping/>
+  </p:clrMapOvr>
+</p:sld>
+</file>
+
+<file path=ppt/slides/slide12.xml><?xml version="1.0" encoding="utf-8"?>
+<p:sld xmlns:a="http://schemas.openxmlformats.org/drawingml/2006/main" xmlns:r="http://schemas.openxmlformats.org/officeDocument/2006/relationships" xmlns:p="http://schemas.openxmlformats.org/presentationml/2006/main">
+  <p:cSld>
+    <p:spTree>
+      <p:nvGrpSpPr>
+        <p:cNvPr id="1" name=""/>
+        <p:cNvGrpSpPr/>
+        <p:nvPr/>
+      </p:nvGrpSpPr>
+      <p:grpSpPr>
+        <a:xfrm>
+          <a:off x="0" y="0"/>
+          <a:ext cx="0" cy="0"/>
+          <a:chOff x="0" y="0"/>
+          <a:chExt cx="0" cy="0"/>
+        </a:xfrm>
+      </p:grpSpPr>
+      <p:pic>
+        <p:nvPicPr>
+          <p:cNvPr id="2050" name="Picture 2">
+            <a:extLst>
+              <a:ext uri="{FF2B5EF4-FFF2-40B4-BE49-F238E27FC236}">
+                <a16:creationId xmlns:a16="http://schemas.microsoft.com/office/drawing/2014/main" id="{1FB87470-3658-4062-9607-D7EA50835BAB}"/>
+              </a:ext>
+            </a:extLst>
+          </p:cNvPr>
+          <p:cNvPicPr>
+            <a:picLocks noChangeAspect="1" noChangeArrowheads="1"/>
+          </p:cNvPicPr>
+          <p:nvPr/>
+        </p:nvPicPr>
+        <p:blipFill rotWithShape="1">
+          <a:blip r:embed="rId2">
+            <a:extLst>
+              <a:ext uri="{28A0092B-C50C-407E-A947-70E740481C1C}">
+                <a14:useLocalDpi xmlns:a14="http://schemas.microsoft.com/office/drawing/2010/main" val="0"/>
+              </a:ext>
+            </a:extLst>
+          </a:blip>
+          <a:srcRect l="36638" r="34267"/>
+          <a:stretch/>
+        </p:blipFill>
+        <p:spPr bwMode="auto">
+          <a:xfrm rot="10800000">
+            <a:off x="4322379" y="543718"/>
+            <a:ext cx="3547241" cy="5770563"/>
+          </a:xfrm>
+          <a:prstGeom prst="rect">
+            <a:avLst/>
+          </a:prstGeom>
+          <a:noFill/>
+          <a:extLst>
+            <a:ext uri="{909E8E84-426E-40DD-AFC4-6F175D3DCCD1}">
+              <a14:hiddenFill xmlns:a14="http://schemas.microsoft.com/office/drawing/2010/main">
+                <a:solidFill>
+                  <a:srgbClr val="FFFFFF"/>
+                </a:solidFill>
+              </a14:hiddenFill>
+            </a:ext>
+          </a:extLst>
+        </p:spPr>
+      </p:pic>
+    </p:spTree>
+    <p:extLst>
+      <p:ext uri="{BB962C8B-B14F-4D97-AF65-F5344CB8AC3E}">
+        <p14:creationId xmlns:p14="http://schemas.microsoft.com/office/powerpoint/2010/main" val="1213644836"/>
+      </p:ext>
+    </p:extLst>
+  </p:cSld>
+  <p:clrMapOvr>
+    <a:masterClrMapping/>
+  </p:clrMapOvr>
+</p:sld>
+</file>
+
+<file path=ppt/slides/slide13.xml><?xml version="1.0" encoding="utf-8"?>
+<p:sld xmlns:a="http://schemas.openxmlformats.org/drawingml/2006/main" xmlns:r="http://schemas.openxmlformats.org/officeDocument/2006/relationships" xmlns:p="http://schemas.openxmlformats.org/presentationml/2006/main">
+  <p:cSld>
+    <p:spTree>
+      <p:nvGrpSpPr>
+        <p:cNvPr id="1" name=""/>
+        <p:cNvGrpSpPr/>
+        <p:nvPr/>
+      </p:nvGrpSpPr>
+      <p:grpSpPr>
+        <a:xfrm>
+          <a:off x="0" y="0"/>
+          <a:ext cx="0" cy="0"/>
+          <a:chOff x="0" y="0"/>
+          <a:chExt cx="0" cy="0"/>
+        </a:xfrm>
+      </p:grpSpPr>
+      <p:pic>
+        <p:nvPicPr>
+          <p:cNvPr id="1026" name="Picture 2">
+            <a:extLst>
+              <a:ext uri="{FF2B5EF4-FFF2-40B4-BE49-F238E27FC236}">
+                <a16:creationId xmlns:a16="http://schemas.microsoft.com/office/drawing/2014/main" id="{F4D1304A-C342-4399-894B-DB0585755794}"/>
+              </a:ext>
+            </a:extLst>
+          </p:cNvPr>
+          <p:cNvPicPr>
+            <a:picLocks noChangeAspect="1" noChangeArrowheads="1"/>
+          </p:cNvPicPr>
+          <p:nvPr/>
+        </p:nvPicPr>
+        <p:blipFill rotWithShape="1">
+          <a:blip r:embed="rId2">
+            <a:extLst>
+              <a:ext uri="{28A0092B-C50C-407E-A947-70E740481C1C}">
+                <a14:useLocalDpi xmlns:a14="http://schemas.microsoft.com/office/drawing/2010/main" val="0"/>
+              </a:ext>
+            </a:extLst>
+          </a:blip>
+          <a:srcRect l="6466" t="-120" r="12716"/>
+          <a:stretch/>
+        </p:blipFill>
+        <p:spPr bwMode="auto">
+          <a:xfrm>
+            <a:off x="788275" y="536027"/>
+            <a:ext cx="9853449" cy="5777461"/>
+          </a:xfrm>
+          <a:prstGeom prst="rect">
+            <a:avLst/>
+          </a:prstGeom>
+          <a:noFill/>
+          <a:extLst>
+            <a:ext uri="{909E8E84-426E-40DD-AFC4-6F175D3DCCD1}">
+              <a14:hiddenFill xmlns:a14="http://schemas.microsoft.com/office/drawing/2010/main">
+                <a:solidFill>
+                  <a:srgbClr val="FFFFFF"/>
+                </a:solidFill>
+              </a14:hiddenFill>
+            </a:ext>
+          </a:extLst>
+        </p:spPr>
+      </p:pic>
+    </p:spTree>
+    <p:extLst>
+      <p:ext uri="{BB962C8B-B14F-4D97-AF65-F5344CB8AC3E}">
+        <p14:creationId xmlns:p14="http://schemas.microsoft.com/office/powerpoint/2010/main" val="3908876241"/>
+      </p:ext>
+    </p:extLst>
+  </p:cSld>
+  <p:clrMapOvr>
+    <a:masterClrMapping/>
+  </p:clrMapOvr>
+</p:sld>
+</file>
+
+<file path=ppt/slides/slide14.xml><?xml version="1.0" encoding="utf-8"?>
 <p:sld xmlns:a="http://schemas.openxmlformats.org/drawingml/2006/main" xmlns:r="http://schemas.openxmlformats.org/officeDocument/2006/relationships" xmlns:p="http://schemas.openxmlformats.org/presentationml/2006/main">
   <p:cSld>
     <p:spTree>
@@ -4957,7 +5261,7 @@
 </p:sld>
 </file>
 
-<file path=ppt/slides/slide11.xml><?xml version="1.0" encoding="utf-8"?>
+<file path=ppt/slides/slide15.xml><?xml version="1.0" encoding="utf-8"?>
 <p:sld xmlns:a="http://schemas.openxmlformats.org/drawingml/2006/main" xmlns:r="http://schemas.openxmlformats.org/officeDocument/2006/relationships" xmlns:p="http://schemas.openxmlformats.org/presentationml/2006/main">
   <p:cSld>
     <p:spTree>
@@ -6290,7 +6594,7 @@
 </p:sld>
 </file>
 
-<file path=ppt/slides/slide12.xml><?xml version="1.0" encoding="utf-8"?>
+<file path=ppt/slides/slide16.xml><?xml version="1.0" encoding="utf-8"?>
 <p:sld xmlns:a="http://schemas.openxmlformats.org/drawingml/2006/main" xmlns:r="http://schemas.openxmlformats.org/officeDocument/2006/relationships" xmlns:p="http://schemas.openxmlformats.org/presentationml/2006/main">
   <p:cSld>
     <p:spTree>
@@ -6928,7 +7232,7 @@
 </p:sld>
 </file>
 
-<file path=ppt/slides/slide13.xml><?xml version="1.0" encoding="utf-8"?>
+<file path=ppt/slides/slide17.xml><?xml version="1.0" encoding="utf-8"?>
 <p:sld xmlns:a="http://schemas.openxmlformats.org/drawingml/2006/main" xmlns:r="http://schemas.openxmlformats.org/officeDocument/2006/relationships" xmlns:p="http://schemas.openxmlformats.org/presentationml/2006/main">
   <p:cSld>
     <p:spTree>
@@ -7473,7 +7777,7 @@
 </p:sld>
 </file>
 
-<file path=ppt/slides/slide14.xml><?xml version="1.0" encoding="utf-8"?>
+<file path=ppt/slides/slide18.xml><?xml version="1.0" encoding="utf-8"?>
 <p:sld xmlns:a="http://schemas.openxmlformats.org/drawingml/2006/main" xmlns:r="http://schemas.openxmlformats.org/officeDocument/2006/relationships" xmlns:p="http://schemas.openxmlformats.org/presentationml/2006/main">
   <p:cSld>
     <p:spTree>
@@ -15308,7 +15612,7 @@
 </p:sld>
 </file>
 
-<file path=ppt/slides/slide15.xml><?xml version="1.0" encoding="utf-8"?>
+<file path=ppt/slides/slide19.xml><?xml version="1.0" encoding="utf-8"?>
 <p:sld xmlns:a="http://schemas.openxmlformats.org/drawingml/2006/main" xmlns:r="http://schemas.openxmlformats.org/officeDocument/2006/relationships" xmlns:p="http://schemas.openxmlformats.org/presentationml/2006/main">
   <p:cSld>
     <p:spTree>
@@ -16507,7 +16811,139 @@
 </p:sld>
 </file>
 
-<file path=ppt/slides/slide16.xml><?xml version="1.0" encoding="utf-8"?>
+<file path=ppt/slides/slide2.xml><?xml version="1.0" encoding="utf-8"?>
+<p:sld xmlns:a="http://schemas.openxmlformats.org/drawingml/2006/main" xmlns:r="http://schemas.openxmlformats.org/officeDocument/2006/relationships" xmlns:p="http://schemas.openxmlformats.org/presentationml/2006/main">
+  <p:cSld>
+    <p:spTree>
+      <p:nvGrpSpPr>
+        <p:cNvPr id="1" name=""/>
+        <p:cNvGrpSpPr/>
+        <p:nvPr/>
+      </p:nvGrpSpPr>
+      <p:grpSpPr>
+        <a:xfrm>
+          <a:off x="0" y="0"/>
+          <a:ext cx="0" cy="0"/>
+          <a:chOff x="0" y="0"/>
+          <a:chExt cx="0" cy="0"/>
+        </a:xfrm>
+      </p:grpSpPr>
+      <p:sp>
+        <p:nvSpPr>
+          <p:cNvPr id="2" name="Title 1">
+            <a:extLst>
+              <a:ext uri="{FF2B5EF4-FFF2-40B4-BE49-F238E27FC236}">
+                <a16:creationId xmlns:a16="http://schemas.microsoft.com/office/drawing/2014/main" id="{948F647D-D54D-4DF2-A38D-967947962FAC}"/>
+              </a:ext>
+            </a:extLst>
+          </p:cNvPr>
+          <p:cNvSpPr>
+            <a:spLocks noGrp="1"/>
+          </p:cNvSpPr>
+          <p:nvPr>
+            <p:ph type="title"/>
+          </p:nvPr>
+        </p:nvSpPr>
+        <p:spPr>
+          <a:xfrm>
+            <a:off x="838200" y="365125"/>
+            <a:ext cx="10515600" cy="1635953"/>
+          </a:xfrm>
+        </p:spPr>
+        <p:txBody>
+          <a:bodyPr/>
+          <a:lstStyle/>
+          <a:p>
+            <a:pPr algn="ctr"/>
+            <a:r>
+              <a:rPr lang="en-US" dirty="0">
+                <a:latin typeface="Calibri Body"/>
+              </a:rPr>
+              <a:t>Student with no personal computer</a:t>
+            </a:r>
+            <a:endParaRPr lang="en-PH" dirty="0">
+              <a:latin typeface="Calibri Body"/>
+            </a:endParaRPr>
+          </a:p>
+        </p:txBody>
+      </p:sp>
+      <p:sp>
+        <p:nvSpPr>
+          <p:cNvPr id="3" name="Content Placeholder 2">
+            <a:extLst>
+              <a:ext uri="{FF2B5EF4-FFF2-40B4-BE49-F238E27FC236}">
+                <a16:creationId xmlns:a16="http://schemas.microsoft.com/office/drawing/2014/main" id="{57A4E801-80C3-4DF7-B714-A2A199140F76}"/>
+              </a:ext>
+            </a:extLst>
+          </p:cNvPr>
+          <p:cNvSpPr>
+            <a:spLocks noGrp="1"/>
+          </p:cNvSpPr>
+          <p:nvPr>
+            <p:ph idx="1"/>
+          </p:nvPr>
+        </p:nvSpPr>
+        <p:spPr>
+          <a:xfrm>
+            <a:off x="838200" y="2223189"/>
+            <a:ext cx="10515600" cy="3740289"/>
+          </a:xfrm>
+        </p:spPr>
+        <p:txBody>
+          <a:bodyPr>
+            <a:normAutofit/>
+          </a:bodyPr>
+          <a:lstStyle/>
+          <a:p>
+            <a:pPr marL="0" indent="0">
+              <a:buNone/>
+            </a:pPr>
+            <a:r>
+              <a:rPr lang="en-PH" sz="4400" dirty="0"/>
+              <a:t>Problem</a:t>
+            </a:r>
+          </a:p>
+          <a:p>
+            <a:r>
+              <a:rPr lang="en-US" dirty="0"/>
+              <a:t>Students doesn’t have their own personal computer to work with their assignments and projects.</a:t>
+            </a:r>
+          </a:p>
+          <a:p>
+            <a:r>
+              <a:rPr lang="en-US" dirty="0"/>
+              <a:t>They always do their work in other computers.</a:t>
+            </a:r>
+          </a:p>
+          <a:p>
+            <a:r>
+              <a:rPr lang="en-US" dirty="0"/>
+              <a:t>Go to a computer shop to rent a computer.</a:t>
+            </a:r>
+          </a:p>
+          <a:p>
+            <a:r>
+              <a:rPr lang="en-US" dirty="0"/>
+              <a:t>Expensive computer rent.</a:t>
+            </a:r>
+            <a:endParaRPr lang="en-PH" dirty="0"/>
+          </a:p>
+        </p:txBody>
+      </p:sp>
+    </p:spTree>
+    <p:extLst>
+      <p:ext uri="{BB962C8B-B14F-4D97-AF65-F5344CB8AC3E}">
+        <p14:creationId xmlns:p14="http://schemas.microsoft.com/office/powerpoint/2010/main" val="2787915146"/>
+      </p:ext>
+    </p:extLst>
+  </p:cSld>
+  <p:clrMapOvr>
+    <a:masterClrMapping/>
+  </p:clrMapOvr>
+</p:sld>
+</file>
+
+<file path=ppt/slides/slide20.xml><?xml version="1.0" encoding="utf-8"?>
 <p:sld xmlns:a="http://schemas.openxmlformats.org/drawingml/2006/main" xmlns:r="http://schemas.openxmlformats.org/officeDocument/2006/relationships" xmlns:p="http://schemas.openxmlformats.org/presentationml/2006/main">
   <p:cSld>
     <p:spTree>
@@ -16689,7 +17125,7 @@
 </p:sld>
 </file>
 
-<file path=ppt/slides/slide17.xml><?xml version="1.0" encoding="utf-8"?>
+<file path=ppt/slides/slide21.xml><?xml version="1.0" encoding="utf-8"?>
 <p:sld xmlns:a="http://schemas.openxmlformats.org/drawingml/2006/main" xmlns:r="http://schemas.openxmlformats.org/officeDocument/2006/relationships" xmlns:p="http://schemas.openxmlformats.org/presentationml/2006/main">
   <p:cSld>
     <p:spTree>
@@ -16828,7 +17264,7 @@
 </p:sld>
 </file>
 
-<file path=ppt/slides/slide18.xml><?xml version="1.0" encoding="utf-8"?>
+<file path=ppt/slides/slide22.xml><?xml version="1.0" encoding="utf-8"?>
 <p:sld xmlns:a="http://schemas.openxmlformats.org/drawingml/2006/main" xmlns:r="http://schemas.openxmlformats.org/officeDocument/2006/relationships" xmlns:p="http://schemas.openxmlformats.org/presentationml/2006/main">
   <p:cSld>
     <p:spTree>
@@ -16885,138 +17321,6 @@
     <p:extLst>
       <p:ext uri="{BB962C8B-B14F-4D97-AF65-F5344CB8AC3E}">
         <p14:creationId xmlns:p14="http://schemas.microsoft.com/office/powerpoint/2010/main" val="3565905582"/>
-      </p:ext>
-    </p:extLst>
-  </p:cSld>
-  <p:clrMapOvr>
-    <a:masterClrMapping/>
-  </p:clrMapOvr>
-</p:sld>
-</file>
-
-<file path=ppt/slides/slide2.xml><?xml version="1.0" encoding="utf-8"?>
-<p:sld xmlns:a="http://schemas.openxmlformats.org/drawingml/2006/main" xmlns:r="http://schemas.openxmlformats.org/officeDocument/2006/relationships" xmlns:p="http://schemas.openxmlformats.org/presentationml/2006/main">
-  <p:cSld>
-    <p:spTree>
-      <p:nvGrpSpPr>
-        <p:cNvPr id="1" name=""/>
-        <p:cNvGrpSpPr/>
-        <p:nvPr/>
-      </p:nvGrpSpPr>
-      <p:grpSpPr>
-        <a:xfrm>
-          <a:off x="0" y="0"/>
-          <a:ext cx="0" cy="0"/>
-          <a:chOff x="0" y="0"/>
-          <a:chExt cx="0" cy="0"/>
-        </a:xfrm>
-      </p:grpSpPr>
-      <p:sp>
-        <p:nvSpPr>
-          <p:cNvPr id="2" name="Title 1">
-            <a:extLst>
-              <a:ext uri="{FF2B5EF4-FFF2-40B4-BE49-F238E27FC236}">
-                <a16:creationId xmlns:a16="http://schemas.microsoft.com/office/drawing/2014/main" id="{948F647D-D54D-4DF2-A38D-967947962FAC}"/>
-              </a:ext>
-            </a:extLst>
-          </p:cNvPr>
-          <p:cNvSpPr>
-            <a:spLocks noGrp="1"/>
-          </p:cNvSpPr>
-          <p:nvPr>
-            <p:ph type="title"/>
-          </p:nvPr>
-        </p:nvSpPr>
-        <p:spPr>
-          <a:xfrm>
-            <a:off x="838200" y="365125"/>
-            <a:ext cx="10515600" cy="1635953"/>
-          </a:xfrm>
-        </p:spPr>
-        <p:txBody>
-          <a:bodyPr/>
-          <a:lstStyle/>
-          <a:p>
-            <a:pPr algn="ctr"/>
-            <a:r>
-              <a:rPr lang="en-US" dirty="0">
-                <a:latin typeface="Calibri Body"/>
-              </a:rPr>
-              <a:t>Student with no personal computer</a:t>
-            </a:r>
-            <a:endParaRPr lang="en-PH" dirty="0">
-              <a:latin typeface="Calibri Body"/>
-            </a:endParaRPr>
-          </a:p>
-        </p:txBody>
-      </p:sp>
-      <p:sp>
-        <p:nvSpPr>
-          <p:cNvPr id="3" name="Content Placeholder 2">
-            <a:extLst>
-              <a:ext uri="{FF2B5EF4-FFF2-40B4-BE49-F238E27FC236}">
-                <a16:creationId xmlns:a16="http://schemas.microsoft.com/office/drawing/2014/main" id="{57A4E801-80C3-4DF7-B714-A2A199140F76}"/>
-              </a:ext>
-            </a:extLst>
-          </p:cNvPr>
-          <p:cNvSpPr>
-            <a:spLocks noGrp="1"/>
-          </p:cNvSpPr>
-          <p:nvPr>
-            <p:ph idx="1"/>
-          </p:nvPr>
-        </p:nvSpPr>
-        <p:spPr>
-          <a:xfrm>
-            <a:off x="838200" y="2223189"/>
-            <a:ext cx="10515600" cy="3740289"/>
-          </a:xfrm>
-        </p:spPr>
-        <p:txBody>
-          <a:bodyPr>
-            <a:normAutofit/>
-          </a:bodyPr>
-          <a:lstStyle/>
-          <a:p>
-            <a:pPr marL="0" indent="0">
-              <a:buNone/>
-            </a:pPr>
-            <a:r>
-              <a:rPr lang="en-PH" sz="4400" dirty="0"/>
-              <a:t>Problem</a:t>
-            </a:r>
-          </a:p>
-          <a:p>
-            <a:r>
-              <a:rPr lang="en-US" dirty="0"/>
-              <a:t>Students doesn’t have their own personal computer to work with their assignments and projects.</a:t>
-            </a:r>
-          </a:p>
-          <a:p>
-            <a:r>
-              <a:rPr lang="en-US" dirty="0"/>
-              <a:t>They always do their work in other computers.</a:t>
-            </a:r>
-          </a:p>
-          <a:p>
-            <a:r>
-              <a:rPr lang="en-US" dirty="0"/>
-              <a:t>Go to a computer shop to rent a computer.</a:t>
-            </a:r>
-          </a:p>
-          <a:p>
-            <a:r>
-              <a:rPr lang="en-US" dirty="0"/>
-              <a:t>Expensive computer rent.</a:t>
-            </a:r>
-            <a:endParaRPr lang="en-PH" dirty="0"/>
-          </a:p>
-        </p:txBody>
-      </p:sp>
-    </p:spTree>
-    <p:extLst>
-      <p:ext uri="{BB962C8B-B14F-4D97-AF65-F5344CB8AC3E}">
-        <p14:creationId xmlns:p14="http://schemas.microsoft.com/office/powerpoint/2010/main" val="2787915146"/>
       </p:ext>
     </p:extLst>
   </p:cSld>
@@ -18114,6 +18418,15 @@
 </file>
 
 <file path=customXml/item1.xml><?xml version="1.0" encoding="utf-8"?>
+<?mso-contentType ?>
+<FormTemplates xmlns="http://schemas.microsoft.com/sharepoint/v3/contenttype/forms">
+  <Display>DocumentLibraryForm</Display>
+  <Edit>DocumentLibraryForm</Edit>
+  <New>DocumentLibraryForm</New>
+</FormTemplates>
+</file>
+
+<file path=customXml/item2.xml><?xml version="1.0" encoding="utf-8"?>
 <ct:contentTypeSchema xmlns:ct="http://schemas.microsoft.com/office/2006/metadata/contentType" xmlns:ma="http://schemas.microsoft.com/office/2006/metadata/properties/metaAttributes" ct:_="" ma:_="" ma:contentTypeName="Document" ma:contentTypeID="0x0101003DA88DB85B4E8D4084484328911618A8" ma:contentTypeVersion="5" ma:contentTypeDescription="Create a new document." ma:contentTypeScope="" ma:versionID="1630f269bc344f605b1569b6759cf365">
   <xsd:schema xmlns:xsd="http://www.w3.org/2001/XMLSchema" xmlns:xs="http://www.w3.org/2001/XMLSchema" xmlns:p="http://schemas.microsoft.com/office/2006/metadata/properties" xmlns:ns3="fdade5d6-c01e-48ba-acc4-02ddfa9d7bb6" xmlns:ns4="795da99e-ba84-4562-a176-4f9db8050bfa" targetNamespace="http://schemas.microsoft.com/office/2006/metadata/properties" ma:root="true" ma:fieldsID="05147003163e0c2ee77fc0457ca6abd6" ns3:_="" ns4:_="">
     <xsd:import namespace="fdade5d6-c01e-48ba-acc4-02ddfa9d7bb6"/>
@@ -18284,15 +18597,6 @@
 </ct:contentTypeSchema>
 </file>
 
-<file path=customXml/item2.xml><?xml version="1.0" encoding="utf-8"?>
-<?mso-contentType ?>
-<FormTemplates xmlns="http://schemas.microsoft.com/sharepoint/v3/contenttype/forms">
-  <Display>DocumentLibraryForm</Display>
-  <Edit>DocumentLibraryForm</Edit>
-  <New>DocumentLibraryForm</New>
-</FormTemplates>
-</file>
-
 <file path=customXml/item3.xml><?xml version="1.0" encoding="utf-8"?>
 <p:properties xmlns:p="http://schemas.microsoft.com/office/2006/metadata/properties" xmlns:xsi="http://www.w3.org/2001/XMLSchema-instance" xmlns:pc="http://schemas.microsoft.com/office/infopath/2007/PartnerControls">
   <documentManagement/>
@@ -18300,6 +18604,14 @@
 </file>
 
 <file path=customXml/itemProps1.xml><?xml version="1.0" encoding="utf-8"?>
+<ds:datastoreItem xmlns:ds="http://schemas.openxmlformats.org/officeDocument/2006/customXml" ds:itemID="{D7EDC7EB-0DC1-44C1-867C-7EF6FE677BC5}">
+  <ds:schemaRefs>
+    <ds:schemaRef ds:uri="http://schemas.microsoft.com/sharepoint/v3/contenttype/forms"/>
+  </ds:schemaRefs>
+</ds:datastoreItem>
+</file>
+
+<file path=customXml/itemProps2.xml><?xml version="1.0" encoding="utf-8"?>
 <ds:datastoreItem xmlns:ds="http://schemas.openxmlformats.org/officeDocument/2006/customXml" ds:itemID="{8ED7CC43-5202-4B7A-8202-CDA66FD5A2B4}">
   <ds:schemaRefs>
     <ds:schemaRef ds:uri="http://schemas.microsoft.com/office/2006/metadata/contentType"/>
@@ -18314,14 +18626,6 @@
     <ds:schemaRef ds:uri="http://purl.org/dc/elements/1.1/"/>
     <ds:schemaRef ds:uri="http://purl.org/dc/terms/"/>
     <ds:schemaRef ds:uri="http://schemas.microsoft.com/internal/obd"/>
-  </ds:schemaRefs>
-</ds:datastoreItem>
-</file>
-
-<file path=customXml/itemProps2.xml><?xml version="1.0" encoding="utf-8"?>
-<ds:datastoreItem xmlns:ds="http://schemas.openxmlformats.org/officeDocument/2006/customXml" ds:itemID="{D7EDC7EB-0DC1-44C1-867C-7EF6FE677BC5}">
-  <ds:schemaRefs>
-    <ds:schemaRef ds:uri="http://schemas.microsoft.com/sharepoint/v3/contenttype/forms"/>
   </ds:schemaRefs>
 </ds:datastoreItem>
 </file>

--- a/userdes.pptx
+++ b/userdes.pptx
@@ -10,8 +10,8 @@
     <p:sldId id="261" r:id="rId7"/>
     <p:sldId id="262" r:id="rId8"/>
     <p:sldId id="263" r:id="rId9"/>
-    <p:sldId id="267" r:id="rId10"/>
-    <p:sldId id="270" r:id="rId11"/>
+    <p:sldId id="270" r:id="rId10"/>
+    <p:sldId id="267" r:id="rId11"/>
     <p:sldId id="266" r:id="rId12"/>
     <p:sldId id="268" r:id="rId13"/>
     <p:sldId id="281" r:id="rId14"/>
@@ -282,7 +282,7 @@
           <a:p>
             <a:fld id="{12A9C0E6-86DB-4A33-A939-551AD288B0D1}" type="datetimeFigureOut">
               <a:rPr lang="en-PH" smtClean="0"/>
-              <a:t>19/09/2019</a:t>
+              <a:t>20/09/2019</a:t>
             </a:fld>
             <a:endParaRPr lang="en-PH"/>
           </a:p>
@@ -482,7 +482,7 @@
           <a:p>
             <a:fld id="{12A9C0E6-86DB-4A33-A939-551AD288B0D1}" type="datetimeFigureOut">
               <a:rPr lang="en-PH" smtClean="0"/>
-              <a:t>19/09/2019</a:t>
+              <a:t>20/09/2019</a:t>
             </a:fld>
             <a:endParaRPr lang="en-PH"/>
           </a:p>
@@ -692,7 +692,7 @@
           <a:p>
             <a:fld id="{12A9C0E6-86DB-4A33-A939-551AD288B0D1}" type="datetimeFigureOut">
               <a:rPr lang="en-PH" smtClean="0"/>
-              <a:t>19/09/2019</a:t>
+              <a:t>20/09/2019</a:t>
             </a:fld>
             <a:endParaRPr lang="en-PH"/>
           </a:p>
@@ -892,7 +892,7 @@
           <a:p>
             <a:fld id="{12A9C0E6-86DB-4A33-A939-551AD288B0D1}" type="datetimeFigureOut">
               <a:rPr lang="en-PH" smtClean="0"/>
-              <a:t>19/09/2019</a:t>
+              <a:t>20/09/2019</a:t>
             </a:fld>
             <a:endParaRPr lang="en-PH"/>
           </a:p>
@@ -1168,7 +1168,7 @@
           <a:p>
             <a:fld id="{12A9C0E6-86DB-4A33-A939-551AD288B0D1}" type="datetimeFigureOut">
               <a:rPr lang="en-PH" smtClean="0"/>
-              <a:t>19/09/2019</a:t>
+              <a:t>20/09/2019</a:t>
             </a:fld>
             <a:endParaRPr lang="en-PH"/>
           </a:p>
@@ -1436,7 +1436,7 @@
           <a:p>
             <a:fld id="{12A9C0E6-86DB-4A33-A939-551AD288B0D1}" type="datetimeFigureOut">
               <a:rPr lang="en-PH" smtClean="0"/>
-              <a:t>19/09/2019</a:t>
+              <a:t>20/09/2019</a:t>
             </a:fld>
             <a:endParaRPr lang="en-PH"/>
           </a:p>
@@ -1851,7 +1851,7 @@
           <a:p>
             <a:fld id="{12A9C0E6-86DB-4A33-A939-551AD288B0D1}" type="datetimeFigureOut">
               <a:rPr lang="en-PH" smtClean="0"/>
-              <a:t>19/09/2019</a:t>
+              <a:t>20/09/2019</a:t>
             </a:fld>
             <a:endParaRPr lang="en-PH"/>
           </a:p>
@@ -1993,7 +1993,7 @@
           <a:p>
             <a:fld id="{12A9C0E6-86DB-4A33-A939-551AD288B0D1}" type="datetimeFigureOut">
               <a:rPr lang="en-PH" smtClean="0"/>
-              <a:t>19/09/2019</a:t>
+              <a:t>20/09/2019</a:t>
             </a:fld>
             <a:endParaRPr lang="en-PH"/>
           </a:p>
@@ -2106,7 +2106,7 @@
           <a:p>
             <a:fld id="{12A9C0E6-86DB-4A33-A939-551AD288B0D1}" type="datetimeFigureOut">
               <a:rPr lang="en-PH" smtClean="0"/>
-              <a:t>19/09/2019</a:t>
+              <a:t>20/09/2019</a:t>
             </a:fld>
             <a:endParaRPr lang="en-PH"/>
           </a:p>
@@ -2419,7 +2419,7 @@
           <a:p>
             <a:fld id="{12A9C0E6-86DB-4A33-A939-551AD288B0D1}" type="datetimeFigureOut">
               <a:rPr lang="en-PH" smtClean="0"/>
-              <a:t>19/09/2019</a:t>
+              <a:t>20/09/2019</a:t>
             </a:fld>
             <a:endParaRPr lang="en-PH"/>
           </a:p>
@@ -2708,7 +2708,7 @@
           <a:p>
             <a:fld id="{12A9C0E6-86DB-4A33-A939-551AD288B0D1}" type="datetimeFigureOut">
               <a:rPr lang="en-PH" smtClean="0"/>
-              <a:t>19/09/2019</a:t>
+              <a:t>20/09/2019</a:t>
             </a:fld>
             <a:endParaRPr lang="en-PH"/>
           </a:p>
@@ -2951,7 +2951,7 @@
           <a:p>
             <a:fld id="{12A9C0E6-86DB-4A33-A939-551AD288B0D1}" type="datetimeFigureOut">
               <a:rPr lang="en-PH" smtClean="0"/>
-              <a:t>19/09/2019</a:t>
+              <a:t>20/09/2019</a:t>
             </a:fld>
             <a:endParaRPr lang="en-PH"/>
           </a:p>
@@ -17606,8 +17606,8 @@
         </p:nvSpPr>
         <p:spPr>
           <a:xfrm>
-            <a:off x="507999" y="1741898"/>
-            <a:ext cx="10222753" cy="3899081"/>
+            <a:off x="508000" y="1971902"/>
+            <a:ext cx="10724776" cy="4365747"/>
           </a:xfrm>
           <a:prstGeom prst="rect">
             <a:avLst/>
@@ -17619,44 +17619,136 @@
           </a:bodyPr>
           <a:lstStyle/>
           <a:p>
-            <a:pPr lvl="0">
+            <a:pPr marL="342900" lvl="0" indent="-342900">
               <a:lnSpc>
                 <a:spcPct val="150000"/>
               </a:lnSpc>
               <a:spcAft>
                 <a:spcPts val="800"/>
               </a:spcAft>
+              <a:buFont typeface="Symbol" panose="05050102010706020507" pitchFamily="18" charset="2"/>
+              <a:buChar char=""/>
             </a:pPr>
             <a:r>
-              <a:rPr lang="en-US" sz="2800" dirty="0">
-                <a:effectLst/>
+              <a:rPr lang="en-PH" sz="2000" dirty="0">
                 <a:latin typeface="Tahoma" panose="020B0604030504040204" pitchFamily="34" charset="0"/>
                 <a:ea typeface="Times New Roman" panose="02020603050405020304" pitchFamily="18" charset="0"/>
                 <a:cs typeface="Times New Roman" panose="02020603050405020304" pitchFamily="18" charset="0"/>
               </a:rPr>
-              <a:t>Users </a:t>
+              <a:t>Users prefer cheaper rent prizes than expensive ones especially when there is no need for longer use of computers</a:t>
             </a:r>
-            <a:r>
-              <a:rPr lang="en-US" sz="2800" dirty="0">
+            <a:br>
+              <a:rPr lang="en-PH" sz="2000" dirty="0">
                 <a:latin typeface="Tahoma" panose="020B0604030504040204" pitchFamily="34" charset="0"/>
                 <a:ea typeface="Times New Roman" panose="02020603050405020304" pitchFamily="18" charset="0"/>
                 <a:cs typeface="Times New Roman" panose="02020603050405020304" pitchFamily="18" charset="0"/>
               </a:rPr>
-              <a:t>needs to know what is the open hours of Internet Cafes for they have different time schedules, as well as the availability of Computers inside and its capability to handle the desired work of the users. This is for them to save time and money, because some Cafes demand a high price while having incapable computers.</a:t>
-            </a:r>
-            <a:endParaRPr lang="en-PH" sz="2400" dirty="0">
+            </a:br>
+            <a:endParaRPr lang="en-PH" dirty="0">
               <a:effectLst/>
               <a:latin typeface="Calibri" panose="020F0502020204030204" pitchFamily="34" charset="0"/>
               <a:ea typeface="Times New Roman" panose="02020603050405020304" pitchFamily="18" charset="0"/>
               <a:cs typeface="Times New Roman" panose="02020603050405020304" pitchFamily="18" charset="0"/>
             </a:endParaRPr>
           </a:p>
+          <a:p>
+            <a:pPr marL="342900" lvl="0" indent="-342900">
+              <a:lnSpc>
+                <a:spcPct val="150000"/>
+              </a:lnSpc>
+              <a:spcAft>
+                <a:spcPts val="800"/>
+              </a:spcAft>
+              <a:buFont typeface="Symbol" panose="05050102010706020507" pitchFamily="18" charset="2"/>
+              <a:buChar char=""/>
+            </a:pPr>
+            <a:r>
+              <a:rPr lang="en-PH" sz="2000" dirty="0">
+                <a:latin typeface="Tahoma" panose="020B0604030504040204" pitchFamily="34" charset="0"/>
+                <a:ea typeface="Times New Roman" panose="02020603050405020304" pitchFamily="18" charset="0"/>
+                <a:cs typeface="Times New Roman" panose="02020603050405020304" pitchFamily="18" charset="0"/>
+              </a:rPr>
+              <a:t>Users want to use capable computers to accommodate their works or activities properly</a:t>
+            </a:r>
+            <a:br>
+              <a:rPr lang="en-PH" sz="2000" dirty="0">
+                <a:latin typeface="Tahoma" panose="020B0604030504040204" pitchFamily="34" charset="0"/>
+                <a:ea typeface="Times New Roman" panose="02020603050405020304" pitchFamily="18" charset="0"/>
+                <a:cs typeface="Times New Roman" panose="02020603050405020304" pitchFamily="18" charset="0"/>
+              </a:rPr>
+            </a:br>
+            <a:endParaRPr lang="en-PH" dirty="0">
+              <a:effectLst/>
+              <a:latin typeface="Calibri" panose="020F0502020204030204" pitchFamily="34" charset="0"/>
+              <a:ea typeface="Times New Roman" panose="02020603050405020304" pitchFamily="18" charset="0"/>
+              <a:cs typeface="Times New Roman" panose="02020603050405020304" pitchFamily="18" charset="0"/>
+            </a:endParaRPr>
+          </a:p>
+          <a:p>
+            <a:pPr marL="342900" lvl="0" indent="-342900">
+              <a:lnSpc>
+                <a:spcPct val="150000"/>
+              </a:lnSpc>
+              <a:spcAft>
+                <a:spcPts val="800"/>
+              </a:spcAft>
+              <a:buFont typeface="Symbol" panose="05050102010706020507" pitchFamily="18" charset="2"/>
+              <a:buChar char=""/>
+            </a:pPr>
+            <a:r>
+              <a:rPr lang="en-PH" sz="2000" dirty="0">
+                <a:latin typeface="Tahoma" panose="020B0604030504040204" pitchFamily="34" charset="0"/>
+                <a:ea typeface="Times New Roman" panose="02020603050405020304" pitchFamily="18" charset="0"/>
+                <a:cs typeface="Times New Roman" panose="02020603050405020304" pitchFamily="18" charset="0"/>
+              </a:rPr>
+              <a:t>Users do not want to waste time and want to have easy access to available computers</a:t>
+            </a:r>
+            <a:br>
+              <a:rPr lang="en-PH" sz="2000" dirty="0">
+                <a:latin typeface="Tahoma" panose="020B0604030504040204" pitchFamily="34" charset="0"/>
+                <a:ea typeface="Times New Roman" panose="02020603050405020304" pitchFamily="18" charset="0"/>
+                <a:cs typeface="Times New Roman" panose="02020603050405020304" pitchFamily="18" charset="0"/>
+              </a:rPr>
+            </a:br>
+            <a:endParaRPr lang="en-PH" dirty="0">
+              <a:effectLst/>
+              <a:latin typeface="Calibri" panose="020F0502020204030204" pitchFamily="34" charset="0"/>
+              <a:ea typeface="Times New Roman" panose="02020603050405020304" pitchFamily="18" charset="0"/>
+              <a:cs typeface="Times New Roman" panose="02020603050405020304" pitchFamily="18" charset="0"/>
+            </a:endParaRPr>
+          </a:p>
+          <a:p>
+            <a:pPr marL="342900" lvl="0" indent="-342900">
+              <a:lnSpc>
+                <a:spcPct val="150000"/>
+              </a:lnSpc>
+              <a:spcAft>
+                <a:spcPts val="800"/>
+              </a:spcAft>
+              <a:buFont typeface="Symbol" panose="05050102010706020507" pitchFamily="18" charset="2"/>
+              <a:buChar char=""/>
+            </a:pPr>
+            <a:r>
+              <a:rPr lang="en-US" sz="2000" dirty="0">
+                <a:latin typeface="Tahoma" panose="020B0604030504040204" pitchFamily="34" charset="0"/>
+                <a:ea typeface="Times New Roman" panose="02020603050405020304" pitchFamily="18" charset="0"/>
+                <a:cs typeface="Times New Roman" panose="02020603050405020304" pitchFamily="18" charset="0"/>
+              </a:rPr>
+              <a:t>Users want to know the opening hours of different Internet Cafes due to their different time schedules</a:t>
+            </a:r>
+            <a:endParaRPr lang="en-PH" dirty="0">
+              <a:effectLst/>
+              <a:latin typeface="Calibri" panose="020F0502020204030204" pitchFamily="34" charset="0"/>
+              <a:ea typeface="Times New Roman" panose="02020603050405020304" pitchFamily="18" charset="0"/>
+              <a:cs typeface="Times New Roman" panose="02020603050405020304" pitchFamily="18" charset="0"/>
+            </a:endParaRPr>
+          </a:p>
         </p:txBody>
       </p:sp>
     </p:spTree>
     <p:extLst>
       <p:ext uri="{BB962C8B-B14F-4D97-AF65-F5344CB8AC3E}">
-        <p14:creationId xmlns:p14="http://schemas.microsoft.com/office/powerpoint/2010/main" val="1568577534"/>
+        <p14:creationId xmlns:p14="http://schemas.microsoft.com/office/powerpoint/2010/main" val="2618529223"/>
       </p:ext>
     </p:extLst>
   </p:cSld>
@@ -17713,7 +17805,7 @@
           <a:p>
             <a:r>
               <a:rPr lang="en-PH" sz="4400" b="1" dirty="0"/>
-              <a:t>Point of View</a:t>
+              <a:t>POINT OF VIEW</a:t>
             </a:r>
           </a:p>
         </p:txBody>
@@ -17732,8 +17824,8 @@
         </p:nvSpPr>
         <p:spPr>
           <a:xfrm>
-            <a:off x="508000" y="1971902"/>
-            <a:ext cx="10724776" cy="4365747"/>
+            <a:off x="507999" y="1741898"/>
+            <a:ext cx="10222753" cy="4104265"/>
           </a:xfrm>
           <a:prstGeom prst="rect">
             <a:avLst/>
@@ -17745,136 +17837,70 @@
           </a:bodyPr>
           <a:lstStyle/>
           <a:p>
-            <a:pPr marL="342900" lvl="0" indent="-342900">
+            <a:pPr lvl="0" algn="ctr">
               <a:lnSpc>
                 <a:spcPct val="150000"/>
               </a:lnSpc>
               <a:spcAft>
                 <a:spcPts val="800"/>
               </a:spcAft>
-              <a:buFont typeface="Symbol" panose="05050102010706020507" pitchFamily="18" charset="2"/>
-              <a:buChar char=""/>
             </a:pPr>
             <a:r>
-              <a:rPr lang="en-PH" sz="2000" dirty="0">
+              <a:rPr lang="en-US" sz="2800" dirty="0">
+                <a:effectLst/>
                 <a:latin typeface="Tahoma" panose="020B0604030504040204" pitchFamily="34" charset="0"/>
                 <a:ea typeface="Times New Roman" panose="02020603050405020304" pitchFamily="18" charset="0"/>
                 <a:cs typeface="Times New Roman" panose="02020603050405020304" pitchFamily="18" charset="0"/>
               </a:rPr>
-              <a:t>Users prefer cheaper rent prizes than expensive ones especially when there is no need for longer use of computers</a:t>
+              <a:t>Knowing the important information about internet cafes through mobile devices is recommended by most users especially students.</a:t>
             </a:r>
-            <a:br>
-              <a:rPr lang="en-PH" sz="2000" dirty="0">
-                <a:latin typeface="Tahoma" panose="020B0604030504040204" pitchFamily="34" charset="0"/>
-                <a:ea typeface="Times New Roman" panose="02020603050405020304" pitchFamily="18" charset="0"/>
-                <a:cs typeface="Times New Roman" panose="02020603050405020304" pitchFamily="18" charset="0"/>
-              </a:rPr>
-            </a:br>
-            <a:endParaRPr lang="en-PH" dirty="0">
-              <a:effectLst/>
-              <a:latin typeface="Calibri" panose="020F0502020204030204" pitchFamily="34" charset="0"/>
-              <a:ea typeface="Times New Roman" panose="02020603050405020304" pitchFamily="18" charset="0"/>
-              <a:cs typeface="Times New Roman" panose="02020603050405020304" pitchFamily="18" charset="0"/>
-            </a:endParaRPr>
-          </a:p>
-          <a:p>
-            <a:pPr marL="342900" lvl="0" indent="-342900">
+          </a:p>
+          <a:p>
+            <a:pPr lvl="0" algn="ctr">
               <a:lnSpc>
                 <a:spcPct val="150000"/>
               </a:lnSpc>
               <a:spcAft>
                 <a:spcPts val="800"/>
               </a:spcAft>
-              <a:buFont typeface="Symbol" panose="05050102010706020507" pitchFamily="18" charset="2"/>
-              <a:buChar char=""/>
             </a:pPr>
-            <a:r>
-              <a:rPr lang="en-PH" sz="2000" dirty="0">
-                <a:latin typeface="Tahoma" panose="020B0604030504040204" pitchFamily="34" charset="0"/>
-                <a:ea typeface="Times New Roman" panose="02020603050405020304" pitchFamily="18" charset="0"/>
-                <a:cs typeface="Times New Roman" panose="02020603050405020304" pitchFamily="18" charset="0"/>
-              </a:rPr>
-              <a:t>Users want to use capable computers to accommodate their works or activities properly</a:t>
-            </a:r>
-            <a:br>
-              <a:rPr lang="en-PH" sz="2000" dirty="0">
-                <a:latin typeface="Tahoma" panose="020B0604030504040204" pitchFamily="34" charset="0"/>
-                <a:ea typeface="Times New Roman" panose="02020603050405020304" pitchFamily="18" charset="0"/>
-                <a:cs typeface="Times New Roman" panose="02020603050405020304" pitchFamily="18" charset="0"/>
-              </a:rPr>
-            </a:br>
-            <a:endParaRPr lang="en-PH" dirty="0">
-              <a:effectLst/>
-              <a:latin typeface="Calibri" panose="020F0502020204030204" pitchFamily="34" charset="0"/>
+            <a:endParaRPr lang="en-US" sz="2800" dirty="0">
+              <a:latin typeface="Tahoma" panose="020B0604030504040204" pitchFamily="34" charset="0"/>
               <a:ea typeface="Times New Roman" panose="02020603050405020304" pitchFamily="18" charset="0"/>
               <a:cs typeface="Times New Roman" panose="02020603050405020304" pitchFamily="18" charset="0"/>
             </a:endParaRPr>
           </a:p>
           <a:p>
-            <a:pPr marL="342900" lvl="0" indent="-342900">
+            <a:pPr lvl="0" algn="ctr">
               <a:lnSpc>
                 <a:spcPct val="150000"/>
               </a:lnSpc>
               <a:spcAft>
                 <a:spcPts val="800"/>
               </a:spcAft>
-              <a:buFont typeface="Symbol" panose="05050102010706020507" pitchFamily="18" charset="2"/>
-              <a:buChar char=""/>
             </a:pPr>
             <a:r>
-              <a:rPr lang="en-PH" sz="2000" dirty="0">
+              <a:rPr lang="en-US" sz="2800" dirty="0">
+                <a:effectLst/>
                 <a:latin typeface="Tahoma" panose="020B0604030504040204" pitchFamily="34" charset="0"/>
                 <a:ea typeface="Times New Roman" panose="02020603050405020304" pitchFamily="18" charset="0"/>
                 <a:cs typeface="Times New Roman" panose="02020603050405020304" pitchFamily="18" charset="0"/>
               </a:rPr>
-              <a:t>Users do not want to waste time and want to have easy access to available computers</a:t>
+              <a:t>Having an application to manage the state of computers in internet cafes is a must for internet cafes owners.</a:t>
             </a:r>
-            <a:br>
-              <a:rPr lang="en-PH" sz="2000" dirty="0">
-                <a:latin typeface="Tahoma" panose="020B0604030504040204" pitchFamily="34" charset="0"/>
-                <a:ea typeface="Times New Roman" panose="02020603050405020304" pitchFamily="18" charset="0"/>
-                <a:cs typeface="Times New Roman" panose="02020603050405020304" pitchFamily="18" charset="0"/>
-              </a:rPr>
-            </a:br>
-            <a:endParaRPr lang="en-PH" dirty="0">
+            <a:endParaRPr lang="en-PH" sz="2400" dirty="0">
               <a:effectLst/>
               <a:latin typeface="Calibri" panose="020F0502020204030204" pitchFamily="34" charset="0"/>
               <a:ea typeface="Times New Roman" panose="02020603050405020304" pitchFamily="18" charset="0"/>
               <a:cs typeface="Times New Roman" panose="02020603050405020304" pitchFamily="18" charset="0"/>
             </a:endParaRPr>
           </a:p>
-          <a:p>
-            <a:pPr marL="342900" lvl="0" indent="-342900">
-              <a:lnSpc>
-                <a:spcPct val="150000"/>
-              </a:lnSpc>
-              <a:spcAft>
-                <a:spcPts val="800"/>
-              </a:spcAft>
-              <a:buFont typeface="Symbol" panose="05050102010706020507" pitchFamily="18" charset="2"/>
-              <a:buChar char=""/>
-            </a:pPr>
-            <a:r>
-              <a:rPr lang="en-US" sz="2000" dirty="0">
-                <a:latin typeface="Tahoma" panose="020B0604030504040204" pitchFamily="34" charset="0"/>
-                <a:ea typeface="Times New Roman" panose="02020603050405020304" pitchFamily="18" charset="0"/>
-                <a:cs typeface="Times New Roman" panose="02020603050405020304" pitchFamily="18" charset="0"/>
-              </a:rPr>
-              <a:t>Users want to know the opening hours of different Internet Cafes due to their different time schedules</a:t>
-            </a:r>
-            <a:endParaRPr lang="en-PH" dirty="0">
-              <a:effectLst/>
-              <a:latin typeface="Calibri" panose="020F0502020204030204" pitchFamily="34" charset="0"/>
-              <a:ea typeface="Times New Roman" panose="02020603050405020304" pitchFamily="18" charset="0"/>
-              <a:cs typeface="Times New Roman" panose="02020603050405020304" pitchFamily="18" charset="0"/>
-            </a:endParaRPr>
-          </a:p>
         </p:txBody>
       </p:sp>
     </p:spTree>
     <p:extLst>
       <p:ext uri="{BB962C8B-B14F-4D97-AF65-F5344CB8AC3E}">
-        <p14:creationId xmlns:p14="http://schemas.microsoft.com/office/powerpoint/2010/main" val="2618529223"/>
+        <p14:creationId xmlns:p14="http://schemas.microsoft.com/office/powerpoint/2010/main" val="1568577534"/>
       </p:ext>
     </p:extLst>
   </p:cSld>
@@ -18418,12 +18444,9 @@
 </file>
 
 <file path=customXml/item1.xml><?xml version="1.0" encoding="utf-8"?>
-<?mso-contentType ?>
-<FormTemplates xmlns="http://schemas.microsoft.com/sharepoint/v3/contenttype/forms">
-  <Display>DocumentLibraryForm</Display>
-  <Edit>DocumentLibraryForm</Edit>
-  <New>DocumentLibraryForm</New>
-</FormTemplates>
+<p:properties xmlns:p="http://schemas.microsoft.com/office/2006/metadata/properties" xmlns:xsi="http://www.w3.org/2001/XMLSchema-instance" xmlns:pc="http://schemas.microsoft.com/office/infopath/2007/PartnerControls">
+  <documentManagement/>
+</p:properties>
 </file>
 
 <file path=customXml/item2.xml><?xml version="1.0" encoding="utf-8"?>
@@ -18598,15 +18621,27 @@
 </file>
 
 <file path=customXml/item3.xml><?xml version="1.0" encoding="utf-8"?>
-<p:properties xmlns:p="http://schemas.microsoft.com/office/2006/metadata/properties" xmlns:xsi="http://www.w3.org/2001/XMLSchema-instance" xmlns:pc="http://schemas.microsoft.com/office/infopath/2007/PartnerControls">
-  <documentManagement/>
-</p:properties>
+<?mso-contentType ?>
+<FormTemplates xmlns="http://schemas.microsoft.com/sharepoint/v3/contenttype/forms">
+  <Display>DocumentLibraryForm</Display>
+  <Edit>DocumentLibraryForm</Edit>
+  <New>DocumentLibraryForm</New>
+</FormTemplates>
 </file>
 
 <file path=customXml/itemProps1.xml><?xml version="1.0" encoding="utf-8"?>
-<ds:datastoreItem xmlns:ds="http://schemas.openxmlformats.org/officeDocument/2006/customXml" ds:itemID="{D7EDC7EB-0DC1-44C1-867C-7EF6FE677BC5}">
+<ds:datastoreItem xmlns:ds="http://schemas.openxmlformats.org/officeDocument/2006/customXml" ds:itemID="{8C47A13B-D867-4692-B527-F6C7A8158F04}">
   <ds:schemaRefs>
-    <ds:schemaRef ds:uri="http://schemas.microsoft.com/sharepoint/v3/contenttype/forms"/>
+    <ds:schemaRef ds:uri="http://www.w3.org/XML/1998/namespace"/>
+    <ds:schemaRef ds:uri="http://schemas.openxmlformats.org/package/2006/metadata/core-properties"/>
+    <ds:schemaRef ds:uri="http://purl.org/dc/dcmitype/"/>
+    <ds:schemaRef ds:uri="http://schemas.microsoft.com/office/2006/documentManagement/types"/>
+    <ds:schemaRef ds:uri="http://purl.org/dc/terms/"/>
+    <ds:schemaRef ds:uri="http://schemas.microsoft.com/office/infopath/2007/PartnerControls"/>
+    <ds:schemaRef ds:uri="fdade5d6-c01e-48ba-acc4-02ddfa9d7bb6"/>
+    <ds:schemaRef ds:uri="795da99e-ba84-4562-a176-4f9db8050bfa"/>
+    <ds:schemaRef ds:uri="http://schemas.microsoft.com/office/2006/metadata/properties"/>
+    <ds:schemaRef ds:uri="http://purl.org/dc/elements/1.1/"/>
   </ds:schemaRefs>
 </ds:datastoreItem>
 </file>
@@ -18631,18 +18666,9 @@
 </file>
 
 <file path=customXml/itemProps3.xml><?xml version="1.0" encoding="utf-8"?>
-<ds:datastoreItem xmlns:ds="http://schemas.openxmlformats.org/officeDocument/2006/customXml" ds:itemID="{8C47A13B-D867-4692-B527-F6C7A8158F04}">
+<ds:datastoreItem xmlns:ds="http://schemas.openxmlformats.org/officeDocument/2006/customXml" ds:itemID="{D7EDC7EB-0DC1-44C1-867C-7EF6FE677BC5}">
   <ds:schemaRefs>
-    <ds:schemaRef ds:uri="http://www.w3.org/XML/1998/namespace"/>
-    <ds:schemaRef ds:uri="http://schemas.openxmlformats.org/package/2006/metadata/core-properties"/>
-    <ds:schemaRef ds:uri="http://purl.org/dc/dcmitype/"/>
-    <ds:schemaRef ds:uri="http://schemas.microsoft.com/office/2006/documentManagement/types"/>
-    <ds:schemaRef ds:uri="http://purl.org/dc/terms/"/>
-    <ds:schemaRef ds:uri="http://schemas.microsoft.com/office/infopath/2007/PartnerControls"/>
-    <ds:schemaRef ds:uri="fdade5d6-c01e-48ba-acc4-02ddfa9d7bb6"/>
-    <ds:schemaRef ds:uri="795da99e-ba84-4562-a176-4f9db8050bfa"/>
-    <ds:schemaRef ds:uri="http://schemas.microsoft.com/office/2006/metadata/properties"/>
-    <ds:schemaRef ds:uri="http://purl.org/dc/elements/1.1/"/>
+    <ds:schemaRef ds:uri="http://schemas.microsoft.com/sharepoint/v3/contenttype/forms"/>
   </ds:schemaRefs>
 </ds:datastoreItem>
 </file>
--- a/userdes.pptx
+++ b/userdes.pptx
@@ -24,9 +24,13 @@
     <p:sldId id="276" r:id="rId21"/>
     <p:sldId id="277" r:id="rId22"/>
     <p:sldId id="278" r:id="rId23"/>
-    <p:sldId id="271" r:id="rId24"/>
-    <p:sldId id="272" r:id="rId25"/>
-    <p:sldId id="269" r:id="rId26"/>
+    <p:sldId id="284" r:id="rId24"/>
+    <p:sldId id="283" r:id="rId25"/>
+    <p:sldId id="285" r:id="rId26"/>
+    <p:sldId id="271" r:id="rId27"/>
+    <p:sldId id="272" r:id="rId28"/>
+    <p:sldId id="286" r:id="rId29"/>
+    <p:sldId id="269" r:id="rId30"/>
   </p:sldIdLst>
   <p:sldSz cx="12192000" cy="6858000"/>
   <p:notesSz cx="6858000" cy="9144000"/>
@@ -282,7 +286,7 @@
           <a:p>
             <a:fld id="{12A9C0E6-86DB-4A33-A939-551AD288B0D1}" type="datetimeFigureOut">
               <a:rPr lang="en-PH" smtClean="0"/>
-              <a:t>20/09/2019</a:t>
+              <a:t>23/09/2019</a:t>
             </a:fld>
             <a:endParaRPr lang="en-PH"/>
           </a:p>
@@ -482,7 +486,7 @@
           <a:p>
             <a:fld id="{12A9C0E6-86DB-4A33-A939-551AD288B0D1}" type="datetimeFigureOut">
               <a:rPr lang="en-PH" smtClean="0"/>
-              <a:t>20/09/2019</a:t>
+              <a:t>23/09/2019</a:t>
             </a:fld>
             <a:endParaRPr lang="en-PH"/>
           </a:p>
@@ -692,7 +696,7 @@
           <a:p>
             <a:fld id="{12A9C0E6-86DB-4A33-A939-551AD288B0D1}" type="datetimeFigureOut">
               <a:rPr lang="en-PH" smtClean="0"/>
-              <a:t>20/09/2019</a:t>
+              <a:t>23/09/2019</a:t>
             </a:fld>
             <a:endParaRPr lang="en-PH"/>
           </a:p>
@@ -892,7 +896,7 @@
           <a:p>
             <a:fld id="{12A9C0E6-86DB-4A33-A939-551AD288B0D1}" type="datetimeFigureOut">
               <a:rPr lang="en-PH" smtClean="0"/>
-              <a:t>20/09/2019</a:t>
+              <a:t>23/09/2019</a:t>
             </a:fld>
             <a:endParaRPr lang="en-PH"/>
           </a:p>
@@ -1168,7 +1172,7 @@
           <a:p>
             <a:fld id="{12A9C0E6-86DB-4A33-A939-551AD288B0D1}" type="datetimeFigureOut">
               <a:rPr lang="en-PH" smtClean="0"/>
-              <a:t>20/09/2019</a:t>
+              <a:t>23/09/2019</a:t>
             </a:fld>
             <a:endParaRPr lang="en-PH"/>
           </a:p>
@@ -1436,7 +1440,7 @@
           <a:p>
             <a:fld id="{12A9C0E6-86DB-4A33-A939-551AD288B0D1}" type="datetimeFigureOut">
               <a:rPr lang="en-PH" smtClean="0"/>
-              <a:t>20/09/2019</a:t>
+              <a:t>23/09/2019</a:t>
             </a:fld>
             <a:endParaRPr lang="en-PH"/>
           </a:p>
@@ -1851,7 +1855,7 @@
           <a:p>
             <a:fld id="{12A9C0E6-86DB-4A33-A939-551AD288B0D1}" type="datetimeFigureOut">
               <a:rPr lang="en-PH" smtClean="0"/>
-              <a:t>20/09/2019</a:t>
+              <a:t>23/09/2019</a:t>
             </a:fld>
             <a:endParaRPr lang="en-PH"/>
           </a:p>
@@ -1993,7 +1997,7 @@
           <a:p>
             <a:fld id="{12A9C0E6-86DB-4A33-A939-551AD288B0D1}" type="datetimeFigureOut">
               <a:rPr lang="en-PH" smtClean="0"/>
-              <a:t>20/09/2019</a:t>
+              <a:t>23/09/2019</a:t>
             </a:fld>
             <a:endParaRPr lang="en-PH"/>
           </a:p>
@@ -2106,7 +2110,7 @@
           <a:p>
             <a:fld id="{12A9C0E6-86DB-4A33-A939-551AD288B0D1}" type="datetimeFigureOut">
               <a:rPr lang="en-PH" smtClean="0"/>
-              <a:t>20/09/2019</a:t>
+              <a:t>23/09/2019</a:t>
             </a:fld>
             <a:endParaRPr lang="en-PH"/>
           </a:p>
@@ -2419,7 +2423,7 @@
           <a:p>
             <a:fld id="{12A9C0E6-86DB-4A33-A939-551AD288B0D1}" type="datetimeFigureOut">
               <a:rPr lang="en-PH" smtClean="0"/>
-              <a:t>20/09/2019</a:t>
+              <a:t>23/09/2019</a:t>
             </a:fld>
             <a:endParaRPr lang="en-PH"/>
           </a:p>
@@ -2708,7 +2712,7 @@
           <a:p>
             <a:fld id="{12A9C0E6-86DB-4A33-A939-551AD288B0D1}" type="datetimeFigureOut">
               <a:rPr lang="en-PH" smtClean="0"/>
-              <a:t>20/09/2019</a:t>
+              <a:t>23/09/2019</a:t>
             </a:fld>
             <a:endParaRPr lang="en-PH"/>
           </a:p>
@@ -2951,7 +2955,7 @@
           <a:p>
             <a:fld id="{12A9C0E6-86DB-4A33-A939-551AD288B0D1}" type="datetimeFigureOut">
               <a:rPr lang="en-PH" smtClean="0"/>
-              <a:t>20/09/2019</a:t>
+              <a:t>23/09/2019</a:t>
             </a:fld>
             <a:endParaRPr lang="en-PH"/>
           </a:p>
@@ -16960,162 +16964,38 @@
           <a:chExt cx="0" cy="0"/>
         </a:xfrm>
       </p:grpSpPr>
-      <p:sp>
-        <p:nvSpPr>
-          <p:cNvPr id="2" name="TextBox 1">
+      <p:pic>
+        <p:nvPicPr>
+          <p:cNvPr id="3" name="Picture 2">
             <a:extLst>
               <a:ext uri="{FF2B5EF4-FFF2-40B4-BE49-F238E27FC236}">
-                <a16:creationId xmlns:a16="http://schemas.microsoft.com/office/drawing/2014/main" id="{516FA38D-E8F4-48A3-9D51-C235014C6AD7}"/>
+                <a16:creationId xmlns:a16="http://schemas.microsoft.com/office/drawing/2014/main" id="{553DB40D-541E-466F-BBB9-FEFC93EA7DF9}"/>
               </a:ext>
             </a:extLst>
           </p:cNvPr>
-          <p:cNvSpPr txBox="1"/>
+          <p:cNvPicPr/>
           <p:nvPr/>
-        </p:nvSpPr>
+        </p:nvPicPr>
+        <p:blipFill>
+          <a:blip r:embed="rId2"/>
+          <a:stretch>
+            <a:fillRect/>
+          </a:stretch>
+        </p:blipFill>
         <p:spPr>
           <a:xfrm>
-            <a:off x="508000" y="972457"/>
-            <a:ext cx="8786312" cy="769441"/>
-          </a:xfrm>
-          <a:prstGeom prst="rect">
-            <a:avLst/>
-          </a:prstGeom>
-          <a:noFill/>
-        </p:spPr>
-        <p:txBody>
-          <a:bodyPr wrap="square" rtlCol="0">
-            <a:spAutoFit/>
-          </a:bodyPr>
-          <a:lstStyle/>
-          <a:p>
-            <a:r>
-              <a:rPr lang="en-PH" sz="4400" b="1" dirty="0"/>
-              <a:t>User Feedback (First Prototype)</a:t>
-            </a:r>
-          </a:p>
-        </p:txBody>
-      </p:sp>
-      <p:sp>
-        <p:nvSpPr>
-          <p:cNvPr id="10" name="Rectangle 9">
-            <a:extLst>
-              <a:ext uri="{FF2B5EF4-FFF2-40B4-BE49-F238E27FC236}">
-                <a16:creationId xmlns:a16="http://schemas.microsoft.com/office/drawing/2014/main" id="{5316A900-6D0D-4779-B86F-C134F5DE456C}"/>
-              </a:ext>
-            </a:extLst>
-          </p:cNvPr>
-          <p:cNvSpPr/>
-          <p:nvPr/>
-        </p:nvSpPr>
-        <p:spPr>
-          <a:xfrm>
-            <a:off x="508000" y="1971902"/>
-            <a:ext cx="10724776" cy="3109056"/>
+            <a:off x="1690851" y="271035"/>
+            <a:ext cx="8810297" cy="6315929"/>
           </a:xfrm>
           <a:prstGeom prst="rect">
             <a:avLst/>
           </a:prstGeom>
         </p:spPr>
-        <p:txBody>
-          <a:bodyPr wrap="square">
-            <a:spAutoFit/>
-          </a:bodyPr>
-          <a:lstStyle/>
-          <a:p>
-            <a:pPr marL="342900" lvl="0" indent="-342900">
-              <a:lnSpc>
-                <a:spcPct val="150000"/>
-              </a:lnSpc>
-              <a:spcAft>
-                <a:spcPts val="800"/>
-              </a:spcAft>
-              <a:buFont typeface="Symbol" panose="05050102010706020507" pitchFamily="18" charset="2"/>
-              <a:buChar char=""/>
-            </a:pPr>
-            <a:r>
-              <a:rPr lang="en-PH" sz="2400" dirty="0">
-                <a:effectLst/>
-                <a:latin typeface="Tahoma" panose="020B0604030504040204" pitchFamily="34" charset="0"/>
-                <a:ea typeface="Times New Roman" panose="02020603050405020304" pitchFamily="18" charset="0"/>
-                <a:cs typeface="Times New Roman" panose="02020603050405020304" pitchFamily="18" charset="0"/>
-              </a:rPr>
-              <a:t>Prototype has no pictures</a:t>
-            </a:r>
-          </a:p>
-          <a:p>
-            <a:pPr marL="342900" lvl="0" indent="-342900">
-              <a:lnSpc>
-                <a:spcPct val="150000"/>
-              </a:lnSpc>
-              <a:spcAft>
-                <a:spcPts val="800"/>
-              </a:spcAft>
-              <a:buFont typeface="Symbol" panose="05050102010706020507" pitchFamily="18" charset="2"/>
-              <a:buChar char=""/>
-            </a:pPr>
-            <a:r>
-              <a:rPr lang="en-PH" sz="2400" dirty="0">
-                <a:latin typeface="Tahoma" panose="020B0604030504040204" pitchFamily="34" charset="0"/>
-                <a:ea typeface="Times New Roman" panose="02020603050405020304" pitchFamily="18" charset="0"/>
-                <a:cs typeface="Times New Roman" panose="02020603050405020304" pitchFamily="18" charset="0"/>
-              </a:rPr>
-              <a:t>Unresponsive Map</a:t>
-            </a:r>
-          </a:p>
-          <a:p>
-            <a:pPr marL="342900" lvl="0" indent="-342900">
-              <a:lnSpc>
-                <a:spcPct val="150000"/>
-              </a:lnSpc>
-              <a:spcAft>
-                <a:spcPts val="800"/>
-              </a:spcAft>
-              <a:buFont typeface="Symbol" panose="05050102010706020507" pitchFamily="18" charset="2"/>
-              <a:buChar char=""/>
-            </a:pPr>
-            <a:r>
-              <a:rPr lang="en-PH" sz="2400" dirty="0">
-                <a:effectLst/>
-                <a:latin typeface="Tahoma" panose="020B0604030504040204" pitchFamily="34" charset="0"/>
-                <a:ea typeface="Times New Roman" panose="02020603050405020304" pitchFamily="18" charset="0"/>
-                <a:cs typeface="Times New Roman" panose="02020603050405020304" pitchFamily="18" charset="0"/>
-              </a:rPr>
-              <a:t>Provide current reviews of the Internet Cafes, also let the users comment, or do a review about the place.</a:t>
-            </a:r>
-          </a:p>
-          <a:p>
-            <a:pPr marL="342900" lvl="0" indent="-342900">
-              <a:lnSpc>
-                <a:spcPct val="150000"/>
-              </a:lnSpc>
-              <a:spcAft>
-                <a:spcPts val="800"/>
-              </a:spcAft>
-              <a:buFont typeface="Symbol" panose="05050102010706020507" pitchFamily="18" charset="2"/>
-              <a:buChar char=""/>
-            </a:pPr>
-            <a:r>
-              <a:rPr lang="en-PH" sz="2400" dirty="0">
-                <a:effectLst/>
-                <a:latin typeface="Tahoma" panose="020B0604030504040204" pitchFamily="34" charset="0"/>
-                <a:ea typeface="Times New Roman" panose="02020603050405020304" pitchFamily="18" charset="0"/>
-                <a:cs typeface="Times New Roman" panose="02020603050405020304" pitchFamily="18" charset="0"/>
-              </a:rPr>
-              <a:t>Create an advanced booking system</a:t>
-            </a:r>
-            <a:endParaRPr lang="en-PH" sz="2000" dirty="0">
-              <a:effectLst/>
-              <a:latin typeface="Calibri" panose="020F0502020204030204" pitchFamily="34" charset="0"/>
-              <a:ea typeface="Times New Roman" panose="02020603050405020304" pitchFamily="18" charset="0"/>
-              <a:cs typeface="Times New Roman" panose="02020603050405020304" pitchFamily="18" charset="0"/>
-            </a:endParaRPr>
-          </a:p>
-        </p:txBody>
-      </p:sp>
+      </p:pic>
     </p:spTree>
     <p:extLst>
       <p:ext uri="{BB962C8B-B14F-4D97-AF65-F5344CB8AC3E}">
-        <p14:creationId xmlns:p14="http://schemas.microsoft.com/office/powerpoint/2010/main" val="3827903759"/>
+        <p14:creationId xmlns:p14="http://schemas.microsoft.com/office/powerpoint/2010/main" val="4185959014"/>
       </p:ext>
     </p:extLst>
   </p:cSld>
@@ -17142,6 +17022,714 @@
           <a:chExt cx="0" cy="0"/>
         </a:xfrm>
       </p:grpSpPr>
+      <p:pic>
+        <p:nvPicPr>
+          <p:cNvPr id="4" name="Picture 3">
+            <a:extLst>
+              <a:ext uri="{FF2B5EF4-FFF2-40B4-BE49-F238E27FC236}">
+                <a16:creationId xmlns:a16="http://schemas.microsoft.com/office/drawing/2014/main" id="{E8620EE6-0A65-43A9-BDBE-38CA3BB3AFC3}"/>
+              </a:ext>
+            </a:extLst>
+          </p:cNvPr>
+          <p:cNvPicPr/>
+          <p:nvPr/>
+        </p:nvPicPr>
+        <p:blipFill>
+          <a:blip r:embed="rId2"/>
+          <a:stretch>
+            <a:fillRect/>
+          </a:stretch>
+        </p:blipFill>
+        <p:spPr>
+          <a:xfrm>
+            <a:off x="1721121" y="321027"/>
+            <a:ext cx="8749757" cy="6215945"/>
+          </a:xfrm>
+          <a:prstGeom prst="rect">
+            <a:avLst/>
+          </a:prstGeom>
+        </p:spPr>
+      </p:pic>
+    </p:spTree>
+    <p:extLst>
+      <p:ext uri="{BB962C8B-B14F-4D97-AF65-F5344CB8AC3E}">
+        <p14:creationId xmlns:p14="http://schemas.microsoft.com/office/powerpoint/2010/main" val="273934359"/>
+      </p:ext>
+    </p:extLst>
+  </p:cSld>
+  <p:clrMapOvr>
+    <a:masterClrMapping/>
+  </p:clrMapOvr>
+</p:sld>
+</file>
+
+<file path=ppt/slides/slide22.xml><?xml version="1.0" encoding="utf-8"?>
+<p:sld xmlns:a="http://schemas.openxmlformats.org/drawingml/2006/main" xmlns:r="http://schemas.openxmlformats.org/officeDocument/2006/relationships" xmlns:p="http://schemas.openxmlformats.org/presentationml/2006/main">
+  <p:cSld>
+    <p:spTree>
+      <p:nvGrpSpPr>
+        <p:cNvPr id="1" name=""/>
+        <p:cNvGrpSpPr/>
+        <p:nvPr/>
+      </p:nvGrpSpPr>
+      <p:grpSpPr>
+        <a:xfrm>
+          <a:off x="0" y="0"/>
+          <a:ext cx="0" cy="0"/>
+          <a:chOff x="0" y="0"/>
+          <a:chExt cx="0" cy="0"/>
+        </a:xfrm>
+      </p:grpSpPr>
+      <p:pic>
+        <p:nvPicPr>
+          <p:cNvPr id="2053" name="Picture 5">
+            <a:extLst>
+              <a:ext uri="{FF2B5EF4-FFF2-40B4-BE49-F238E27FC236}">
+                <a16:creationId xmlns:a16="http://schemas.microsoft.com/office/drawing/2014/main" id="{9AA511F8-DD5F-4181-B590-27AECC8C8173}"/>
+              </a:ext>
+            </a:extLst>
+          </p:cNvPr>
+          <p:cNvPicPr>
+            <a:picLocks noChangeAspect="1" noChangeArrowheads="1"/>
+          </p:cNvPicPr>
+          <p:nvPr/>
+        </p:nvPicPr>
+        <p:blipFill>
+          <a:blip r:embed="rId2">
+            <a:extLst>
+              <a:ext uri="{28A0092B-C50C-407E-A947-70E740481C1C}">
+                <a14:useLocalDpi xmlns:a14="http://schemas.microsoft.com/office/drawing/2010/main" val="0"/>
+              </a:ext>
+            </a:extLst>
+          </a:blip>
+          <a:srcRect/>
+          <a:stretch>
+            <a:fillRect/>
+          </a:stretch>
+        </p:blipFill>
+        <p:spPr bwMode="auto">
+          <a:xfrm>
+            <a:off x="452709" y="198773"/>
+            <a:ext cx="3513813" cy="3013824"/>
+          </a:xfrm>
+          <a:prstGeom prst="rect">
+            <a:avLst/>
+          </a:prstGeom>
+          <a:noFill/>
+          <a:extLst>
+            <a:ext uri="{909E8E84-426E-40DD-AFC4-6F175D3DCCD1}">
+              <a14:hiddenFill xmlns:a14="http://schemas.microsoft.com/office/drawing/2010/main">
+                <a:solidFill>
+                  <a:srgbClr val="FFFFFF"/>
+                </a:solidFill>
+              </a14:hiddenFill>
+            </a:ext>
+          </a:extLst>
+        </p:spPr>
+      </p:pic>
+      <p:pic>
+        <p:nvPicPr>
+          <p:cNvPr id="2051" name="Picture 7">
+            <a:extLst>
+              <a:ext uri="{FF2B5EF4-FFF2-40B4-BE49-F238E27FC236}">
+                <a16:creationId xmlns:a16="http://schemas.microsoft.com/office/drawing/2014/main" id="{55076921-5E76-4481-83F0-192B4E904760}"/>
+              </a:ext>
+            </a:extLst>
+          </p:cNvPr>
+          <p:cNvPicPr>
+            <a:picLocks noChangeAspect="1" noChangeArrowheads="1"/>
+          </p:cNvPicPr>
+          <p:nvPr/>
+        </p:nvPicPr>
+        <p:blipFill>
+          <a:blip r:embed="rId3">
+            <a:extLst>
+              <a:ext uri="{28A0092B-C50C-407E-A947-70E740481C1C}">
+                <a14:useLocalDpi xmlns:a14="http://schemas.microsoft.com/office/drawing/2010/main" val="0"/>
+              </a:ext>
+            </a:extLst>
+          </a:blip>
+          <a:srcRect/>
+          <a:stretch>
+            <a:fillRect/>
+          </a:stretch>
+        </p:blipFill>
+        <p:spPr bwMode="auto">
+          <a:xfrm>
+            <a:off x="4556407" y="3338609"/>
+            <a:ext cx="5038987" cy="3355481"/>
+          </a:xfrm>
+          <a:prstGeom prst="rect">
+            <a:avLst/>
+          </a:prstGeom>
+          <a:noFill/>
+          <a:extLst>
+            <a:ext uri="{909E8E84-426E-40DD-AFC4-6F175D3DCCD1}">
+              <a14:hiddenFill xmlns:a14="http://schemas.microsoft.com/office/drawing/2010/main">
+                <a:solidFill>
+                  <a:srgbClr val="FFFFFF"/>
+                </a:solidFill>
+              </a14:hiddenFill>
+            </a:ext>
+          </a:extLst>
+        </p:spPr>
+      </p:pic>
+      <p:pic>
+        <p:nvPicPr>
+          <p:cNvPr id="2052" name="Picture 4">
+            <a:extLst>
+              <a:ext uri="{FF2B5EF4-FFF2-40B4-BE49-F238E27FC236}">
+                <a16:creationId xmlns:a16="http://schemas.microsoft.com/office/drawing/2014/main" id="{C464FF16-B2D7-4CD0-AE97-832E385486DA}"/>
+              </a:ext>
+            </a:extLst>
+          </p:cNvPr>
+          <p:cNvPicPr>
+            <a:picLocks noChangeAspect="1" noChangeArrowheads="1"/>
+          </p:cNvPicPr>
+          <p:nvPr/>
+        </p:nvPicPr>
+        <p:blipFill>
+          <a:blip r:embed="rId4">
+            <a:extLst>
+              <a:ext uri="{28A0092B-C50C-407E-A947-70E740481C1C}">
+                <a14:useLocalDpi xmlns:a14="http://schemas.microsoft.com/office/drawing/2010/main" val="0"/>
+              </a:ext>
+            </a:extLst>
+          </a:blip>
+          <a:srcRect/>
+          <a:stretch>
+            <a:fillRect/>
+          </a:stretch>
+        </p:blipFill>
+        <p:spPr bwMode="auto">
+          <a:xfrm>
+            <a:off x="7920100" y="382124"/>
+            <a:ext cx="3874134" cy="2698058"/>
+          </a:xfrm>
+          <a:prstGeom prst="rect">
+            <a:avLst/>
+          </a:prstGeom>
+          <a:noFill/>
+          <a:extLst>
+            <a:ext uri="{909E8E84-426E-40DD-AFC4-6F175D3DCCD1}">
+              <a14:hiddenFill xmlns:a14="http://schemas.microsoft.com/office/drawing/2010/main">
+                <a:solidFill>
+                  <a:srgbClr val="FFFFFF"/>
+                </a:solidFill>
+              </a14:hiddenFill>
+            </a:ext>
+          </a:extLst>
+        </p:spPr>
+      </p:pic>
+      <p:pic>
+        <p:nvPicPr>
+          <p:cNvPr id="2050" name="Picture 6">
+            <a:extLst>
+              <a:ext uri="{FF2B5EF4-FFF2-40B4-BE49-F238E27FC236}">
+                <a16:creationId xmlns:a16="http://schemas.microsoft.com/office/drawing/2014/main" id="{4B05041A-387E-4E53-9608-70998CC14BAE}"/>
+              </a:ext>
+            </a:extLst>
+          </p:cNvPr>
+          <p:cNvPicPr>
+            <a:picLocks noChangeAspect="1" noChangeArrowheads="1"/>
+          </p:cNvPicPr>
+          <p:nvPr/>
+        </p:nvPicPr>
+        <p:blipFill>
+          <a:blip r:embed="rId5">
+            <a:extLst>
+              <a:ext uri="{28A0092B-C50C-407E-A947-70E740481C1C}">
+                <a14:useLocalDpi xmlns:a14="http://schemas.microsoft.com/office/drawing/2010/main" val="0"/>
+              </a:ext>
+            </a:extLst>
+          </a:blip>
+          <a:srcRect/>
+          <a:stretch>
+            <a:fillRect/>
+          </a:stretch>
+        </p:blipFill>
+        <p:spPr bwMode="auto">
+          <a:xfrm>
+            <a:off x="4271901" y="228600"/>
+            <a:ext cx="3399969" cy="2941243"/>
+          </a:xfrm>
+          <a:prstGeom prst="rect">
+            <a:avLst/>
+          </a:prstGeom>
+          <a:noFill/>
+          <a:extLst>
+            <a:ext uri="{909E8E84-426E-40DD-AFC4-6F175D3DCCD1}">
+              <a14:hiddenFill xmlns:a14="http://schemas.microsoft.com/office/drawing/2010/main">
+                <a:solidFill>
+                  <a:srgbClr val="FFFFFF"/>
+                </a:solidFill>
+              </a14:hiddenFill>
+            </a:ext>
+          </a:extLst>
+        </p:spPr>
+      </p:pic>
+      <p:pic>
+        <p:nvPicPr>
+          <p:cNvPr id="2049" name="Picture 3">
+            <a:extLst>
+              <a:ext uri="{FF2B5EF4-FFF2-40B4-BE49-F238E27FC236}">
+                <a16:creationId xmlns:a16="http://schemas.microsoft.com/office/drawing/2014/main" id="{0AE63C3D-9B71-4182-BA4F-0C78863029F0}"/>
+              </a:ext>
+            </a:extLst>
+          </p:cNvPr>
+          <p:cNvPicPr>
+            <a:picLocks noChangeAspect="1" noChangeArrowheads="1"/>
+          </p:cNvPicPr>
+          <p:nvPr/>
+        </p:nvPicPr>
+        <p:blipFill>
+          <a:blip r:embed="rId6">
+            <a:extLst>
+              <a:ext uri="{28A0092B-C50C-407E-A947-70E740481C1C}">
+                <a14:useLocalDpi xmlns:a14="http://schemas.microsoft.com/office/drawing/2010/main" val="0"/>
+              </a:ext>
+            </a:extLst>
+          </a:blip>
+          <a:srcRect/>
+          <a:stretch>
+            <a:fillRect/>
+          </a:stretch>
+        </p:blipFill>
+        <p:spPr bwMode="auto">
+          <a:xfrm>
+            <a:off x="397766" y="3471024"/>
+            <a:ext cx="3760875" cy="3150620"/>
+          </a:xfrm>
+          <a:prstGeom prst="rect">
+            <a:avLst/>
+          </a:prstGeom>
+          <a:noFill/>
+          <a:extLst>
+            <a:ext uri="{909E8E84-426E-40DD-AFC4-6F175D3DCCD1}">
+              <a14:hiddenFill xmlns:a14="http://schemas.microsoft.com/office/drawing/2010/main">
+                <a:solidFill>
+                  <a:srgbClr val="FFFFFF"/>
+                </a:solidFill>
+              </a14:hiddenFill>
+            </a:ext>
+          </a:extLst>
+        </p:spPr>
+      </p:pic>
+      <p:sp>
+        <p:nvSpPr>
+          <p:cNvPr id="2" name="Rectangle 6">
+            <a:extLst>
+              <a:ext uri="{FF2B5EF4-FFF2-40B4-BE49-F238E27FC236}">
+                <a16:creationId xmlns:a16="http://schemas.microsoft.com/office/drawing/2014/main" id="{BE3B60AA-CE3A-4AFB-8441-057F55E3ED3B}"/>
+              </a:ext>
+            </a:extLst>
+          </p:cNvPr>
+          <p:cNvSpPr>
+            <a:spLocks noChangeArrowheads="1"/>
+          </p:cNvSpPr>
+          <p:nvPr/>
+        </p:nvSpPr>
+        <p:spPr bwMode="auto">
+          <a:xfrm>
+            <a:off x="0" y="0"/>
+            <a:ext cx="12192000" cy="457200"/>
+          </a:xfrm>
+          <a:prstGeom prst="rect">
+            <a:avLst/>
+          </a:prstGeom>
+          <a:noFill/>
+          <a:ln>
+            <a:noFill/>
+          </a:ln>
+          <a:effectLst/>
+          <a:extLst>
+            <a:ext uri="{909E8E84-426E-40DD-AFC4-6F175D3DCCD1}">
+              <a14:hiddenFill xmlns:a14="http://schemas.microsoft.com/office/drawing/2010/main">
+                <a:solidFill>
+                  <a:schemeClr val="accent1"/>
+                </a:solidFill>
+              </a14:hiddenFill>
+            </a:ext>
+            <a:ext uri="{91240B29-F687-4F45-9708-019B960494DF}">
+              <a14:hiddenLine xmlns:a14="http://schemas.microsoft.com/office/drawing/2010/main" w="9525">
+                <a:solidFill>
+                  <a:schemeClr val="tx1"/>
+                </a:solidFill>
+                <a:miter lim="800000"/>
+                <a:headEnd/>
+                <a:tailEnd/>
+              </a14:hiddenLine>
+            </a:ext>
+            <a:ext uri="{AF507438-7753-43E0-B8FC-AC1667EBCBE1}">
+              <a14:hiddenEffects xmlns:a14="http://schemas.microsoft.com/office/drawing/2010/main">
+                <a:effectLst>
+                  <a:outerShdw dist="35921" dir="2700000" algn="ctr" rotWithShape="0">
+                    <a:schemeClr val="bg2"/>
+                  </a:outerShdw>
+                </a:effectLst>
+              </a14:hiddenEffects>
+            </a:ext>
+          </a:extLst>
+        </p:spPr>
+        <p:txBody>
+          <a:bodyPr vert="horz" wrap="none" lIns="91440" tIns="45720" rIns="91440" bIns="45720" numCol="1" anchor="ctr" anchorCtr="0" compatLnSpc="1">
+            <a:prstTxWarp prst="textNoShape">
+              <a:avLst/>
+            </a:prstTxWarp>
+            <a:spAutoFit/>
+          </a:bodyPr>
+          <a:lstStyle/>
+          <a:p>
+            <a:endParaRPr lang="en-PH"/>
+          </a:p>
+        </p:txBody>
+      </p:sp>
+      <p:sp>
+        <p:nvSpPr>
+          <p:cNvPr id="3" name="Rectangle 7">
+            <a:extLst>
+              <a:ext uri="{FF2B5EF4-FFF2-40B4-BE49-F238E27FC236}">
+                <a16:creationId xmlns:a16="http://schemas.microsoft.com/office/drawing/2014/main" id="{5109CE7E-E065-4CDA-8D3A-FCC12EC26E71}"/>
+              </a:ext>
+            </a:extLst>
+          </p:cNvPr>
+          <p:cNvSpPr>
+            <a:spLocks noChangeArrowheads="1"/>
+          </p:cNvSpPr>
+          <p:nvPr/>
+        </p:nvSpPr>
+        <p:spPr bwMode="auto">
+          <a:xfrm>
+            <a:off x="0" y="457200"/>
+            <a:ext cx="12192000" cy="0"/>
+          </a:xfrm>
+          <a:prstGeom prst="rect">
+            <a:avLst/>
+          </a:prstGeom>
+          <a:noFill/>
+          <a:ln>
+            <a:noFill/>
+          </a:ln>
+          <a:effectLst/>
+          <a:extLst>
+            <a:ext uri="{909E8E84-426E-40DD-AFC4-6F175D3DCCD1}">
+              <a14:hiddenFill xmlns:a14="http://schemas.microsoft.com/office/drawing/2010/main">
+                <a:solidFill>
+                  <a:schemeClr val="accent1"/>
+                </a:solidFill>
+              </a14:hiddenFill>
+            </a:ext>
+            <a:ext uri="{91240B29-F687-4F45-9708-019B960494DF}">
+              <a14:hiddenLine xmlns:a14="http://schemas.microsoft.com/office/drawing/2010/main" w="9525">
+                <a:solidFill>
+                  <a:schemeClr val="tx1"/>
+                </a:solidFill>
+                <a:miter lim="800000"/>
+                <a:headEnd/>
+                <a:tailEnd/>
+              </a14:hiddenLine>
+            </a:ext>
+            <a:ext uri="{AF507438-7753-43E0-B8FC-AC1667EBCBE1}">
+              <a14:hiddenEffects xmlns:a14="http://schemas.microsoft.com/office/drawing/2010/main">
+                <a:effectLst>
+                  <a:outerShdw dist="35921" dir="2700000" algn="ctr" rotWithShape="0">
+                    <a:schemeClr val="bg2"/>
+                  </a:outerShdw>
+                </a:effectLst>
+              </a14:hiddenEffects>
+            </a:ext>
+          </a:extLst>
+        </p:spPr>
+        <p:txBody>
+          <a:bodyPr vert="horz" wrap="none" lIns="91440" tIns="45720" rIns="91440" bIns="45720" numCol="1" anchor="ctr" anchorCtr="0" compatLnSpc="1">
+            <a:prstTxWarp prst="textNoShape">
+              <a:avLst/>
+            </a:prstTxWarp>
+            <a:spAutoFit/>
+          </a:bodyPr>
+          <a:lstStyle/>
+          <a:p>
+            <a:endParaRPr lang="en-PH"/>
+          </a:p>
+        </p:txBody>
+      </p:sp>
+      <p:sp>
+        <p:nvSpPr>
+          <p:cNvPr id="6" name="Rectangle 9">
+            <a:extLst>
+              <a:ext uri="{FF2B5EF4-FFF2-40B4-BE49-F238E27FC236}">
+                <a16:creationId xmlns:a16="http://schemas.microsoft.com/office/drawing/2014/main" id="{1946D5ED-90B6-47D2-B881-55FB04B4BCC4}"/>
+              </a:ext>
+            </a:extLst>
+          </p:cNvPr>
+          <p:cNvSpPr>
+            <a:spLocks noChangeArrowheads="1"/>
+          </p:cNvSpPr>
+          <p:nvPr/>
+        </p:nvSpPr>
+        <p:spPr bwMode="auto">
+          <a:xfrm>
+            <a:off x="0" y="2771775"/>
+            <a:ext cx="12192000" cy="0"/>
+          </a:xfrm>
+          <a:prstGeom prst="rect">
+            <a:avLst/>
+          </a:prstGeom>
+          <a:noFill/>
+          <a:ln>
+            <a:noFill/>
+          </a:ln>
+          <a:effectLst/>
+          <a:extLst>
+            <a:ext uri="{909E8E84-426E-40DD-AFC4-6F175D3DCCD1}">
+              <a14:hiddenFill xmlns:a14="http://schemas.microsoft.com/office/drawing/2010/main">
+                <a:solidFill>
+                  <a:schemeClr val="accent1"/>
+                </a:solidFill>
+              </a14:hiddenFill>
+            </a:ext>
+            <a:ext uri="{91240B29-F687-4F45-9708-019B960494DF}">
+              <a14:hiddenLine xmlns:a14="http://schemas.microsoft.com/office/drawing/2010/main" w="9525">
+                <a:solidFill>
+                  <a:schemeClr val="tx1"/>
+                </a:solidFill>
+                <a:miter lim="800000"/>
+                <a:headEnd/>
+                <a:tailEnd/>
+              </a14:hiddenLine>
+            </a:ext>
+            <a:ext uri="{AF507438-7753-43E0-B8FC-AC1667EBCBE1}">
+              <a14:hiddenEffects xmlns:a14="http://schemas.microsoft.com/office/drawing/2010/main">
+                <a:effectLst>
+                  <a:outerShdw dist="35921" dir="2700000" algn="ctr" rotWithShape="0">
+                    <a:schemeClr val="bg2"/>
+                  </a:outerShdw>
+                </a:effectLst>
+              </a14:hiddenEffects>
+            </a:ext>
+          </a:extLst>
+        </p:spPr>
+        <p:txBody>
+          <a:bodyPr vert="horz" wrap="none" lIns="91440" tIns="45720" rIns="91440" bIns="45720" numCol="1" anchor="ctr" anchorCtr="0" compatLnSpc="1">
+            <a:prstTxWarp prst="textNoShape">
+              <a:avLst/>
+            </a:prstTxWarp>
+            <a:spAutoFit/>
+          </a:bodyPr>
+          <a:lstStyle/>
+          <a:p>
+            <a:endParaRPr lang="en-PH"/>
+          </a:p>
+        </p:txBody>
+      </p:sp>
+      <p:sp>
+        <p:nvSpPr>
+          <p:cNvPr id="7" name="Rectangle 10">
+            <a:extLst>
+              <a:ext uri="{FF2B5EF4-FFF2-40B4-BE49-F238E27FC236}">
+                <a16:creationId xmlns:a16="http://schemas.microsoft.com/office/drawing/2014/main" id="{DB44D53B-494C-4D91-94AD-442A92C83513}"/>
+              </a:ext>
+            </a:extLst>
+          </p:cNvPr>
+          <p:cNvSpPr>
+            <a:spLocks noChangeArrowheads="1"/>
+          </p:cNvSpPr>
+          <p:nvPr/>
+        </p:nvSpPr>
+        <p:spPr bwMode="auto">
+          <a:xfrm>
+            <a:off x="0" y="4848225"/>
+            <a:ext cx="12192000" cy="0"/>
+          </a:xfrm>
+          <a:prstGeom prst="rect">
+            <a:avLst/>
+          </a:prstGeom>
+          <a:noFill/>
+          <a:ln>
+            <a:noFill/>
+          </a:ln>
+          <a:effectLst/>
+          <a:extLst>
+            <a:ext uri="{909E8E84-426E-40DD-AFC4-6F175D3DCCD1}">
+              <a14:hiddenFill xmlns:a14="http://schemas.microsoft.com/office/drawing/2010/main">
+                <a:solidFill>
+                  <a:schemeClr val="accent1"/>
+                </a:solidFill>
+              </a14:hiddenFill>
+            </a:ext>
+            <a:ext uri="{91240B29-F687-4F45-9708-019B960494DF}">
+              <a14:hiddenLine xmlns:a14="http://schemas.microsoft.com/office/drawing/2010/main" w="9525">
+                <a:solidFill>
+                  <a:schemeClr val="tx1"/>
+                </a:solidFill>
+                <a:miter lim="800000"/>
+                <a:headEnd/>
+                <a:tailEnd/>
+              </a14:hiddenLine>
+            </a:ext>
+            <a:ext uri="{AF507438-7753-43E0-B8FC-AC1667EBCBE1}">
+              <a14:hiddenEffects xmlns:a14="http://schemas.microsoft.com/office/drawing/2010/main">
+                <a:effectLst>
+                  <a:outerShdw dist="35921" dir="2700000" algn="ctr" rotWithShape="0">
+                    <a:schemeClr val="bg2"/>
+                  </a:outerShdw>
+                </a:effectLst>
+              </a14:hiddenEffects>
+            </a:ext>
+          </a:extLst>
+        </p:spPr>
+        <p:txBody>
+          <a:bodyPr vert="horz" wrap="none" lIns="91440" tIns="45720" rIns="91440" bIns="45720" numCol="1" anchor="ctr" anchorCtr="0" compatLnSpc="1">
+            <a:prstTxWarp prst="textNoShape">
+              <a:avLst/>
+            </a:prstTxWarp>
+            <a:spAutoFit/>
+          </a:bodyPr>
+          <a:lstStyle/>
+          <a:p>
+            <a:pPr marL="0" marR="0" lvl="0" indent="0" algn="l" defTabSz="914400" rtl="0" eaLnBrk="0" fontAlgn="base" latinLnBrk="0" hangingPunct="0">
+              <a:lnSpc>
+                <a:spcPct val="100000"/>
+              </a:lnSpc>
+              <a:spcBef>
+                <a:spcPct val="0"/>
+              </a:spcBef>
+              <a:spcAft>
+                <a:spcPct val="0"/>
+              </a:spcAft>
+              <a:buClrTx/>
+              <a:buSzTx/>
+              <a:buFontTx/>
+              <a:buNone/>
+              <a:tabLst/>
+            </a:pPr>
+            <a:r>
+              <a:rPr kumimoji="0" lang="en-PH" altLang="en-US" sz="1100" b="0" i="0" u="none" strike="noStrike" cap="none" normalizeH="0" baseline="0">
+                <a:ln>
+                  <a:noFill/>
+                </a:ln>
+                <a:solidFill>
+                  <a:schemeClr val="tx1"/>
+                </a:solidFill>
+                <a:effectLst/>
+                <a:latin typeface="Calibri" panose="020F0502020204030204" pitchFamily="34" charset="0"/>
+                <a:ea typeface="Calibri" panose="020F0502020204030204" pitchFamily="34" charset="0"/>
+                <a:cs typeface="Times New Roman" panose="02020603050405020304" pitchFamily="18" charset="0"/>
+              </a:rPr>
+              <a:t>     </a:t>
+            </a:r>
+            <a:endParaRPr kumimoji="0" lang="en-PH" altLang="en-US" sz="1800" b="0" i="0" u="none" strike="noStrike" cap="none" normalizeH="0" baseline="0">
+              <a:ln>
+                <a:noFill/>
+              </a:ln>
+              <a:solidFill>
+                <a:schemeClr val="tx1"/>
+              </a:solidFill>
+              <a:effectLst/>
+              <a:latin typeface="Arial" panose="020B0604020202020204" pitchFamily="34" charset="0"/>
+            </a:endParaRPr>
+          </a:p>
+        </p:txBody>
+      </p:sp>
+      <p:sp>
+        <p:nvSpPr>
+          <p:cNvPr id="8" name="Rectangle 11">
+            <a:extLst>
+              <a:ext uri="{FF2B5EF4-FFF2-40B4-BE49-F238E27FC236}">
+                <a16:creationId xmlns:a16="http://schemas.microsoft.com/office/drawing/2014/main" id="{CA10B8DC-C169-4CAD-80E4-1C9DF136B725}"/>
+              </a:ext>
+            </a:extLst>
+          </p:cNvPr>
+          <p:cNvSpPr>
+            <a:spLocks noChangeArrowheads="1"/>
+          </p:cNvSpPr>
+          <p:nvPr/>
+        </p:nvSpPr>
+        <p:spPr bwMode="auto">
+          <a:xfrm>
+            <a:off x="0" y="6962775"/>
+            <a:ext cx="12192000" cy="457200"/>
+          </a:xfrm>
+          <a:prstGeom prst="rect">
+            <a:avLst/>
+          </a:prstGeom>
+          <a:noFill/>
+          <a:ln>
+            <a:noFill/>
+          </a:ln>
+          <a:effectLst/>
+          <a:extLst>
+            <a:ext uri="{909E8E84-426E-40DD-AFC4-6F175D3DCCD1}">
+              <a14:hiddenFill xmlns:a14="http://schemas.microsoft.com/office/drawing/2010/main">
+                <a:solidFill>
+                  <a:schemeClr val="accent1"/>
+                </a:solidFill>
+              </a14:hiddenFill>
+            </a:ext>
+            <a:ext uri="{91240B29-F687-4F45-9708-019B960494DF}">
+              <a14:hiddenLine xmlns:a14="http://schemas.microsoft.com/office/drawing/2010/main" w="9525">
+                <a:solidFill>
+                  <a:schemeClr val="tx1"/>
+                </a:solidFill>
+                <a:miter lim="800000"/>
+                <a:headEnd/>
+                <a:tailEnd/>
+              </a14:hiddenLine>
+            </a:ext>
+            <a:ext uri="{AF507438-7753-43E0-B8FC-AC1667EBCBE1}">
+              <a14:hiddenEffects xmlns:a14="http://schemas.microsoft.com/office/drawing/2010/main">
+                <a:effectLst>
+                  <a:outerShdw dist="35921" dir="2700000" algn="ctr" rotWithShape="0">
+                    <a:schemeClr val="bg2"/>
+                  </a:outerShdw>
+                </a:effectLst>
+              </a14:hiddenEffects>
+            </a:ext>
+          </a:extLst>
+        </p:spPr>
+        <p:txBody>
+          <a:bodyPr vert="horz" wrap="none" lIns="91440" tIns="45720" rIns="91440" bIns="45720" numCol="1" anchor="ctr" anchorCtr="0" compatLnSpc="1">
+            <a:prstTxWarp prst="textNoShape">
+              <a:avLst/>
+            </a:prstTxWarp>
+            <a:spAutoFit/>
+          </a:bodyPr>
+          <a:lstStyle/>
+          <a:p>
+            <a:endParaRPr lang="en-PH"/>
+          </a:p>
+        </p:txBody>
+      </p:sp>
+    </p:spTree>
+    <p:extLst>
+      <p:ext uri="{BB962C8B-B14F-4D97-AF65-F5344CB8AC3E}">
+        <p14:creationId xmlns:p14="http://schemas.microsoft.com/office/powerpoint/2010/main" val="2935414004"/>
+      </p:ext>
+    </p:extLst>
+  </p:cSld>
+  <p:clrMapOvr>
+    <a:masterClrMapping/>
+  </p:clrMapOvr>
+</p:sld>
+</file>
+
+<file path=ppt/slides/slide23.xml><?xml version="1.0" encoding="utf-8"?>
+<p:sld xmlns:a="http://schemas.openxmlformats.org/drawingml/2006/main" xmlns:r="http://schemas.openxmlformats.org/officeDocument/2006/relationships" xmlns:p="http://schemas.openxmlformats.org/presentationml/2006/main">
+  <p:cSld>
+    <p:spTree>
+      <p:nvGrpSpPr>
+        <p:cNvPr id="1" name=""/>
+        <p:cNvGrpSpPr/>
+        <p:nvPr/>
+      </p:nvGrpSpPr>
+      <p:grpSpPr>
+        <a:xfrm>
+          <a:off x="0" y="0"/>
+          <a:ext cx="0" cy="0"/>
+          <a:chOff x="0" y="0"/>
+          <a:chExt cx="0" cy="0"/>
+        </a:xfrm>
+      </p:grpSpPr>
       <p:sp>
         <p:nvSpPr>
           <p:cNvPr id="2" name="TextBox 1">
@@ -17157,7 +17745,7 @@
         <p:spPr>
           <a:xfrm>
             <a:off x="508000" y="972457"/>
-            <a:ext cx="8786312" cy="769441"/>
+            <a:ext cx="10565008" cy="769441"/>
           </a:xfrm>
           <a:prstGeom prst="rect">
             <a:avLst/>
@@ -17172,7 +17760,189 @@
           <a:p>
             <a:r>
               <a:rPr lang="en-PH" sz="4400" b="1" dirty="0"/>
-              <a:t>User Feedback (Second Prototype)</a:t>
+              <a:t>User Feedback (First Prototype)   [OLD]</a:t>
+            </a:r>
+          </a:p>
+        </p:txBody>
+      </p:sp>
+      <p:sp>
+        <p:nvSpPr>
+          <p:cNvPr id="10" name="Rectangle 9">
+            <a:extLst>
+              <a:ext uri="{FF2B5EF4-FFF2-40B4-BE49-F238E27FC236}">
+                <a16:creationId xmlns:a16="http://schemas.microsoft.com/office/drawing/2014/main" id="{5316A900-6D0D-4779-B86F-C134F5DE456C}"/>
+              </a:ext>
+            </a:extLst>
+          </p:cNvPr>
+          <p:cNvSpPr/>
+          <p:nvPr/>
+        </p:nvSpPr>
+        <p:spPr>
+          <a:xfrm>
+            <a:off x="508000" y="1971902"/>
+            <a:ext cx="10724776" cy="3109056"/>
+          </a:xfrm>
+          <a:prstGeom prst="rect">
+            <a:avLst/>
+          </a:prstGeom>
+        </p:spPr>
+        <p:txBody>
+          <a:bodyPr wrap="square">
+            <a:spAutoFit/>
+          </a:bodyPr>
+          <a:lstStyle/>
+          <a:p>
+            <a:pPr marL="342900" lvl="0" indent="-342900">
+              <a:lnSpc>
+                <a:spcPct val="150000"/>
+              </a:lnSpc>
+              <a:spcAft>
+                <a:spcPts val="800"/>
+              </a:spcAft>
+              <a:buFont typeface="Symbol" panose="05050102010706020507" pitchFamily="18" charset="2"/>
+              <a:buChar char=""/>
+            </a:pPr>
+            <a:r>
+              <a:rPr lang="en-PH" sz="2400" dirty="0">
+                <a:effectLst/>
+                <a:latin typeface="Tahoma" panose="020B0604030504040204" pitchFamily="34" charset="0"/>
+                <a:ea typeface="Times New Roman" panose="02020603050405020304" pitchFamily="18" charset="0"/>
+                <a:cs typeface="Times New Roman" panose="02020603050405020304" pitchFamily="18" charset="0"/>
+              </a:rPr>
+              <a:t>Prototype has no pictures</a:t>
+            </a:r>
+          </a:p>
+          <a:p>
+            <a:pPr marL="342900" lvl="0" indent="-342900">
+              <a:lnSpc>
+                <a:spcPct val="150000"/>
+              </a:lnSpc>
+              <a:spcAft>
+                <a:spcPts val="800"/>
+              </a:spcAft>
+              <a:buFont typeface="Symbol" panose="05050102010706020507" pitchFamily="18" charset="2"/>
+              <a:buChar char=""/>
+            </a:pPr>
+            <a:r>
+              <a:rPr lang="en-PH" sz="2400" dirty="0">
+                <a:latin typeface="Tahoma" panose="020B0604030504040204" pitchFamily="34" charset="0"/>
+                <a:ea typeface="Times New Roman" panose="02020603050405020304" pitchFamily="18" charset="0"/>
+                <a:cs typeface="Times New Roman" panose="02020603050405020304" pitchFamily="18" charset="0"/>
+              </a:rPr>
+              <a:t>Unresponsive Map</a:t>
+            </a:r>
+          </a:p>
+          <a:p>
+            <a:pPr marL="342900" lvl="0" indent="-342900">
+              <a:lnSpc>
+                <a:spcPct val="150000"/>
+              </a:lnSpc>
+              <a:spcAft>
+                <a:spcPts val="800"/>
+              </a:spcAft>
+              <a:buFont typeface="Symbol" panose="05050102010706020507" pitchFamily="18" charset="2"/>
+              <a:buChar char=""/>
+            </a:pPr>
+            <a:r>
+              <a:rPr lang="en-PH" sz="2400" dirty="0">
+                <a:effectLst/>
+                <a:latin typeface="Tahoma" panose="020B0604030504040204" pitchFamily="34" charset="0"/>
+                <a:ea typeface="Times New Roman" panose="02020603050405020304" pitchFamily="18" charset="0"/>
+                <a:cs typeface="Times New Roman" panose="02020603050405020304" pitchFamily="18" charset="0"/>
+              </a:rPr>
+              <a:t>Provide current reviews of the Internet Cafes, also let the users comment, or do a review about the place.</a:t>
+            </a:r>
+          </a:p>
+          <a:p>
+            <a:pPr marL="342900" lvl="0" indent="-342900">
+              <a:lnSpc>
+                <a:spcPct val="150000"/>
+              </a:lnSpc>
+              <a:spcAft>
+                <a:spcPts val="800"/>
+              </a:spcAft>
+              <a:buFont typeface="Symbol" panose="05050102010706020507" pitchFamily="18" charset="2"/>
+              <a:buChar char=""/>
+            </a:pPr>
+            <a:r>
+              <a:rPr lang="en-PH" sz="2400" dirty="0">
+                <a:effectLst/>
+                <a:latin typeface="Tahoma" panose="020B0604030504040204" pitchFamily="34" charset="0"/>
+                <a:ea typeface="Times New Roman" panose="02020603050405020304" pitchFamily="18" charset="0"/>
+                <a:cs typeface="Times New Roman" panose="02020603050405020304" pitchFamily="18" charset="0"/>
+              </a:rPr>
+              <a:t>Create an advanced booking system</a:t>
+            </a:r>
+            <a:endParaRPr lang="en-PH" sz="2000" dirty="0">
+              <a:effectLst/>
+              <a:latin typeface="Calibri" panose="020F0502020204030204" pitchFamily="34" charset="0"/>
+              <a:ea typeface="Times New Roman" panose="02020603050405020304" pitchFamily="18" charset="0"/>
+              <a:cs typeface="Times New Roman" panose="02020603050405020304" pitchFamily="18" charset="0"/>
+            </a:endParaRPr>
+          </a:p>
+        </p:txBody>
+      </p:sp>
+    </p:spTree>
+    <p:extLst>
+      <p:ext uri="{BB962C8B-B14F-4D97-AF65-F5344CB8AC3E}">
+        <p14:creationId xmlns:p14="http://schemas.microsoft.com/office/powerpoint/2010/main" val="3827903759"/>
+      </p:ext>
+    </p:extLst>
+  </p:cSld>
+  <p:clrMapOvr>
+    <a:masterClrMapping/>
+  </p:clrMapOvr>
+</p:sld>
+</file>
+
+<file path=ppt/slides/slide24.xml><?xml version="1.0" encoding="utf-8"?>
+<p:sld xmlns:a="http://schemas.openxmlformats.org/drawingml/2006/main" xmlns:r="http://schemas.openxmlformats.org/officeDocument/2006/relationships" xmlns:p="http://schemas.openxmlformats.org/presentationml/2006/main">
+  <p:cSld>
+    <p:spTree>
+      <p:nvGrpSpPr>
+        <p:cNvPr id="1" name=""/>
+        <p:cNvGrpSpPr/>
+        <p:nvPr/>
+      </p:nvGrpSpPr>
+      <p:grpSpPr>
+        <a:xfrm>
+          <a:off x="0" y="0"/>
+          <a:ext cx="0" cy="0"/>
+          <a:chOff x="0" y="0"/>
+          <a:chExt cx="0" cy="0"/>
+        </a:xfrm>
+      </p:grpSpPr>
+      <p:sp>
+        <p:nvSpPr>
+          <p:cNvPr id="2" name="TextBox 1">
+            <a:extLst>
+              <a:ext uri="{FF2B5EF4-FFF2-40B4-BE49-F238E27FC236}">
+                <a16:creationId xmlns:a16="http://schemas.microsoft.com/office/drawing/2014/main" id="{516FA38D-E8F4-48A3-9D51-C235014C6AD7}"/>
+              </a:ext>
+            </a:extLst>
+          </p:cNvPr>
+          <p:cNvSpPr txBox="1"/>
+          <p:nvPr/>
+        </p:nvSpPr>
+        <p:spPr>
+          <a:xfrm>
+            <a:off x="508000" y="972457"/>
+            <a:ext cx="10724776" cy="769441"/>
+          </a:xfrm>
+          <a:prstGeom prst="rect">
+            <a:avLst/>
+          </a:prstGeom>
+          <a:noFill/>
+        </p:spPr>
+        <p:txBody>
+          <a:bodyPr wrap="square" rtlCol="0">
+            <a:spAutoFit/>
+          </a:bodyPr>
+          <a:lstStyle/>
+          <a:p>
+            <a:r>
+              <a:rPr lang="en-PH" sz="4400" b="1" dirty="0"/>
+              <a:t>User Feedback (Second Prototype) [OLD]</a:t>
             </a:r>
           </a:p>
         </p:txBody>
@@ -17264,7 +18034,203 @@
 </p:sld>
 </file>
 
-<file path=ppt/slides/slide22.xml><?xml version="1.0" encoding="utf-8"?>
+<file path=ppt/slides/slide25.xml><?xml version="1.0" encoding="utf-8"?>
+<p:sld xmlns:a="http://schemas.openxmlformats.org/drawingml/2006/main" xmlns:r="http://schemas.openxmlformats.org/officeDocument/2006/relationships" xmlns:p="http://schemas.openxmlformats.org/presentationml/2006/main">
+  <p:cSld>
+    <p:spTree>
+      <p:nvGrpSpPr>
+        <p:cNvPr id="1" name=""/>
+        <p:cNvGrpSpPr/>
+        <p:nvPr/>
+      </p:nvGrpSpPr>
+      <p:grpSpPr>
+        <a:xfrm>
+          <a:off x="0" y="0"/>
+          <a:ext cx="0" cy="0"/>
+          <a:chOff x="0" y="0"/>
+          <a:chExt cx="0" cy="0"/>
+        </a:xfrm>
+      </p:grpSpPr>
+      <p:sp>
+        <p:nvSpPr>
+          <p:cNvPr id="2" name="TextBox 1">
+            <a:extLst>
+              <a:ext uri="{FF2B5EF4-FFF2-40B4-BE49-F238E27FC236}">
+                <a16:creationId xmlns:a16="http://schemas.microsoft.com/office/drawing/2014/main" id="{516FA38D-E8F4-48A3-9D51-C235014C6AD7}"/>
+              </a:ext>
+            </a:extLst>
+          </p:cNvPr>
+          <p:cNvSpPr txBox="1"/>
+          <p:nvPr/>
+        </p:nvSpPr>
+        <p:spPr>
+          <a:xfrm>
+            <a:off x="508000" y="972457"/>
+            <a:ext cx="10724776" cy="769441"/>
+          </a:xfrm>
+          <a:prstGeom prst="rect">
+            <a:avLst/>
+          </a:prstGeom>
+          <a:noFill/>
+        </p:spPr>
+        <p:txBody>
+          <a:bodyPr wrap="square" rtlCol="0">
+            <a:spAutoFit/>
+          </a:bodyPr>
+          <a:lstStyle/>
+          <a:p>
+            <a:r>
+              <a:rPr lang="en-PH" sz="4400" b="1" dirty="0"/>
+              <a:t>User Feedback (First Prototype) [NEW]</a:t>
+            </a:r>
+          </a:p>
+        </p:txBody>
+      </p:sp>
+      <p:sp>
+        <p:nvSpPr>
+          <p:cNvPr id="10" name="Rectangle 9">
+            <a:extLst>
+              <a:ext uri="{FF2B5EF4-FFF2-40B4-BE49-F238E27FC236}">
+                <a16:creationId xmlns:a16="http://schemas.microsoft.com/office/drawing/2014/main" id="{5316A900-6D0D-4779-B86F-C134F5DE456C}"/>
+              </a:ext>
+            </a:extLst>
+          </p:cNvPr>
+          <p:cNvSpPr/>
+          <p:nvPr/>
+        </p:nvSpPr>
+        <p:spPr>
+          <a:xfrm>
+            <a:off x="508000" y="1971902"/>
+            <a:ext cx="10724776" cy="3197350"/>
+          </a:xfrm>
+          <a:prstGeom prst="rect">
+            <a:avLst/>
+          </a:prstGeom>
+        </p:spPr>
+        <p:txBody>
+          <a:bodyPr wrap="square">
+            <a:spAutoFit/>
+          </a:bodyPr>
+          <a:lstStyle/>
+          <a:p>
+            <a:pPr marL="342900" lvl="0" indent="-342900">
+              <a:lnSpc>
+                <a:spcPct val="150000"/>
+              </a:lnSpc>
+              <a:spcAft>
+                <a:spcPts val="800"/>
+              </a:spcAft>
+              <a:buFont typeface="Symbol" panose="05050102010706020507" pitchFamily="18" charset="2"/>
+              <a:buChar char=""/>
+            </a:pPr>
+            <a:r>
+              <a:rPr lang="en-PH" sz="2400" dirty="0">
+                <a:latin typeface="Tahoma" panose="020B0604030504040204" pitchFamily="34" charset="0"/>
+                <a:ea typeface="Times New Roman" panose="02020603050405020304" pitchFamily="18" charset="0"/>
+                <a:cs typeface="Times New Roman" panose="02020603050405020304" pitchFamily="18" charset="0"/>
+              </a:rPr>
+              <a:t>Good and Helpful application</a:t>
+            </a:r>
+            <a:endParaRPr lang="en-PH" sz="2400" dirty="0">
+              <a:effectLst/>
+              <a:latin typeface="Tahoma" panose="020B0604030504040204" pitchFamily="34" charset="0"/>
+              <a:ea typeface="Times New Roman" panose="02020603050405020304" pitchFamily="18" charset="0"/>
+              <a:cs typeface="Times New Roman" panose="02020603050405020304" pitchFamily="18" charset="0"/>
+            </a:endParaRPr>
+          </a:p>
+          <a:p>
+            <a:pPr marL="342900" lvl="0" indent="-342900">
+              <a:lnSpc>
+                <a:spcPct val="150000"/>
+              </a:lnSpc>
+              <a:spcAft>
+                <a:spcPts val="800"/>
+              </a:spcAft>
+              <a:buFont typeface="Symbol" panose="05050102010706020507" pitchFamily="18" charset="2"/>
+              <a:buChar char=""/>
+            </a:pPr>
+            <a:r>
+              <a:rPr lang="en-PH" sz="2400" dirty="0">
+                <a:latin typeface="Tahoma" panose="020B0604030504040204" pitchFamily="34" charset="0"/>
+                <a:ea typeface="Times New Roman" panose="02020603050405020304" pitchFamily="18" charset="0"/>
+                <a:cs typeface="Times New Roman" panose="02020603050405020304" pitchFamily="18" charset="0"/>
+              </a:rPr>
+              <a:t>Make a way to verify the computer shop’s service</a:t>
+            </a:r>
+          </a:p>
+          <a:p>
+            <a:pPr marL="342900" lvl="0" indent="-342900">
+              <a:lnSpc>
+                <a:spcPct val="150000"/>
+              </a:lnSpc>
+              <a:spcAft>
+                <a:spcPts val="800"/>
+              </a:spcAft>
+              <a:buFont typeface="Symbol" panose="05050102010706020507" pitchFamily="18" charset="2"/>
+              <a:buChar char=""/>
+            </a:pPr>
+            <a:r>
+              <a:rPr lang="en-PH" sz="2400" dirty="0">
+                <a:latin typeface="Tahoma" panose="020B0604030504040204" pitchFamily="34" charset="0"/>
+                <a:ea typeface="Times New Roman" panose="02020603050405020304" pitchFamily="18" charset="0"/>
+                <a:cs typeface="Times New Roman" panose="02020603050405020304" pitchFamily="18" charset="0"/>
+              </a:rPr>
+              <a:t>Add instructions</a:t>
+            </a:r>
+          </a:p>
+          <a:p>
+            <a:pPr marL="342900" lvl="0" indent="-342900">
+              <a:lnSpc>
+                <a:spcPct val="150000"/>
+              </a:lnSpc>
+              <a:spcAft>
+                <a:spcPts val="800"/>
+              </a:spcAft>
+              <a:buFont typeface="Symbol" panose="05050102010706020507" pitchFamily="18" charset="2"/>
+              <a:buChar char=""/>
+            </a:pPr>
+            <a:r>
+              <a:rPr lang="en-PH" sz="2400" dirty="0">
+                <a:latin typeface="Tahoma" panose="020B0604030504040204" pitchFamily="34" charset="0"/>
+                <a:ea typeface="Times New Roman" panose="02020603050405020304" pitchFamily="18" charset="0"/>
+                <a:cs typeface="Times New Roman" panose="02020603050405020304" pitchFamily="18" charset="0"/>
+              </a:rPr>
+              <a:t>Add more computer shop choices</a:t>
+            </a:r>
+          </a:p>
+          <a:p>
+            <a:pPr marL="342900" lvl="0" indent="-342900">
+              <a:lnSpc>
+                <a:spcPct val="150000"/>
+              </a:lnSpc>
+              <a:spcAft>
+                <a:spcPts val="800"/>
+              </a:spcAft>
+              <a:buFont typeface="Symbol" panose="05050102010706020507" pitchFamily="18" charset="2"/>
+              <a:buChar char=""/>
+            </a:pPr>
+            <a:endParaRPr lang="en-PH" sz="2400" dirty="0">
+              <a:latin typeface="Tahoma" panose="020B0604030504040204" pitchFamily="34" charset="0"/>
+              <a:ea typeface="Times New Roman" panose="02020603050405020304" pitchFamily="18" charset="0"/>
+              <a:cs typeface="Times New Roman" panose="02020603050405020304" pitchFamily="18" charset="0"/>
+            </a:endParaRPr>
+          </a:p>
+        </p:txBody>
+      </p:sp>
+    </p:spTree>
+    <p:extLst>
+      <p:ext uri="{BB962C8B-B14F-4D97-AF65-F5344CB8AC3E}">
+        <p14:creationId xmlns:p14="http://schemas.microsoft.com/office/powerpoint/2010/main" val="610356689"/>
+      </p:ext>
+    </p:extLst>
+  </p:cSld>
+  <p:clrMapOvr>
+    <a:masterClrMapping/>
+  </p:clrMapOvr>
+</p:sld>
+</file>
+
+<file path=ppt/slides/slide26.xml><?xml version="1.0" encoding="utf-8"?>
 <p:sld xmlns:a="http://schemas.openxmlformats.org/drawingml/2006/main" xmlns:r="http://schemas.openxmlformats.org/officeDocument/2006/relationships" xmlns:p="http://schemas.openxmlformats.org/presentationml/2006/main">
   <p:cSld>
     <p:spTree>
@@ -18444,12 +19410,6 @@
 </file>
 
 <file path=customXml/item1.xml><?xml version="1.0" encoding="utf-8"?>
-<p:properties xmlns:p="http://schemas.microsoft.com/office/2006/metadata/properties" xmlns:xsi="http://www.w3.org/2001/XMLSchema-instance" xmlns:pc="http://schemas.microsoft.com/office/infopath/2007/PartnerControls">
-  <documentManagement/>
-</p:properties>
-</file>
-
-<file path=customXml/item2.xml><?xml version="1.0" encoding="utf-8"?>
 <ct:contentTypeSchema xmlns:ct="http://schemas.microsoft.com/office/2006/metadata/contentType" xmlns:ma="http://schemas.microsoft.com/office/2006/metadata/properties/metaAttributes" ct:_="" ma:_="" ma:contentTypeName="Document" ma:contentTypeID="0x0101003DA88DB85B4E8D4084484328911618A8" ma:contentTypeVersion="5" ma:contentTypeDescription="Create a new document." ma:contentTypeScope="" ma:versionID="1630f269bc344f605b1569b6759cf365">
   <xsd:schema xmlns:xsd="http://www.w3.org/2001/XMLSchema" xmlns:xs="http://www.w3.org/2001/XMLSchema" xmlns:p="http://schemas.microsoft.com/office/2006/metadata/properties" xmlns:ns3="fdade5d6-c01e-48ba-acc4-02ddfa9d7bb6" xmlns:ns4="795da99e-ba84-4562-a176-4f9db8050bfa" targetNamespace="http://schemas.microsoft.com/office/2006/metadata/properties" ma:root="true" ma:fieldsID="05147003163e0c2ee77fc0457ca6abd6" ns3:_="" ns4:_="">
     <xsd:import namespace="fdade5d6-c01e-48ba-acc4-02ddfa9d7bb6"/>
@@ -18620,6 +19580,12 @@
 </ct:contentTypeSchema>
 </file>
 
+<file path=customXml/item2.xml><?xml version="1.0" encoding="utf-8"?>
+<p:properties xmlns:p="http://schemas.microsoft.com/office/2006/metadata/properties" xmlns:xsi="http://www.w3.org/2001/XMLSchema-instance" xmlns:pc="http://schemas.microsoft.com/office/infopath/2007/PartnerControls">
+  <documentManagement/>
+</p:properties>
+</file>
+
 <file path=customXml/item3.xml><?xml version="1.0" encoding="utf-8"?>
 <?mso-contentType ?>
 <FormTemplates xmlns="http://schemas.microsoft.com/sharepoint/v3/contenttype/forms">
@@ -18630,23 +19596,6 @@
 </file>
 
 <file path=customXml/itemProps1.xml><?xml version="1.0" encoding="utf-8"?>
-<ds:datastoreItem xmlns:ds="http://schemas.openxmlformats.org/officeDocument/2006/customXml" ds:itemID="{8C47A13B-D867-4692-B527-F6C7A8158F04}">
-  <ds:schemaRefs>
-    <ds:schemaRef ds:uri="http://www.w3.org/XML/1998/namespace"/>
-    <ds:schemaRef ds:uri="http://schemas.openxmlformats.org/package/2006/metadata/core-properties"/>
-    <ds:schemaRef ds:uri="http://purl.org/dc/dcmitype/"/>
-    <ds:schemaRef ds:uri="http://schemas.microsoft.com/office/2006/documentManagement/types"/>
-    <ds:schemaRef ds:uri="http://purl.org/dc/terms/"/>
-    <ds:schemaRef ds:uri="http://schemas.microsoft.com/office/infopath/2007/PartnerControls"/>
-    <ds:schemaRef ds:uri="fdade5d6-c01e-48ba-acc4-02ddfa9d7bb6"/>
-    <ds:schemaRef ds:uri="795da99e-ba84-4562-a176-4f9db8050bfa"/>
-    <ds:schemaRef ds:uri="http://schemas.microsoft.com/office/2006/metadata/properties"/>
-    <ds:schemaRef ds:uri="http://purl.org/dc/elements/1.1/"/>
-  </ds:schemaRefs>
-</ds:datastoreItem>
-</file>
-
-<file path=customXml/itemProps2.xml><?xml version="1.0" encoding="utf-8"?>
 <ds:datastoreItem xmlns:ds="http://schemas.openxmlformats.org/officeDocument/2006/customXml" ds:itemID="{8ED7CC43-5202-4B7A-8202-CDA66FD5A2B4}">
   <ds:schemaRefs>
     <ds:schemaRef ds:uri="http://schemas.microsoft.com/office/2006/metadata/contentType"/>
@@ -18665,6 +19614,23 @@
 </ds:datastoreItem>
 </file>
 
+<file path=customXml/itemProps2.xml><?xml version="1.0" encoding="utf-8"?>
+<ds:datastoreItem xmlns:ds="http://schemas.openxmlformats.org/officeDocument/2006/customXml" ds:itemID="{8C47A13B-D867-4692-B527-F6C7A8158F04}">
+  <ds:schemaRefs>
+    <ds:schemaRef ds:uri="http://www.w3.org/XML/1998/namespace"/>
+    <ds:schemaRef ds:uri="http://schemas.openxmlformats.org/package/2006/metadata/core-properties"/>
+    <ds:schemaRef ds:uri="http://purl.org/dc/dcmitype/"/>
+    <ds:schemaRef ds:uri="http://schemas.microsoft.com/office/2006/documentManagement/types"/>
+    <ds:schemaRef ds:uri="http://purl.org/dc/terms/"/>
+    <ds:schemaRef ds:uri="http://schemas.microsoft.com/office/infopath/2007/PartnerControls"/>
+    <ds:schemaRef ds:uri="fdade5d6-c01e-48ba-acc4-02ddfa9d7bb6"/>
+    <ds:schemaRef ds:uri="795da99e-ba84-4562-a176-4f9db8050bfa"/>
+    <ds:schemaRef ds:uri="http://schemas.microsoft.com/office/2006/metadata/properties"/>
+    <ds:schemaRef ds:uri="http://purl.org/dc/elements/1.1/"/>
+  </ds:schemaRefs>
+</ds:datastoreItem>
+</file>
+
 <file path=customXml/itemProps3.xml><?xml version="1.0" encoding="utf-8"?>
 <ds:datastoreItem xmlns:ds="http://schemas.openxmlformats.org/officeDocument/2006/customXml" ds:itemID="{D7EDC7EB-0DC1-44C1-867C-7EF6FE677BC5}">
   <ds:schemaRefs>

--- a/userdes.pptx
+++ b/userdes.pptx
@@ -30,10 +30,11 @@
     <p:sldId id="284" r:id="rId27"/>
     <p:sldId id="283" r:id="rId28"/>
     <p:sldId id="285" r:id="rId29"/>
-    <p:sldId id="271" r:id="rId30"/>
-    <p:sldId id="272" r:id="rId31"/>
-    <p:sldId id="286" r:id="rId32"/>
-    <p:sldId id="269" r:id="rId33"/>
+    <p:sldId id="292" r:id="rId30"/>
+    <p:sldId id="271" r:id="rId31"/>
+    <p:sldId id="272" r:id="rId32"/>
+    <p:sldId id="286" r:id="rId33"/>
+    <p:sldId id="269" r:id="rId34"/>
   </p:sldIdLst>
   <p:sldSz cx="12192000" cy="6858000"/>
   <p:notesSz cx="6858000" cy="9144000"/>
@@ -9817,59 +9818,52 @@
       </p:grpSpPr>
       <p:sp>
         <p:nvSpPr>
-          <p:cNvPr id="2" name="TextBox 1">
-            <a:extLst>
-              <a:ext uri="{FF2B5EF4-FFF2-40B4-BE49-F238E27FC236}">
-                <a16:creationId xmlns:a16="http://schemas.microsoft.com/office/drawing/2014/main" id="{516FA38D-E8F4-48A3-9D51-C235014C6AD7}"/>
-              </a:ext>
-            </a:extLst>
-          </p:cNvPr>
-          <p:cNvSpPr txBox="1"/>
+          <p:cNvPr id="2" name="Title 1">
+            <a:extLst>
+              <a:ext uri="{FF2B5EF4-FFF2-40B4-BE49-F238E27FC236}">
+                <a16:creationId xmlns:a16="http://schemas.microsoft.com/office/drawing/2014/main" id="{CD9C596C-0089-4C90-847A-AB72FE65D089}"/>
+              </a:ext>
+            </a:extLst>
+          </p:cNvPr>
+          <p:cNvSpPr>
+            <a:spLocks noGrp="1"/>
+          </p:cNvSpPr>
+          <p:nvPr>
+            <p:ph type="title"/>
+          </p:nvPr>
+        </p:nvSpPr>
+        <p:spPr/>
+        <p:txBody>
+          <a:bodyPr/>
+          <a:lstStyle/>
+          <a:p>
+            <a:r>
+              <a:rPr lang="en-PH" dirty="0"/>
+              <a:t>Testing Link</a:t>
+            </a:r>
+          </a:p>
+        </p:txBody>
+      </p:sp>
+      <p:sp>
+        <p:nvSpPr>
+          <p:cNvPr id="4" name="Rectangle 3">
+            <a:extLst>
+              <a:ext uri="{FF2B5EF4-FFF2-40B4-BE49-F238E27FC236}">
+                <a16:creationId xmlns:a16="http://schemas.microsoft.com/office/drawing/2014/main" id="{86CCF974-EB3A-40F7-887C-9327EE0F08D8}"/>
+              </a:ext>
+            </a:extLst>
+          </p:cNvPr>
+          <p:cNvSpPr/>
           <p:nvPr/>
         </p:nvSpPr>
         <p:spPr>
           <a:xfrm>
-            <a:off x="508000" y="972457"/>
-            <a:ext cx="10565008" cy="769441"/>
+            <a:off x="3399182" y="1965357"/>
+            <a:ext cx="5393635" cy="3139321"/>
           </a:xfrm>
           <a:prstGeom prst="rect">
             <a:avLst/>
           </a:prstGeom>
-          <a:noFill/>
-        </p:spPr>
-        <p:txBody>
-          <a:bodyPr wrap="square" rtlCol="0">
-            <a:spAutoFit/>
-          </a:bodyPr>
-          <a:lstStyle/>
-          <a:p>
-            <a:r>
-              <a:rPr lang="en-PH" sz="4400" b="1" dirty="0"/>
-              <a:t>User Feedback (First Prototype)   [OLD]</a:t>
-            </a:r>
-          </a:p>
-        </p:txBody>
-      </p:sp>
-      <p:sp>
-        <p:nvSpPr>
-          <p:cNvPr id="10" name="Rectangle 9">
-            <a:extLst>
-              <a:ext uri="{FF2B5EF4-FFF2-40B4-BE49-F238E27FC236}">
-                <a16:creationId xmlns:a16="http://schemas.microsoft.com/office/drawing/2014/main" id="{5316A900-6D0D-4779-B86F-C134F5DE456C}"/>
-              </a:ext>
-            </a:extLst>
-          </p:cNvPr>
-          <p:cNvSpPr/>
-          <p:nvPr/>
-        </p:nvSpPr>
-        <p:spPr>
-          <a:xfrm>
-            <a:off x="508000" y="1971902"/>
-            <a:ext cx="10724776" cy="3109056"/>
-          </a:xfrm>
-          <a:prstGeom prst="rect">
-            <a:avLst/>
-          </a:prstGeom>
         </p:spPr>
         <p:txBody>
           <a:bodyPr wrap="square">
@@ -9877,100 +9871,79 @@
           </a:bodyPr>
           <a:lstStyle/>
           <a:p>
-            <a:pPr marL="342900" lvl="0" indent="-342900">
-              <a:lnSpc>
-                <a:spcPct val="150000"/>
-              </a:lnSpc>
-              <a:spcAft>
-                <a:spcPts val="800"/>
-              </a:spcAft>
-              <a:buFont typeface="Symbol" panose="05050102010706020507" pitchFamily="18" charset="2"/>
-              <a:buChar char=""/>
-            </a:pPr>
-            <a:r>
-              <a:rPr lang="en-PH" sz="2400" dirty="0">
-                <a:effectLst/>
-                <a:latin typeface="Tahoma" panose="020B0604030504040204" pitchFamily="34" charset="0"/>
-                <a:ea typeface="Times New Roman" panose="02020603050405020304" pitchFamily="18" charset="0"/>
-                <a:cs typeface="Times New Roman" panose="02020603050405020304" pitchFamily="18" charset="0"/>
-              </a:rPr>
-              <a:t>Prototype has no pictures</a:t>
-            </a:r>
-          </a:p>
-          <a:p>
-            <a:pPr marL="342900" lvl="0" indent="-342900">
-              <a:lnSpc>
-                <a:spcPct val="150000"/>
-              </a:lnSpc>
-              <a:spcAft>
-                <a:spcPts val="800"/>
-              </a:spcAft>
-              <a:buFont typeface="Symbol" panose="05050102010706020507" pitchFamily="18" charset="2"/>
-              <a:buChar char=""/>
-            </a:pPr>
-            <a:r>
-              <a:rPr lang="en-PH" sz="2400" dirty="0">
-                <a:latin typeface="Tahoma" panose="020B0604030504040204" pitchFamily="34" charset="0"/>
-                <a:ea typeface="Times New Roman" panose="02020603050405020304" pitchFamily="18" charset="0"/>
-                <a:cs typeface="Times New Roman" panose="02020603050405020304" pitchFamily="18" charset="0"/>
-              </a:rPr>
-              <a:t>Unresponsive Map</a:t>
-            </a:r>
-          </a:p>
-          <a:p>
-            <a:pPr marL="342900" lvl="0" indent="-342900">
-              <a:lnSpc>
-                <a:spcPct val="150000"/>
-              </a:lnSpc>
-              <a:spcAft>
-                <a:spcPts val="800"/>
-              </a:spcAft>
-              <a:buFont typeface="Symbol" panose="05050102010706020507" pitchFamily="18" charset="2"/>
-              <a:buChar char=""/>
-            </a:pPr>
-            <a:r>
-              <a:rPr lang="en-PH" sz="2400" dirty="0">
-                <a:effectLst/>
-                <a:latin typeface="Tahoma" panose="020B0604030504040204" pitchFamily="34" charset="0"/>
-                <a:ea typeface="Times New Roman" panose="02020603050405020304" pitchFamily="18" charset="0"/>
-                <a:cs typeface="Times New Roman" panose="02020603050405020304" pitchFamily="18" charset="0"/>
-              </a:rPr>
-              <a:t>Provide current reviews of the Internet Cafes, also let the users comment, or do a review about the place.</a:t>
-            </a:r>
-          </a:p>
-          <a:p>
-            <a:pPr marL="342900" lvl="0" indent="-342900">
-              <a:lnSpc>
-                <a:spcPct val="150000"/>
-              </a:lnSpc>
-              <a:spcAft>
-                <a:spcPts val="800"/>
-              </a:spcAft>
-              <a:buFont typeface="Symbol" panose="05050102010706020507" pitchFamily="18" charset="2"/>
-              <a:buChar char=""/>
-            </a:pPr>
-            <a:r>
-              <a:rPr lang="en-PH" sz="2400" dirty="0">
-                <a:effectLst/>
-                <a:latin typeface="Tahoma" panose="020B0604030504040204" pitchFamily="34" charset="0"/>
-                <a:ea typeface="Times New Roman" panose="02020603050405020304" pitchFamily="18" charset="0"/>
-                <a:cs typeface="Times New Roman" panose="02020603050405020304" pitchFamily="18" charset="0"/>
-              </a:rPr>
-              <a:t>Create an advanced booking system</a:t>
-            </a:r>
-            <a:endParaRPr lang="en-PH" sz="2000" dirty="0">
-              <a:effectLst/>
-              <a:latin typeface="Calibri" panose="020F0502020204030204" pitchFamily="34" charset="0"/>
-              <a:ea typeface="Times New Roman" panose="02020603050405020304" pitchFamily="18" charset="0"/>
-              <a:cs typeface="Times New Roman" panose="02020603050405020304" pitchFamily="18" charset="0"/>
-            </a:endParaRPr>
+            <a:r>
+              <a:rPr lang="en-PH" dirty="0" err="1"/>
+              <a:t>Eimelle</a:t>
+            </a:r>
+            <a:r>
+              <a:rPr lang="en-PH" dirty="0"/>
+              <a:t> Test</a:t>
+            </a:r>
+          </a:p>
+          <a:p>
+            <a:r>
+              <a:rPr lang="en-PH" dirty="0"/>
+              <a:t>https://youtu.be/qlEcciWr1mM</a:t>
+            </a:r>
+          </a:p>
+          <a:p>
+            <a:r>
+              <a:rPr lang="en-PH" dirty="0"/>
+              <a:t>https://youtu.be/RmbmS1gbGnU </a:t>
+            </a:r>
+          </a:p>
+          <a:p>
+            <a:endParaRPr lang="en-PH" dirty="0"/>
+          </a:p>
+          <a:p>
+            <a:r>
+              <a:rPr lang="en-PH" dirty="0" err="1"/>
+              <a:t>Yobhel</a:t>
+            </a:r>
+            <a:r>
+              <a:rPr lang="en-PH" dirty="0"/>
+              <a:t> Test</a:t>
+            </a:r>
+          </a:p>
+          <a:p>
+            <a:r>
+              <a:rPr lang="en-PH" dirty="0"/>
+              <a:t>https://youtu.be/olEvNzlY9KY</a:t>
+            </a:r>
+          </a:p>
+          <a:p>
+            <a:r>
+              <a:rPr lang="en-PH" dirty="0"/>
+              <a:t>https://youtu.be/lWygqX3jETs</a:t>
+            </a:r>
+          </a:p>
+          <a:p>
+            <a:endParaRPr lang="en-PH" dirty="0"/>
+          </a:p>
+          <a:p>
+            <a:r>
+              <a:rPr lang="en-PH" dirty="0"/>
+              <a:t>Zen Test</a:t>
+            </a:r>
+          </a:p>
+          <a:p>
+            <a:r>
+              <a:rPr lang="en-PH" dirty="0"/>
+              <a:t>https://youtu.be/UJjt7AbnokE</a:t>
+            </a:r>
+          </a:p>
+          <a:p>
+            <a:r>
+              <a:rPr lang="en-PH" dirty="0"/>
+              <a:t>https://youtu.be/42Ta8ZJza4Q</a:t>
+            </a:r>
           </a:p>
         </p:txBody>
       </p:sp>
     </p:spTree>
     <p:extLst>
       <p:ext uri="{BB962C8B-B14F-4D97-AF65-F5344CB8AC3E}">
-        <p14:creationId xmlns:p14="http://schemas.microsoft.com/office/powerpoint/2010/main" val="3827903759"/>
+        <p14:creationId xmlns:p14="http://schemas.microsoft.com/office/powerpoint/2010/main" val="1590574750"/>
       </p:ext>
     </p:extLst>
   </p:cSld>
@@ -10012,7 +9985,7 @@
         <p:spPr>
           <a:xfrm>
             <a:off x="508000" y="972457"/>
-            <a:ext cx="10724776" cy="769441"/>
+            <a:ext cx="10565008" cy="769441"/>
           </a:xfrm>
           <a:prstGeom prst="rect">
             <a:avLst/>
@@ -10027,7 +10000,7 @@
           <a:p>
             <a:r>
               <a:rPr lang="en-PH" sz="4400" b="1" dirty="0"/>
-              <a:t>User Feedback (Second Prototype) [OLD]</a:t>
+              <a:t>User Feedback (First Prototype)   [OLD]</a:t>
             </a:r>
           </a:p>
         </p:txBody>
@@ -10047,7 +10020,7 @@
         <p:spPr>
           <a:xfrm>
             <a:off x="508000" y="1971902"/>
-            <a:ext cx="10724776" cy="2540760"/>
+            <a:ext cx="10724776" cy="3109056"/>
           </a:xfrm>
           <a:prstGeom prst="rect">
             <a:avLst/>
@@ -10071,18 +10044,13 @@
             </a:pPr>
             <a:r>
               <a:rPr lang="en-PH" sz="2400" dirty="0">
+                <a:effectLst/>
                 <a:latin typeface="Tahoma" panose="020B0604030504040204" pitchFamily="34" charset="0"/>
                 <a:ea typeface="Times New Roman" panose="02020603050405020304" pitchFamily="18" charset="0"/>
                 <a:cs typeface="Times New Roman" panose="02020603050405020304" pitchFamily="18" charset="0"/>
               </a:rPr>
-              <a:t>Provide the total price</a:t>
-            </a:r>
-            <a:endParaRPr lang="en-PH" sz="2400" dirty="0">
-              <a:effectLst/>
-              <a:latin typeface="Tahoma" panose="020B0604030504040204" pitchFamily="34" charset="0"/>
-              <a:ea typeface="Times New Roman" panose="02020603050405020304" pitchFamily="18" charset="0"/>
-              <a:cs typeface="Times New Roman" panose="02020603050405020304" pitchFamily="18" charset="0"/>
-            </a:endParaRPr>
+              <a:t>Prototype has no pictures</a:t>
+            </a:r>
           </a:p>
           <a:p>
             <a:pPr marL="342900" lvl="0" indent="-342900">
@@ -10101,7 +10069,7 @@
                 <a:ea typeface="Times New Roman" panose="02020603050405020304" pitchFamily="18" charset="0"/>
                 <a:cs typeface="Times New Roman" panose="02020603050405020304" pitchFamily="18" charset="0"/>
               </a:rPr>
-              <a:t>Create hints or clues for the users to have an idea how the interface works</a:t>
+              <a:t>Unresponsive Map</a:t>
             </a:r>
           </a:p>
           <a:p>
@@ -10117,11 +10085,12 @@
             </a:pPr>
             <a:r>
               <a:rPr lang="en-PH" sz="2400" dirty="0">
+                <a:effectLst/>
                 <a:latin typeface="Tahoma" panose="020B0604030504040204" pitchFamily="34" charset="0"/>
                 <a:ea typeface="Times New Roman" panose="02020603050405020304" pitchFamily="18" charset="0"/>
                 <a:cs typeface="Times New Roman" panose="02020603050405020304" pitchFamily="18" charset="0"/>
               </a:rPr>
-              <a:t>See the reservation of the user </a:t>
+              <a:t>Provide current reviews of the Internet Cafes, also let the users comment, or do a review about the place.</a:t>
             </a:r>
           </a:p>
           <a:p>
@@ -10137,19 +10106,26 @@
             </a:pPr>
             <a:r>
               <a:rPr lang="en-PH" sz="2400" dirty="0">
+                <a:effectLst/>
                 <a:latin typeface="Tahoma" panose="020B0604030504040204" pitchFamily="34" charset="0"/>
                 <a:ea typeface="Times New Roman" panose="02020603050405020304" pitchFamily="18" charset="0"/>
                 <a:cs typeface="Times New Roman" panose="02020603050405020304" pitchFamily="18" charset="0"/>
               </a:rPr>
-              <a:t>Close button</a:t>
-            </a:r>
+              <a:t>Create an advanced booking system</a:t>
+            </a:r>
+            <a:endParaRPr lang="en-PH" sz="2000" dirty="0">
+              <a:effectLst/>
+              <a:latin typeface="Calibri" panose="020F0502020204030204" pitchFamily="34" charset="0"/>
+              <a:ea typeface="Times New Roman" panose="02020603050405020304" pitchFamily="18" charset="0"/>
+              <a:cs typeface="Times New Roman" panose="02020603050405020304" pitchFamily="18" charset="0"/>
+            </a:endParaRPr>
           </a:p>
         </p:txBody>
       </p:sp>
     </p:spTree>
     <p:extLst>
       <p:ext uri="{BB962C8B-B14F-4D97-AF65-F5344CB8AC3E}">
-        <p14:creationId xmlns:p14="http://schemas.microsoft.com/office/powerpoint/2010/main" val="1371761343"/>
+        <p14:creationId xmlns:p14="http://schemas.microsoft.com/office/powerpoint/2010/main" val="3827903759"/>
       </p:ext>
     </p:extLst>
   </p:cSld>
@@ -10206,7 +10182,7 @@
           <a:p>
             <a:r>
               <a:rPr lang="en-PH" sz="4400" b="1" dirty="0"/>
-              <a:t>User Feedback (First Prototype) [NEW]</a:t>
+              <a:t>User Feedback (Second Prototype) [OLD]</a:t>
             </a:r>
           </a:p>
         </p:txBody>
@@ -10226,7 +10202,7 @@
         <p:spPr>
           <a:xfrm>
             <a:off x="508000" y="1971902"/>
-            <a:ext cx="10724776" cy="3197350"/>
+            <a:ext cx="10724776" cy="2540760"/>
           </a:xfrm>
           <a:prstGeom prst="rect">
             <a:avLst/>
@@ -10254,7 +10230,7 @@
                 <a:ea typeface="Times New Roman" panose="02020603050405020304" pitchFamily="18" charset="0"/>
                 <a:cs typeface="Times New Roman" panose="02020603050405020304" pitchFamily="18" charset="0"/>
               </a:rPr>
-              <a:t>Good and Helpful application</a:t>
+              <a:t>Provide the total price</a:t>
             </a:r>
             <a:endParaRPr lang="en-PH" sz="2400" dirty="0">
               <a:effectLst/>
@@ -10280,7 +10256,7 @@
                 <a:ea typeface="Times New Roman" panose="02020603050405020304" pitchFamily="18" charset="0"/>
                 <a:cs typeface="Times New Roman" panose="02020603050405020304" pitchFamily="18" charset="0"/>
               </a:rPr>
-              <a:t>Make a way to verify the computer shop’s service</a:t>
+              <a:t>Create hints or clues for the users to have an idea how the interface works</a:t>
             </a:r>
           </a:p>
           <a:p>
@@ -10300,7 +10276,7 @@
                 <a:ea typeface="Times New Roman" panose="02020603050405020304" pitchFamily="18" charset="0"/>
                 <a:cs typeface="Times New Roman" panose="02020603050405020304" pitchFamily="18" charset="0"/>
               </a:rPr>
-              <a:t>Add instructions</a:t>
+              <a:t>See the reservation of the user </a:t>
             </a:r>
           </a:p>
           <a:p>
@@ -10320,32 +10296,15 @@
                 <a:ea typeface="Times New Roman" panose="02020603050405020304" pitchFamily="18" charset="0"/>
                 <a:cs typeface="Times New Roman" panose="02020603050405020304" pitchFamily="18" charset="0"/>
               </a:rPr>
-              <a:t>Add more computer shop choices</a:t>
-            </a:r>
-          </a:p>
-          <a:p>
-            <a:pPr marL="342900" lvl="0" indent="-342900">
-              <a:lnSpc>
-                <a:spcPct val="150000"/>
-              </a:lnSpc>
-              <a:spcAft>
-                <a:spcPts val="800"/>
-              </a:spcAft>
-              <a:buFont typeface="Symbol" panose="05050102010706020507" pitchFamily="18" charset="2"/>
-              <a:buChar char=""/>
-            </a:pPr>
-            <a:endParaRPr lang="en-PH" sz="2400" dirty="0">
-              <a:latin typeface="Tahoma" panose="020B0604030504040204" pitchFamily="34" charset="0"/>
-              <a:ea typeface="Times New Roman" panose="02020603050405020304" pitchFamily="18" charset="0"/>
-              <a:cs typeface="Times New Roman" panose="02020603050405020304" pitchFamily="18" charset="0"/>
-            </a:endParaRPr>
+              <a:t>Close button</a:t>
+            </a:r>
           </a:p>
         </p:txBody>
       </p:sp>
     </p:spTree>
     <p:extLst>
       <p:ext uri="{BB962C8B-B14F-4D97-AF65-F5344CB8AC3E}">
-        <p14:creationId xmlns:p14="http://schemas.microsoft.com/office/powerpoint/2010/main" val="610356689"/>
+        <p14:creationId xmlns:p14="http://schemas.microsoft.com/office/powerpoint/2010/main" val="1371761343"/>
       </p:ext>
     </p:extLst>
   </p:cSld>
@@ -10374,10 +10333,10 @@
       </p:grpSpPr>
       <p:sp>
         <p:nvSpPr>
-          <p:cNvPr id="4" name="TextBox 3">
-            <a:extLst>
-              <a:ext uri="{FF2B5EF4-FFF2-40B4-BE49-F238E27FC236}">
-                <a16:creationId xmlns:a16="http://schemas.microsoft.com/office/drawing/2014/main" id="{3FBF2CF3-4ADF-4DFC-8A5B-4F6524D594E5}"/>
+          <p:cNvPr id="2" name="TextBox 1">
+            <a:extLst>
+              <a:ext uri="{FF2B5EF4-FFF2-40B4-BE49-F238E27FC236}">
+                <a16:creationId xmlns:a16="http://schemas.microsoft.com/office/drawing/2014/main" id="{516FA38D-E8F4-48A3-9D51-C235014C6AD7}"/>
               </a:ext>
             </a:extLst>
           </p:cNvPr>
@@ -10386,8 +10345,8 @@
         </p:nvSpPr>
         <p:spPr>
           <a:xfrm>
-            <a:off x="1770742" y="2499096"/>
-            <a:ext cx="8650515" cy="1323439"/>
+            <a:off x="508000" y="972457"/>
+            <a:ext cx="10724776" cy="769441"/>
           </a:xfrm>
           <a:prstGeom prst="rect">
             <a:avLst/>
@@ -10400,18 +10359,148 @@
           </a:bodyPr>
           <a:lstStyle/>
           <a:p>
-            <a:pPr algn="ctr"/>
-            <a:r>
-              <a:rPr lang="en-PH" sz="8000" dirty="0"/>
-              <a:t>THANK YOU</a:t>
-            </a:r>
+            <a:r>
+              <a:rPr lang="en-PH" sz="4400" b="1" dirty="0"/>
+              <a:t>User Feedback (First Prototype) [NEW]</a:t>
+            </a:r>
+          </a:p>
+        </p:txBody>
+      </p:sp>
+      <p:sp>
+        <p:nvSpPr>
+          <p:cNvPr id="10" name="Rectangle 9">
+            <a:extLst>
+              <a:ext uri="{FF2B5EF4-FFF2-40B4-BE49-F238E27FC236}">
+                <a16:creationId xmlns:a16="http://schemas.microsoft.com/office/drawing/2014/main" id="{5316A900-6D0D-4779-B86F-C134F5DE456C}"/>
+              </a:ext>
+            </a:extLst>
+          </p:cNvPr>
+          <p:cNvSpPr/>
+          <p:nvPr/>
+        </p:nvSpPr>
+        <p:spPr>
+          <a:xfrm>
+            <a:off x="508000" y="1971902"/>
+            <a:ext cx="10724776" cy="3197350"/>
+          </a:xfrm>
+          <a:prstGeom prst="rect">
+            <a:avLst/>
+          </a:prstGeom>
+        </p:spPr>
+        <p:txBody>
+          <a:bodyPr wrap="square">
+            <a:spAutoFit/>
+          </a:bodyPr>
+          <a:lstStyle/>
+          <a:p>
+            <a:pPr marL="342900" lvl="0" indent="-342900">
+              <a:lnSpc>
+                <a:spcPct val="150000"/>
+              </a:lnSpc>
+              <a:spcAft>
+                <a:spcPts val="800"/>
+              </a:spcAft>
+              <a:buFont typeface="Symbol" panose="05050102010706020507" pitchFamily="18" charset="2"/>
+              <a:buChar char=""/>
+            </a:pPr>
+            <a:r>
+              <a:rPr lang="en-PH" sz="2400" dirty="0">
+                <a:latin typeface="Tahoma" panose="020B0604030504040204" pitchFamily="34" charset="0"/>
+                <a:ea typeface="Times New Roman" panose="02020603050405020304" pitchFamily="18" charset="0"/>
+                <a:cs typeface="Times New Roman" panose="02020603050405020304" pitchFamily="18" charset="0"/>
+              </a:rPr>
+              <a:t>Good and Helpful application</a:t>
+            </a:r>
+            <a:endParaRPr lang="en-PH" sz="2400" dirty="0">
+              <a:effectLst/>
+              <a:latin typeface="Tahoma" panose="020B0604030504040204" pitchFamily="34" charset="0"/>
+              <a:ea typeface="Times New Roman" panose="02020603050405020304" pitchFamily="18" charset="0"/>
+              <a:cs typeface="Times New Roman" panose="02020603050405020304" pitchFamily="18" charset="0"/>
+            </a:endParaRPr>
+          </a:p>
+          <a:p>
+            <a:pPr marL="342900" lvl="0" indent="-342900">
+              <a:lnSpc>
+                <a:spcPct val="150000"/>
+              </a:lnSpc>
+              <a:spcAft>
+                <a:spcPts val="800"/>
+              </a:spcAft>
+              <a:buFont typeface="Symbol" panose="05050102010706020507" pitchFamily="18" charset="2"/>
+              <a:buChar char=""/>
+            </a:pPr>
+            <a:r>
+              <a:rPr lang="en-PH" sz="2400" dirty="0">
+                <a:latin typeface="Tahoma" panose="020B0604030504040204" pitchFamily="34" charset="0"/>
+                <a:ea typeface="Times New Roman" panose="02020603050405020304" pitchFamily="18" charset="0"/>
+                <a:cs typeface="Times New Roman" panose="02020603050405020304" pitchFamily="18" charset="0"/>
+              </a:rPr>
+              <a:t>Make a way to verify the computer shop’s service</a:t>
+            </a:r>
+          </a:p>
+          <a:p>
+            <a:pPr marL="342900" lvl="0" indent="-342900">
+              <a:lnSpc>
+                <a:spcPct val="150000"/>
+              </a:lnSpc>
+              <a:spcAft>
+                <a:spcPts val="800"/>
+              </a:spcAft>
+              <a:buFont typeface="Symbol" panose="05050102010706020507" pitchFamily="18" charset="2"/>
+              <a:buChar char=""/>
+            </a:pPr>
+            <a:r>
+              <a:rPr lang="en-PH" sz="2400" dirty="0">
+                <a:latin typeface="Tahoma" panose="020B0604030504040204" pitchFamily="34" charset="0"/>
+                <a:ea typeface="Times New Roman" panose="02020603050405020304" pitchFamily="18" charset="0"/>
+                <a:cs typeface="Times New Roman" panose="02020603050405020304" pitchFamily="18" charset="0"/>
+              </a:rPr>
+              <a:t>Add instructions</a:t>
+            </a:r>
+          </a:p>
+          <a:p>
+            <a:pPr marL="342900" lvl="0" indent="-342900">
+              <a:lnSpc>
+                <a:spcPct val="150000"/>
+              </a:lnSpc>
+              <a:spcAft>
+                <a:spcPts val="800"/>
+              </a:spcAft>
+              <a:buFont typeface="Symbol" panose="05050102010706020507" pitchFamily="18" charset="2"/>
+              <a:buChar char=""/>
+            </a:pPr>
+            <a:r>
+              <a:rPr lang="en-PH" sz="2400" dirty="0">
+                <a:latin typeface="Tahoma" panose="020B0604030504040204" pitchFamily="34" charset="0"/>
+                <a:ea typeface="Times New Roman" panose="02020603050405020304" pitchFamily="18" charset="0"/>
+                <a:cs typeface="Times New Roman" panose="02020603050405020304" pitchFamily="18" charset="0"/>
+              </a:rPr>
+              <a:t>Add more computer shop choices</a:t>
+            </a:r>
+          </a:p>
+          <a:p>
+            <a:pPr marL="342900" lvl="0" indent="-342900">
+              <a:lnSpc>
+                <a:spcPct val="150000"/>
+              </a:lnSpc>
+              <a:spcAft>
+                <a:spcPts val="800"/>
+              </a:spcAft>
+              <a:buFont typeface="Symbol" panose="05050102010706020507" pitchFamily="18" charset="2"/>
+              <a:buChar char=""/>
+            </a:pPr>
+            <a:endParaRPr lang="en-PH" sz="2400" dirty="0">
+              <a:latin typeface="Tahoma" panose="020B0604030504040204" pitchFamily="34" charset="0"/>
+              <a:ea typeface="Times New Roman" panose="02020603050405020304" pitchFamily="18" charset="0"/>
+              <a:cs typeface="Times New Roman" panose="02020603050405020304" pitchFamily="18" charset="0"/>
+            </a:endParaRPr>
           </a:p>
         </p:txBody>
       </p:sp>
     </p:spTree>
     <p:extLst>
       <p:ext uri="{BB962C8B-B14F-4D97-AF65-F5344CB8AC3E}">
-        <p14:creationId xmlns:p14="http://schemas.microsoft.com/office/powerpoint/2010/main" val="3565905582"/>
+        <p14:creationId xmlns:p14="http://schemas.microsoft.com/office/powerpoint/2010/main" val="610356689"/>
       </p:ext>
     </p:extLst>
   </p:cSld>
@@ -10472,6 +10561,72 @@
     <p:extLst>
       <p:ext uri="{BB962C8B-B14F-4D97-AF65-F5344CB8AC3E}">
         <p14:creationId xmlns:p14="http://schemas.microsoft.com/office/powerpoint/2010/main" val="554340698"/>
+      </p:ext>
+    </p:extLst>
+  </p:cSld>
+  <p:clrMapOvr>
+    <a:masterClrMapping/>
+  </p:clrMapOvr>
+</p:sld>
+</file>
+
+<file path=ppt/slides/slide30.xml><?xml version="1.0" encoding="utf-8"?>
+<p:sld xmlns:a="http://schemas.openxmlformats.org/drawingml/2006/main" xmlns:r="http://schemas.openxmlformats.org/officeDocument/2006/relationships" xmlns:p="http://schemas.openxmlformats.org/presentationml/2006/main">
+  <p:cSld>
+    <p:spTree>
+      <p:nvGrpSpPr>
+        <p:cNvPr id="1" name=""/>
+        <p:cNvGrpSpPr/>
+        <p:nvPr/>
+      </p:nvGrpSpPr>
+      <p:grpSpPr>
+        <a:xfrm>
+          <a:off x="0" y="0"/>
+          <a:ext cx="0" cy="0"/>
+          <a:chOff x="0" y="0"/>
+          <a:chExt cx="0" cy="0"/>
+        </a:xfrm>
+      </p:grpSpPr>
+      <p:sp>
+        <p:nvSpPr>
+          <p:cNvPr id="4" name="TextBox 3">
+            <a:extLst>
+              <a:ext uri="{FF2B5EF4-FFF2-40B4-BE49-F238E27FC236}">
+                <a16:creationId xmlns:a16="http://schemas.microsoft.com/office/drawing/2014/main" id="{3FBF2CF3-4ADF-4DFC-8A5B-4F6524D594E5}"/>
+              </a:ext>
+            </a:extLst>
+          </p:cNvPr>
+          <p:cNvSpPr txBox="1"/>
+          <p:nvPr/>
+        </p:nvSpPr>
+        <p:spPr>
+          <a:xfrm>
+            <a:off x="1770742" y="2499096"/>
+            <a:ext cx="8650515" cy="1323439"/>
+          </a:xfrm>
+          <a:prstGeom prst="rect">
+            <a:avLst/>
+          </a:prstGeom>
+          <a:noFill/>
+        </p:spPr>
+        <p:txBody>
+          <a:bodyPr wrap="square" rtlCol="0">
+            <a:spAutoFit/>
+          </a:bodyPr>
+          <a:lstStyle/>
+          <a:p>
+            <a:pPr algn="ctr"/>
+            <a:r>
+              <a:rPr lang="en-PH" sz="8000" dirty="0"/>
+              <a:t>THANK YOU</a:t>
+            </a:r>
+          </a:p>
+        </p:txBody>
+      </p:sp>
+    </p:spTree>
+    <p:extLst>
+      <p:ext uri="{BB962C8B-B14F-4D97-AF65-F5344CB8AC3E}">
+        <p14:creationId xmlns:p14="http://schemas.microsoft.com/office/powerpoint/2010/main" val="3565905582"/>
       </p:ext>
     </p:extLst>
   </p:cSld>
@@ -11535,12 +11690,6 @@
 </file>
 
 <file path=customXml/item1.xml><?xml version="1.0" encoding="utf-8"?>
-<p:properties xmlns:p="http://schemas.microsoft.com/office/2006/metadata/properties" xmlns:xsi="http://www.w3.org/2001/XMLSchema-instance" xmlns:pc="http://schemas.microsoft.com/office/infopath/2007/PartnerControls">
-  <documentManagement/>
-</p:properties>
-</file>
-
-<file path=customXml/item2.xml><?xml version="1.0" encoding="utf-8"?>
 <ct:contentTypeSchema xmlns:ct="http://schemas.microsoft.com/office/2006/metadata/contentType" xmlns:ma="http://schemas.microsoft.com/office/2006/metadata/properties/metaAttributes" ct:_="" ma:_="" ma:contentTypeName="Document" ma:contentTypeID="0x0101003DA88DB85B4E8D4084484328911618A8" ma:contentTypeVersion="5" ma:contentTypeDescription="Create a new document." ma:contentTypeScope="" ma:versionID="1630f269bc344f605b1569b6759cf365">
   <xsd:schema xmlns:xsd="http://www.w3.org/2001/XMLSchema" xmlns:xs="http://www.w3.org/2001/XMLSchema" xmlns:p="http://schemas.microsoft.com/office/2006/metadata/properties" xmlns:ns3="fdade5d6-c01e-48ba-acc4-02ddfa9d7bb6" xmlns:ns4="795da99e-ba84-4562-a176-4f9db8050bfa" targetNamespace="http://schemas.microsoft.com/office/2006/metadata/properties" ma:root="true" ma:fieldsID="05147003163e0c2ee77fc0457ca6abd6" ns3:_="" ns4:_="">
     <xsd:import namespace="fdade5d6-c01e-48ba-acc4-02ddfa9d7bb6"/>
@@ -11711,6 +11860,12 @@
 </ct:contentTypeSchema>
 </file>
 
+<file path=customXml/item2.xml><?xml version="1.0" encoding="utf-8"?>
+<p:properties xmlns:p="http://schemas.microsoft.com/office/2006/metadata/properties" xmlns:xsi="http://www.w3.org/2001/XMLSchema-instance" xmlns:pc="http://schemas.microsoft.com/office/infopath/2007/PartnerControls">
+  <documentManagement/>
+</p:properties>
+</file>
+
 <file path=customXml/item3.xml><?xml version="1.0" encoding="utf-8"?>
 <?mso-contentType ?>
 <FormTemplates xmlns="http://schemas.microsoft.com/sharepoint/v3/contenttype/forms">
@@ -11721,23 +11876,6 @@
 </file>
 
 <file path=customXml/itemProps1.xml><?xml version="1.0" encoding="utf-8"?>
-<ds:datastoreItem xmlns:ds="http://schemas.openxmlformats.org/officeDocument/2006/customXml" ds:itemID="{8C47A13B-D867-4692-B527-F6C7A8158F04}">
-  <ds:schemaRefs>
-    <ds:schemaRef ds:uri="http://www.w3.org/XML/1998/namespace"/>
-    <ds:schemaRef ds:uri="http://schemas.openxmlformats.org/package/2006/metadata/core-properties"/>
-    <ds:schemaRef ds:uri="http://purl.org/dc/dcmitype/"/>
-    <ds:schemaRef ds:uri="http://schemas.microsoft.com/office/2006/documentManagement/types"/>
-    <ds:schemaRef ds:uri="http://purl.org/dc/terms/"/>
-    <ds:schemaRef ds:uri="http://schemas.microsoft.com/office/infopath/2007/PartnerControls"/>
-    <ds:schemaRef ds:uri="fdade5d6-c01e-48ba-acc4-02ddfa9d7bb6"/>
-    <ds:schemaRef ds:uri="795da99e-ba84-4562-a176-4f9db8050bfa"/>
-    <ds:schemaRef ds:uri="http://schemas.microsoft.com/office/2006/metadata/properties"/>
-    <ds:schemaRef ds:uri="http://purl.org/dc/elements/1.1/"/>
-  </ds:schemaRefs>
-</ds:datastoreItem>
-</file>
-
-<file path=customXml/itemProps2.xml><?xml version="1.0" encoding="utf-8"?>
 <ds:datastoreItem xmlns:ds="http://schemas.openxmlformats.org/officeDocument/2006/customXml" ds:itemID="{8ED7CC43-5202-4B7A-8202-CDA66FD5A2B4}">
   <ds:schemaRefs>
     <ds:schemaRef ds:uri="http://schemas.microsoft.com/office/2006/metadata/contentType"/>
@@ -11756,6 +11894,23 @@
 </ds:datastoreItem>
 </file>
 
+<file path=customXml/itemProps2.xml><?xml version="1.0" encoding="utf-8"?>
+<ds:datastoreItem xmlns:ds="http://schemas.openxmlformats.org/officeDocument/2006/customXml" ds:itemID="{8C47A13B-D867-4692-B527-F6C7A8158F04}">
+  <ds:schemaRefs>
+    <ds:schemaRef ds:uri="http://www.w3.org/XML/1998/namespace"/>
+    <ds:schemaRef ds:uri="http://schemas.openxmlformats.org/package/2006/metadata/core-properties"/>
+    <ds:schemaRef ds:uri="http://purl.org/dc/dcmitype/"/>
+    <ds:schemaRef ds:uri="http://schemas.microsoft.com/office/2006/documentManagement/types"/>
+    <ds:schemaRef ds:uri="http://purl.org/dc/terms/"/>
+    <ds:schemaRef ds:uri="http://schemas.microsoft.com/office/infopath/2007/PartnerControls"/>
+    <ds:schemaRef ds:uri="fdade5d6-c01e-48ba-acc4-02ddfa9d7bb6"/>
+    <ds:schemaRef ds:uri="795da99e-ba84-4562-a176-4f9db8050bfa"/>
+    <ds:schemaRef ds:uri="http://schemas.microsoft.com/office/2006/metadata/properties"/>
+    <ds:schemaRef ds:uri="http://purl.org/dc/elements/1.1/"/>
+  </ds:schemaRefs>
+</ds:datastoreItem>
+</file>
+
 <file path=customXml/itemProps3.xml><?xml version="1.0" encoding="utf-8"?>
 <ds:datastoreItem xmlns:ds="http://schemas.openxmlformats.org/officeDocument/2006/customXml" ds:itemID="{D7EDC7EB-0DC1-44C1-867C-7EF6FE677BC5}">
   <ds:schemaRefs>
